--- a/04-Buyuk-Veri-Sorgulama/07_apache_drill.pptx
+++ b/04-Buyuk-Veri-Sorgulama/07_apache_drill.pptx
@@ -199,13 +199,6 @@
           </ac:spMkLst>
         </pc:spChg>
       </pc:sldChg>
-      <pc:sldChg chg="del">
-        <pc:chgData name="Erkan ŞİRİN" userId="7f10ce1d6aaf8c5d" providerId="LiveId" clId="{74EFF639-6C63-4A8A-A464-18321EFF8DD2}" dt="2019-07-20T21:48:41.596" v="1805" actId="2696"/>
-        <pc:sldMkLst>
-          <pc:docMk/>
-          <pc:sldMk cId="430368396" sldId="282"/>
-        </pc:sldMkLst>
-      </pc:sldChg>
       <pc:sldChg chg="modSp">
         <pc:chgData name="Erkan ŞİRİN" userId="7f10ce1d6aaf8c5d" providerId="LiveId" clId="{74EFF639-6C63-4A8A-A464-18321EFF8DD2}" dt="2019-07-20T19:30:41.330" v="1174" actId="207"/>
         <pc:sldMkLst>
@@ -228,20 +221,6 @@
             <ac:spMk id="174" creationId="{00000000-0000-0000-0000-000000000000}"/>
           </ac:spMkLst>
         </pc:spChg>
-      </pc:sldChg>
-      <pc:sldChg chg="del">
-        <pc:chgData name="Erkan ŞİRİN" userId="7f10ce1d6aaf8c5d" providerId="LiveId" clId="{74EFF639-6C63-4A8A-A464-18321EFF8DD2}" dt="2019-07-20T21:48:41.608" v="1806" actId="2696"/>
-        <pc:sldMkLst>
-          <pc:docMk/>
-          <pc:sldMk cId="1144426767" sldId="284"/>
-        </pc:sldMkLst>
-      </pc:sldChg>
-      <pc:sldChg chg="del">
-        <pc:chgData name="Erkan ŞİRİN" userId="7f10ce1d6aaf8c5d" providerId="LiveId" clId="{74EFF639-6C63-4A8A-A464-18321EFF8DD2}" dt="2019-07-20T21:48:41.700" v="1813" actId="2696"/>
-        <pc:sldMkLst>
-          <pc:docMk/>
-          <pc:sldMk cId="806747080" sldId="285"/>
-        </pc:sldMkLst>
       </pc:sldChg>
       <pc:sldChg chg="addSp modSp modAnim">
         <pc:chgData name="Erkan ŞİRİN" userId="7f10ce1d6aaf8c5d" providerId="LiveId" clId="{74EFF639-6C63-4A8A-A464-18321EFF8DD2}" dt="2019-07-20T19:26:58.005" v="932"/>
@@ -282,27 +261,6 @@
           </ac:spMkLst>
         </pc:spChg>
       </pc:sldChg>
-      <pc:sldChg chg="del">
-        <pc:chgData name="Erkan ŞİRİN" userId="7f10ce1d6aaf8c5d" providerId="LiveId" clId="{74EFF639-6C63-4A8A-A464-18321EFF8DD2}" dt="2019-07-20T21:48:41.619" v="1807" actId="2696"/>
-        <pc:sldMkLst>
-          <pc:docMk/>
-          <pc:sldMk cId="3897043770" sldId="287"/>
-        </pc:sldMkLst>
-      </pc:sldChg>
-      <pc:sldChg chg="del">
-        <pc:chgData name="Erkan ŞİRİN" userId="7f10ce1d6aaf8c5d" providerId="LiveId" clId="{74EFF639-6C63-4A8A-A464-18321EFF8DD2}" dt="2019-07-20T21:48:41.627" v="1808" actId="2696"/>
-        <pc:sldMkLst>
-          <pc:docMk/>
-          <pc:sldMk cId="180617899" sldId="288"/>
-        </pc:sldMkLst>
-      </pc:sldChg>
-      <pc:sldChg chg="del">
-        <pc:chgData name="Erkan ŞİRİN" userId="7f10ce1d6aaf8c5d" providerId="LiveId" clId="{74EFF639-6C63-4A8A-A464-18321EFF8DD2}" dt="2019-07-20T21:48:41.637" v="1809" actId="2696"/>
-        <pc:sldMkLst>
-          <pc:docMk/>
-          <pc:sldMk cId="1819272940" sldId="289"/>
-        </pc:sldMkLst>
-      </pc:sldChg>
       <pc:sldChg chg="modSp">
         <pc:chgData name="Erkan ŞİRİN" userId="7f10ce1d6aaf8c5d" providerId="LiveId" clId="{74EFF639-6C63-4A8A-A464-18321EFF8DD2}" dt="2019-07-20T21:02:41.156" v="1202" actId="1076"/>
         <pc:sldMkLst>
@@ -326,13 +284,6 @@
           </ac:spMkLst>
         </pc:spChg>
       </pc:sldChg>
-      <pc:sldChg chg="del">
-        <pc:chgData name="Erkan ŞİRİN" userId="7f10ce1d6aaf8c5d" providerId="LiveId" clId="{74EFF639-6C63-4A8A-A464-18321EFF8DD2}" dt="2019-07-20T21:48:41.687" v="1812" actId="2696"/>
-        <pc:sldMkLst>
-          <pc:docMk/>
-          <pc:sldMk cId="4043244432" sldId="292"/>
-        </pc:sldMkLst>
-      </pc:sldChg>
       <pc:sldChg chg="addSp modSp">
         <pc:chgData name="Erkan ŞİRİN" userId="7f10ce1d6aaf8c5d" providerId="LiveId" clId="{74EFF639-6C63-4A8A-A464-18321EFF8DD2}" dt="2019-07-20T21:51:21.473" v="1823" actId="20577"/>
         <pc:sldMkLst>
@@ -355,43 +306,6 @@
             <ac:picMk id="4098" creationId="{1E95AC7B-6AE8-408A-AB92-CDC3313760D0}"/>
           </ac:picMkLst>
         </pc:picChg>
-      </pc:sldChg>
-      <pc:sldChg chg="del">
-        <pc:chgData name="Erkan ŞİRİN" userId="7f10ce1d6aaf8c5d" providerId="LiveId" clId="{74EFF639-6C63-4A8A-A464-18321EFF8DD2}" dt="2019-07-20T21:48:41.650" v="1810" actId="2696"/>
-        <pc:sldMkLst>
-          <pc:docMk/>
-          <pc:sldMk cId="166651979" sldId="294"/>
-        </pc:sldMkLst>
-      </pc:sldChg>
-      <pc:sldChg chg="del">
-        <pc:chgData name="Erkan ŞİRİN" userId="7f10ce1d6aaf8c5d" providerId="LiveId" clId="{74EFF639-6C63-4A8A-A464-18321EFF8DD2}" dt="2019-07-20T21:48:41.664" v="1811" actId="2696"/>
-        <pc:sldMkLst>
-          <pc:docMk/>
-          <pc:sldMk cId="270146919" sldId="295"/>
-        </pc:sldMkLst>
-      </pc:sldChg>
-      <pc:sldChg chg="modSp add modAnim">
-        <pc:chgData name="Erkan ŞİRİN" userId="7f10ce1d6aaf8c5d" providerId="LiveId" clId="{74EFF639-6C63-4A8A-A464-18321EFF8DD2}" dt="2019-07-20T19:10:04.448" v="561" actId="20577"/>
-        <pc:sldMkLst>
-          <pc:docMk/>
-          <pc:sldMk cId="2258699389" sldId="296"/>
-        </pc:sldMkLst>
-        <pc:spChg chg="mod">
-          <ac:chgData name="Erkan ŞİRİN" userId="7f10ce1d6aaf8c5d" providerId="LiveId" clId="{74EFF639-6C63-4A8A-A464-18321EFF8DD2}" dt="2019-07-20T19:05:36.024" v="444" actId="20577"/>
-          <ac:spMkLst>
-            <pc:docMk/>
-            <pc:sldMk cId="2258699389" sldId="296"/>
-            <ac:spMk id="16" creationId="{00000000-0000-0000-0000-000000000000}"/>
-          </ac:spMkLst>
-        </pc:spChg>
-        <pc:spChg chg="mod">
-          <ac:chgData name="Erkan ŞİRİN" userId="7f10ce1d6aaf8c5d" providerId="LiveId" clId="{74EFF639-6C63-4A8A-A464-18321EFF8DD2}" dt="2019-07-20T19:10:04.448" v="561" actId="20577"/>
-          <ac:spMkLst>
-            <pc:docMk/>
-            <pc:sldMk cId="2258699389" sldId="296"/>
-            <ac:spMk id="174" creationId="{00000000-0000-0000-0000-000000000000}"/>
-          </ac:spMkLst>
-        </pc:spChg>
       </pc:sldChg>
       <pc:sldChg chg="addSp delSp modSp add addAnim delAnim modAnim">
         <pc:chgData name="Erkan ŞİRİN" userId="7f10ce1d6aaf8c5d" providerId="LiveId" clId="{74EFF639-6C63-4A8A-A464-18321EFF8DD2}" dt="2019-07-20T19:31:40.672" v="1201" actId="13822"/>
@@ -648,12 +562,35 @@
   <pc:docChgLst>
     <pc:chgData name="Erkan ŞİRİN" userId="7f10ce1d6aaf8c5d" providerId="LiveId" clId="{CDE0F26E-30B0-48E8-A041-55587CD76341}"/>
     <pc:docChg chg="custSel addSld delSld modSld sldOrd">
-      <pc:chgData name="Erkan ŞİRİN" userId="7f10ce1d6aaf8c5d" providerId="LiveId" clId="{CDE0F26E-30B0-48E8-A041-55587CD76341}" dt="2019-07-21T12:33:23.544" v="513" actId="2696"/>
+      <pc:chgData name="Erkan ŞİRİN" userId="7f10ce1d6aaf8c5d" providerId="LiveId" clId="{CDE0F26E-30B0-48E8-A041-55587CD76341}" dt="2019-07-23T04:56:24.566" v="527" actId="478"/>
       <pc:docMkLst>
         <pc:docMk/>
       </pc:docMkLst>
-      <pc:sldChg chg="modSp modAnim">
-        <pc:chgData name="Erkan ŞİRİN" userId="7f10ce1d6aaf8c5d" providerId="LiveId" clId="{CDE0F26E-30B0-48E8-A041-55587CD76341}" dt="2019-07-21T12:09:36.978" v="25"/>
+      <pc:sldChg chg="delSp">
+        <pc:chgData name="Erkan ŞİRİN" userId="7f10ce1d6aaf8c5d" providerId="LiveId" clId="{CDE0F26E-30B0-48E8-A041-55587CD76341}" dt="2019-07-23T04:55:17.557" v="514" actId="478"/>
+        <pc:sldMkLst>
+          <pc:docMk/>
+          <pc:sldMk cId="1416118015" sldId="257"/>
+        </pc:sldMkLst>
+        <pc:grpChg chg="del">
+          <ac:chgData name="Erkan ŞİRİN" userId="7f10ce1d6aaf8c5d" providerId="LiveId" clId="{CDE0F26E-30B0-48E8-A041-55587CD76341}" dt="2019-07-23T04:55:17.557" v="514" actId="478"/>
+          <ac:grpSpMkLst>
+            <pc:docMk/>
+            <pc:sldMk cId="1416118015" sldId="257"/>
+            <ac:grpSpMk id="11" creationId="{00000000-0000-0000-0000-000000000000}"/>
+          </ac:grpSpMkLst>
+        </pc:grpChg>
+        <pc:grpChg chg="del">
+          <ac:chgData name="Erkan ŞİRİN" userId="7f10ce1d6aaf8c5d" providerId="LiveId" clId="{CDE0F26E-30B0-48E8-A041-55587CD76341}" dt="2019-07-23T04:55:17.557" v="514" actId="478"/>
+          <ac:grpSpMkLst>
+            <pc:docMk/>
+            <pc:sldMk cId="1416118015" sldId="257"/>
+            <ac:grpSpMk id="15" creationId="{00000000-0000-0000-0000-000000000000}"/>
+          </ac:grpSpMkLst>
+        </pc:grpChg>
+      </pc:sldChg>
+      <pc:sldChg chg="delSp modSp modAnim">
+        <pc:chgData name="Erkan ŞİRİN" userId="7f10ce1d6aaf8c5d" providerId="LiveId" clId="{CDE0F26E-30B0-48E8-A041-55587CD76341}" dt="2019-07-23T04:55:22.494" v="515" actId="478"/>
         <pc:sldMkLst>
           <pc:docMk/>
           <pc:sldMk cId="1658966560" sldId="280"/>
@@ -666,16 +603,48 @@
             <ac:spMk id="174" creationId="{00000000-0000-0000-0000-000000000000}"/>
           </ac:spMkLst>
         </pc:spChg>
+        <pc:grpChg chg="del">
+          <ac:chgData name="Erkan ŞİRİN" userId="7f10ce1d6aaf8c5d" providerId="LiveId" clId="{CDE0F26E-30B0-48E8-A041-55587CD76341}" dt="2019-07-23T04:55:22.494" v="515" actId="478"/>
+          <ac:grpSpMkLst>
+            <pc:docMk/>
+            <pc:sldMk cId="1658966560" sldId="280"/>
+            <ac:grpSpMk id="11" creationId="{00000000-0000-0000-0000-000000000000}"/>
+          </ac:grpSpMkLst>
+        </pc:grpChg>
+        <pc:grpChg chg="del">
+          <ac:chgData name="Erkan ŞİRİN" userId="7f10ce1d6aaf8c5d" providerId="LiveId" clId="{CDE0F26E-30B0-48E8-A041-55587CD76341}" dt="2019-07-23T04:55:22.494" v="515" actId="478"/>
+          <ac:grpSpMkLst>
+            <pc:docMk/>
+            <pc:sldMk cId="1658966560" sldId="280"/>
+            <ac:grpSpMk id="15" creationId="{00000000-0000-0000-0000-000000000000}"/>
+          </ac:grpSpMkLst>
+        </pc:grpChg>
       </pc:sldChg>
-      <pc:sldChg chg="modAnim">
-        <pc:chgData name="Erkan ŞİRİN" userId="7f10ce1d6aaf8c5d" providerId="LiveId" clId="{CDE0F26E-30B0-48E8-A041-55587CD76341}" dt="2019-07-21T12:11:54.964" v="46"/>
+      <pc:sldChg chg="delSp modAnim">
+        <pc:chgData name="Erkan ŞİRİN" userId="7f10ce1d6aaf8c5d" providerId="LiveId" clId="{CDE0F26E-30B0-48E8-A041-55587CD76341}" dt="2019-07-23T04:55:38.974" v="518" actId="478"/>
         <pc:sldMkLst>
           <pc:docMk/>
           <pc:sldMk cId="92395789" sldId="283"/>
         </pc:sldMkLst>
+        <pc:grpChg chg="del">
+          <ac:chgData name="Erkan ŞİRİN" userId="7f10ce1d6aaf8c5d" providerId="LiveId" clId="{CDE0F26E-30B0-48E8-A041-55587CD76341}" dt="2019-07-23T04:55:38.974" v="518" actId="478"/>
+          <ac:grpSpMkLst>
+            <pc:docMk/>
+            <pc:sldMk cId="92395789" sldId="283"/>
+            <ac:grpSpMk id="11" creationId="{00000000-0000-0000-0000-000000000000}"/>
+          </ac:grpSpMkLst>
+        </pc:grpChg>
+        <pc:grpChg chg="del">
+          <ac:chgData name="Erkan ŞİRİN" userId="7f10ce1d6aaf8c5d" providerId="LiveId" clId="{CDE0F26E-30B0-48E8-A041-55587CD76341}" dt="2019-07-23T04:55:38.974" v="518" actId="478"/>
+          <ac:grpSpMkLst>
+            <pc:docMk/>
+            <pc:sldMk cId="92395789" sldId="283"/>
+            <ac:grpSpMk id="15" creationId="{00000000-0000-0000-0000-000000000000}"/>
+          </ac:grpSpMkLst>
+        </pc:grpChg>
       </pc:sldChg>
-      <pc:sldChg chg="modSp">
-        <pc:chgData name="Erkan ŞİRİN" userId="7f10ce1d6aaf8c5d" providerId="LiveId" clId="{CDE0F26E-30B0-48E8-A041-55587CD76341}" dt="2019-07-21T12:24:19.081" v="197" actId="20577"/>
+      <pc:sldChg chg="delSp modSp">
+        <pc:chgData name="Erkan ŞİRİN" userId="7f10ce1d6aaf8c5d" providerId="LiveId" clId="{CDE0F26E-30B0-48E8-A041-55587CD76341}" dt="2019-07-23T04:55:58.753" v="522" actId="478"/>
         <pc:sldMkLst>
           <pc:docMk/>
           <pc:sldMk cId="4187908283" sldId="286"/>
@@ -696,9 +665,25 @@
             <ac:spMk id="174" creationId="{00000000-0000-0000-0000-000000000000}"/>
           </ac:spMkLst>
         </pc:spChg>
+        <pc:grpChg chg="del">
+          <ac:chgData name="Erkan ŞİRİN" userId="7f10ce1d6aaf8c5d" providerId="LiveId" clId="{CDE0F26E-30B0-48E8-A041-55587CD76341}" dt="2019-07-23T04:55:58.753" v="522" actId="478"/>
+          <ac:grpSpMkLst>
+            <pc:docMk/>
+            <pc:sldMk cId="4187908283" sldId="286"/>
+            <ac:grpSpMk id="11" creationId="{00000000-0000-0000-0000-000000000000}"/>
+          </ac:grpSpMkLst>
+        </pc:grpChg>
+        <pc:grpChg chg="del">
+          <ac:chgData name="Erkan ŞİRİN" userId="7f10ce1d6aaf8c5d" providerId="LiveId" clId="{CDE0F26E-30B0-48E8-A041-55587CD76341}" dt="2019-07-23T04:55:58.753" v="522" actId="478"/>
+          <ac:grpSpMkLst>
+            <pc:docMk/>
+            <pc:sldMk cId="4187908283" sldId="286"/>
+            <ac:grpSpMk id="15" creationId="{00000000-0000-0000-0000-000000000000}"/>
+          </ac:grpSpMkLst>
+        </pc:grpChg>
       </pc:sldChg>
-      <pc:sldChg chg="modSp">
-        <pc:chgData name="Erkan ŞİRİN" userId="7f10ce1d6aaf8c5d" providerId="LiveId" clId="{CDE0F26E-30B0-48E8-A041-55587CD76341}" dt="2019-07-21T12:26:08.752" v="205" actId="20577"/>
+      <pc:sldChg chg="delSp modSp">
+        <pc:chgData name="Erkan ŞİRİN" userId="7f10ce1d6aaf8c5d" providerId="LiveId" clId="{CDE0F26E-30B0-48E8-A041-55587CD76341}" dt="2019-07-23T04:56:04.126" v="523" actId="478"/>
         <pc:sldMkLst>
           <pc:docMk/>
           <pc:sldMk cId="2646892145" sldId="290"/>
@@ -711,23 +696,94 @@
             <ac:spMk id="174" creationId="{00000000-0000-0000-0000-000000000000}"/>
           </ac:spMkLst>
         </pc:spChg>
+        <pc:grpChg chg="del">
+          <ac:chgData name="Erkan ŞİRİN" userId="7f10ce1d6aaf8c5d" providerId="LiveId" clId="{CDE0F26E-30B0-48E8-A041-55587CD76341}" dt="2019-07-23T04:56:04.126" v="523" actId="478"/>
+          <ac:grpSpMkLst>
+            <pc:docMk/>
+            <pc:sldMk cId="2646892145" sldId="290"/>
+            <ac:grpSpMk id="11" creationId="{00000000-0000-0000-0000-000000000000}"/>
+          </ac:grpSpMkLst>
+        </pc:grpChg>
+        <pc:grpChg chg="del">
+          <ac:chgData name="Erkan ŞİRİN" userId="7f10ce1d6aaf8c5d" providerId="LiveId" clId="{CDE0F26E-30B0-48E8-A041-55587CD76341}" dt="2019-07-23T04:56:04.126" v="523" actId="478"/>
+          <ac:grpSpMkLst>
+            <pc:docMk/>
+            <pc:sldMk cId="2646892145" sldId="290"/>
+            <ac:grpSpMk id="15" creationId="{00000000-0000-0000-0000-000000000000}"/>
+          </ac:grpSpMkLst>
+        </pc:grpChg>
       </pc:sldChg>
-      <pc:sldChg chg="del">
-        <pc:chgData name="Erkan ŞİRİN" userId="7f10ce1d6aaf8c5d" providerId="LiveId" clId="{CDE0F26E-30B0-48E8-A041-55587CD76341}" dt="2019-07-21T12:10:31.377" v="31" actId="2696"/>
+      <pc:sldChg chg="delSp">
+        <pc:chgData name="Erkan ŞİRİN" userId="7f10ce1d6aaf8c5d" providerId="LiveId" clId="{CDE0F26E-30B0-48E8-A041-55587CD76341}" dt="2019-07-23T04:56:24.566" v="527" actId="478"/>
         <pc:sldMkLst>
           <pc:docMk/>
-          <pc:sldMk cId="2258699389" sldId="296"/>
+          <pc:sldMk cId="1996738549" sldId="293"/>
         </pc:sldMkLst>
+        <pc:grpChg chg="del">
+          <ac:chgData name="Erkan ŞİRİN" userId="7f10ce1d6aaf8c5d" providerId="LiveId" clId="{CDE0F26E-30B0-48E8-A041-55587CD76341}" dt="2019-07-23T04:56:24.566" v="527" actId="478"/>
+          <ac:grpSpMkLst>
+            <pc:docMk/>
+            <pc:sldMk cId="1996738549" sldId="293"/>
+            <ac:grpSpMk id="11" creationId="{00000000-0000-0000-0000-000000000000}"/>
+          </ac:grpSpMkLst>
+        </pc:grpChg>
+        <pc:grpChg chg="del">
+          <ac:chgData name="Erkan ŞİRİN" userId="7f10ce1d6aaf8c5d" providerId="LiveId" clId="{CDE0F26E-30B0-48E8-A041-55587CD76341}" dt="2019-07-23T04:56:24.566" v="527" actId="478"/>
+          <ac:grpSpMkLst>
+            <pc:docMk/>
+            <pc:sldMk cId="1996738549" sldId="293"/>
+            <ac:grpSpMk id="15" creationId="{00000000-0000-0000-0000-000000000000}"/>
+          </ac:grpSpMkLst>
+        </pc:grpChg>
       </pc:sldChg>
-      <pc:sldChg chg="modAnim">
-        <pc:chgData name="Erkan ŞİRİN" userId="7f10ce1d6aaf8c5d" providerId="LiveId" clId="{CDE0F26E-30B0-48E8-A041-55587CD76341}" dt="2019-07-21T12:12:47.414" v="54"/>
+      <pc:sldChg chg="delSp">
+        <pc:chgData name="Erkan ŞİRİN" userId="7f10ce1d6aaf8c5d" providerId="LiveId" clId="{CDE0F26E-30B0-48E8-A041-55587CD76341}" dt="2019-07-23T04:55:32.976" v="517" actId="478"/>
+        <pc:sldMkLst>
+          <pc:docMk/>
+          <pc:sldMk cId="4262258519" sldId="297"/>
+        </pc:sldMkLst>
+        <pc:grpChg chg="del">
+          <ac:chgData name="Erkan ŞİRİN" userId="7f10ce1d6aaf8c5d" providerId="LiveId" clId="{CDE0F26E-30B0-48E8-A041-55587CD76341}" dt="2019-07-23T04:55:32.976" v="517" actId="478"/>
+          <ac:grpSpMkLst>
+            <pc:docMk/>
+            <pc:sldMk cId="4262258519" sldId="297"/>
+            <ac:grpSpMk id="11" creationId="{00000000-0000-0000-0000-000000000000}"/>
+          </ac:grpSpMkLst>
+        </pc:grpChg>
+        <pc:grpChg chg="del">
+          <ac:chgData name="Erkan ŞİRİN" userId="7f10ce1d6aaf8c5d" providerId="LiveId" clId="{CDE0F26E-30B0-48E8-A041-55587CD76341}" dt="2019-07-23T04:55:32.976" v="517" actId="478"/>
+          <ac:grpSpMkLst>
+            <pc:docMk/>
+            <pc:sldMk cId="4262258519" sldId="297"/>
+            <ac:grpSpMk id="15" creationId="{00000000-0000-0000-0000-000000000000}"/>
+          </ac:grpSpMkLst>
+        </pc:grpChg>
+      </pc:sldChg>
+      <pc:sldChg chg="delSp modAnim">
+        <pc:chgData name="Erkan ŞİRİN" userId="7f10ce1d6aaf8c5d" providerId="LiveId" clId="{CDE0F26E-30B0-48E8-A041-55587CD76341}" dt="2019-07-23T04:55:43.552" v="519" actId="478"/>
         <pc:sldMkLst>
           <pc:docMk/>
           <pc:sldMk cId="997570854" sldId="298"/>
         </pc:sldMkLst>
+        <pc:grpChg chg="del">
+          <ac:chgData name="Erkan ŞİRİN" userId="7f10ce1d6aaf8c5d" providerId="LiveId" clId="{CDE0F26E-30B0-48E8-A041-55587CD76341}" dt="2019-07-23T04:55:43.552" v="519" actId="478"/>
+          <ac:grpSpMkLst>
+            <pc:docMk/>
+            <pc:sldMk cId="997570854" sldId="298"/>
+            <ac:grpSpMk id="11" creationId="{00000000-0000-0000-0000-000000000000}"/>
+          </ac:grpSpMkLst>
+        </pc:grpChg>
+        <pc:grpChg chg="del">
+          <ac:chgData name="Erkan ŞİRİN" userId="7f10ce1d6aaf8c5d" providerId="LiveId" clId="{CDE0F26E-30B0-48E8-A041-55587CD76341}" dt="2019-07-23T04:55:43.552" v="519" actId="478"/>
+          <ac:grpSpMkLst>
+            <pc:docMk/>
+            <pc:sldMk cId="997570854" sldId="298"/>
+            <ac:grpSpMk id="15" creationId="{00000000-0000-0000-0000-000000000000}"/>
+          </ac:grpSpMkLst>
+        </pc:grpChg>
       </pc:sldChg>
       <pc:sldChg chg="addSp delSp modSp ord modAnim">
-        <pc:chgData name="Erkan ŞİRİN" userId="7f10ce1d6aaf8c5d" providerId="LiveId" clId="{CDE0F26E-30B0-48E8-A041-55587CD76341}" dt="2019-07-21T12:22:31.916" v="155"/>
+        <pc:chgData name="Erkan ŞİRİN" userId="7f10ce1d6aaf8c5d" providerId="LiveId" clId="{CDE0F26E-30B0-48E8-A041-55587CD76341}" dt="2019-07-23T04:55:53.582" v="521" actId="478"/>
         <pc:sldMkLst>
           <pc:docMk/>
           <pc:sldMk cId="3297483448" sldId="299"/>
@@ -796,6 +852,22 @@
             <ac:spMk id="174" creationId="{00000000-0000-0000-0000-000000000000}"/>
           </ac:spMkLst>
         </pc:spChg>
+        <pc:grpChg chg="del">
+          <ac:chgData name="Erkan ŞİRİN" userId="7f10ce1d6aaf8c5d" providerId="LiveId" clId="{CDE0F26E-30B0-48E8-A041-55587CD76341}" dt="2019-07-23T04:55:53.582" v="521" actId="478"/>
+          <ac:grpSpMkLst>
+            <pc:docMk/>
+            <pc:sldMk cId="3297483448" sldId="299"/>
+            <ac:grpSpMk id="11" creationId="{00000000-0000-0000-0000-000000000000}"/>
+          </ac:grpSpMkLst>
+        </pc:grpChg>
+        <pc:grpChg chg="del">
+          <ac:chgData name="Erkan ŞİRİN" userId="7f10ce1d6aaf8c5d" providerId="LiveId" clId="{CDE0F26E-30B0-48E8-A041-55587CD76341}" dt="2019-07-23T04:55:53.582" v="521" actId="478"/>
+          <ac:grpSpMkLst>
+            <pc:docMk/>
+            <pc:sldMk cId="3297483448" sldId="299"/>
+            <ac:grpSpMk id="15" creationId="{00000000-0000-0000-0000-000000000000}"/>
+          </ac:grpSpMkLst>
+        </pc:grpChg>
         <pc:picChg chg="add mod modCrop">
           <ac:chgData name="Erkan ŞİRİN" userId="7f10ce1d6aaf8c5d" providerId="LiveId" clId="{CDE0F26E-30B0-48E8-A041-55587CD76341}" dt="2019-07-21T12:21:45.111" v="148" actId="1076"/>
           <ac:picMkLst>
@@ -821,8 +893,8 @@
           </ac:picMkLst>
         </pc:picChg>
       </pc:sldChg>
-      <pc:sldChg chg="modSp modAnim">
-        <pc:chgData name="Erkan ŞİRİN" userId="7f10ce1d6aaf8c5d" providerId="LiveId" clId="{CDE0F26E-30B0-48E8-A041-55587CD76341}" dt="2019-07-21T12:32:58.291" v="511" actId="20577"/>
+      <pc:sldChg chg="delSp modSp modAnim">
+        <pc:chgData name="Erkan ŞİRİN" userId="7f10ce1d6aaf8c5d" providerId="LiveId" clId="{CDE0F26E-30B0-48E8-A041-55587CD76341}" dt="2019-07-23T04:56:08.516" v="524" actId="478"/>
         <pc:sldMkLst>
           <pc:docMk/>
           <pc:sldMk cId="1888885736" sldId="300"/>
@@ -843,9 +915,25 @@
             <ac:spMk id="18" creationId="{C29816D0-88B0-4C49-A4E6-9EB2DCFBEE7E}"/>
           </ac:spMkLst>
         </pc:spChg>
+        <pc:grpChg chg="del">
+          <ac:chgData name="Erkan ŞİRİN" userId="7f10ce1d6aaf8c5d" providerId="LiveId" clId="{CDE0F26E-30B0-48E8-A041-55587CD76341}" dt="2019-07-23T04:56:08.516" v="524" actId="478"/>
+          <ac:grpSpMkLst>
+            <pc:docMk/>
+            <pc:sldMk cId="1888885736" sldId="300"/>
+            <ac:grpSpMk id="11" creationId="{00000000-0000-0000-0000-000000000000}"/>
+          </ac:grpSpMkLst>
+        </pc:grpChg>
+        <pc:grpChg chg="del">
+          <ac:chgData name="Erkan ŞİRİN" userId="7f10ce1d6aaf8c5d" providerId="LiveId" clId="{CDE0F26E-30B0-48E8-A041-55587CD76341}" dt="2019-07-23T04:56:08.516" v="524" actId="478"/>
+          <ac:grpSpMkLst>
+            <pc:docMk/>
+            <pc:sldMk cId="1888885736" sldId="300"/>
+            <ac:grpSpMk id="15" creationId="{00000000-0000-0000-0000-000000000000}"/>
+          </ac:grpSpMkLst>
+        </pc:grpChg>
       </pc:sldChg>
-      <pc:sldChg chg="modSp">
-        <pc:chgData name="Erkan ŞİRİN" userId="7f10ce1d6aaf8c5d" providerId="LiveId" clId="{CDE0F26E-30B0-48E8-A041-55587CD76341}" dt="2019-07-21T12:33:09.300" v="512" actId="20577"/>
+      <pc:sldChg chg="delSp modSp">
+        <pc:chgData name="Erkan ŞİRİN" userId="7f10ce1d6aaf8c5d" providerId="LiveId" clId="{CDE0F26E-30B0-48E8-A041-55587CD76341}" dt="2019-07-23T04:56:13.312" v="525" actId="478"/>
         <pc:sldMkLst>
           <pc:docMk/>
           <pc:sldMk cId="3615758743" sldId="301"/>
@@ -858,9 +946,48 @@
             <ac:spMk id="18" creationId="{C29816D0-88B0-4C49-A4E6-9EB2DCFBEE7E}"/>
           </ac:spMkLst>
         </pc:spChg>
+        <pc:grpChg chg="del">
+          <ac:chgData name="Erkan ŞİRİN" userId="7f10ce1d6aaf8c5d" providerId="LiveId" clId="{CDE0F26E-30B0-48E8-A041-55587CD76341}" dt="2019-07-23T04:56:13.312" v="525" actId="478"/>
+          <ac:grpSpMkLst>
+            <pc:docMk/>
+            <pc:sldMk cId="3615758743" sldId="301"/>
+            <ac:grpSpMk id="11" creationId="{00000000-0000-0000-0000-000000000000}"/>
+          </ac:grpSpMkLst>
+        </pc:grpChg>
+        <pc:grpChg chg="del">
+          <ac:chgData name="Erkan ŞİRİN" userId="7f10ce1d6aaf8c5d" providerId="LiveId" clId="{CDE0F26E-30B0-48E8-A041-55587CD76341}" dt="2019-07-23T04:56:13.312" v="525" actId="478"/>
+          <ac:grpSpMkLst>
+            <pc:docMk/>
+            <pc:sldMk cId="3615758743" sldId="301"/>
+            <ac:grpSpMk id="15" creationId="{00000000-0000-0000-0000-000000000000}"/>
+          </ac:grpSpMkLst>
+        </pc:grpChg>
       </pc:sldChg>
-      <pc:sldChg chg="modSp add modAnim">
-        <pc:chgData name="Erkan ŞİRİN" userId="7f10ce1d6aaf8c5d" providerId="LiveId" clId="{CDE0F26E-30B0-48E8-A041-55587CD76341}" dt="2019-07-21T12:09:56.334" v="30" actId="255"/>
+      <pc:sldChg chg="delSp">
+        <pc:chgData name="Erkan ŞİRİN" userId="7f10ce1d6aaf8c5d" providerId="LiveId" clId="{CDE0F26E-30B0-48E8-A041-55587CD76341}" dt="2019-07-23T04:56:18.686" v="526" actId="478"/>
+        <pc:sldMkLst>
+          <pc:docMk/>
+          <pc:sldMk cId="2802711028" sldId="302"/>
+        </pc:sldMkLst>
+        <pc:grpChg chg="del">
+          <ac:chgData name="Erkan ŞİRİN" userId="7f10ce1d6aaf8c5d" providerId="LiveId" clId="{CDE0F26E-30B0-48E8-A041-55587CD76341}" dt="2019-07-23T04:56:18.686" v="526" actId="478"/>
+          <ac:grpSpMkLst>
+            <pc:docMk/>
+            <pc:sldMk cId="2802711028" sldId="302"/>
+            <ac:grpSpMk id="11" creationId="{00000000-0000-0000-0000-000000000000}"/>
+          </ac:grpSpMkLst>
+        </pc:grpChg>
+        <pc:grpChg chg="del">
+          <ac:chgData name="Erkan ŞİRİN" userId="7f10ce1d6aaf8c5d" providerId="LiveId" clId="{CDE0F26E-30B0-48E8-A041-55587CD76341}" dt="2019-07-23T04:56:18.686" v="526" actId="478"/>
+          <ac:grpSpMkLst>
+            <pc:docMk/>
+            <pc:sldMk cId="2802711028" sldId="302"/>
+            <ac:grpSpMk id="15" creationId="{00000000-0000-0000-0000-000000000000}"/>
+          </ac:grpSpMkLst>
+        </pc:grpChg>
+      </pc:sldChg>
+      <pc:sldChg chg="delSp modSp add modAnim">
+        <pc:chgData name="Erkan ŞİRİN" userId="7f10ce1d6aaf8c5d" providerId="LiveId" clId="{CDE0F26E-30B0-48E8-A041-55587CD76341}" dt="2019-07-23T04:55:27.196" v="516" actId="478"/>
         <pc:sldMkLst>
           <pc:docMk/>
           <pc:sldMk cId="2270710790" sldId="303"/>
@@ -873,9 +1000,25 @@
             <ac:spMk id="174" creationId="{00000000-0000-0000-0000-000000000000}"/>
           </ac:spMkLst>
         </pc:spChg>
+        <pc:grpChg chg="del">
+          <ac:chgData name="Erkan ŞİRİN" userId="7f10ce1d6aaf8c5d" providerId="LiveId" clId="{CDE0F26E-30B0-48E8-A041-55587CD76341}" dt="2019-07-23T04:55:27.196" v="516" actId="478"/>
+          <ac:grpSpMkLst>
+            <pc:docMk/>
+            <pc:sldMk cId="2270710790" sldId="303"/>
+            <ac:grpSpMk id="11" creationId="{00000000-0000-0000-0000-000000000000}"/>
+          </ac:grpSpMkLst>
+        </pc:grpChg>
+        <pc:grpChg chg="del">
+          <ac:chgData name="Erkan ŞİRİN" userId="7f10ce1d6aaf8c5d" providerId="LiveId" clId="{CDE0F26E-30B0-48E8-A041-55587CD76341}" dt="2019-07-23T04:55:27.196" v="516" actId="478"/>
+          <ac:grpSpMkLst>
+            <pc:docMk/>
+            <pc:sldMk cId="2270710790" sldId="303"/>
+            <ac:grpSpMk id="15" creationId="{00000000-0000-0000-0000-000000000000}"/>
+          </ac:grpSpMkLst>
+        </pc:grpChg>
       </pc:sldChg>
       <pc:sldChg chg="delSp add modAnim">
-        <pc:chgData name="Erkan ŞİRİN" userId="7f10ce1d6aaf8c5d" providerId="LiveId" clId="{CDE0F26E-30B0-48E8-A041-55587CD76341}" dt="2019-07-21T12:13:30.352" v="56"/>
+        <pc:chgData name="Erkan ŞİRİN" userId="7f10ce1d6aaf8c5d" providerId="LiveId" clId="{CDE0F26E-30B0-48E8-A041-55587CD76341}" dt="2019-07-23T04:55:48.520" v="520" actId="478"/>
         <pc:sldMkLst>
           <pc:docMk/>
           <pc:sldMk cId="2675018847" sldId="304"/>
@@ -912,6 +1055,22 @@
             <ac:spMk id="18" creationId="{92A55CD5-9000-40F6-9CAD-4C22D550612E}"/>
           </ac:spMkLst>
         </pc:spChg>
+        <pc:grpChg chg="del">
+          <ac:chgData name="Erkan ŞİRİN" userId="7f10ce1d6aaf8c5d" providerId="LiveId" clId="{CDE0F26E-30B0-48E8-A041-55587CD76341}" dt="2019-07-23T04:55:48.520" v="520" actId="478"/>
+          <ac:grpSpMkLst>
+            <pc:docMk/>
+            <pc:sldMk cId="2675018847" sldId="304"/>
+            <ac:grpSpMk id="11" creationId="{00000000-0000-0000-0000-000000000000}"/>
+          </ac:grpSpMkLst>
+        </pc:grpChg>
+        <pc:grpChg chg="del">
+          <ac:chgData name="Erkan ŞİRİN" userId="7f10ce1d6aaf8c5d" providerId="LiveId" clId="{CDE0F26E-30B0-48E8-A041-55587CD76341}" dt="2019-07-23T04:55:48.520" v="520" actId="478"/>
+          <ac:grpSpMkLst>
+            <pc:docMk/>
+            <pc:sldMk cId="2675018847" sldId="304"/>
+            <ac:grpSpMk id="15" creationId="{00000000-0000-0000-0000-000000000000}"/>
+          </ac:grpSpMkLst>
+        </pc:grpChg>
         <pc:picChg chg="del">
           <ac:chgData name="Erkan ŞİRİN" userId="7f10ce1d6aaf8c5d" providerId="LiveId" clId="{CDE0F26E-30B0-48E8-A041-55587CD76341}" dt="2019-07-21T12:13:30.352" v="56"/>
           <ac:picMkLst>
@@ -928,36 +1087,6 @@
             <ac:picMk id="2052" creationId="{8FD9696A-4177-4EE4-B248-9776F401A3EC}"/>
           </ac:picMkLst>
         </pc:picChg>
-      </pc:sldChg>
-      <pc:sldChg chg="modSp add del">
-        <pc:chgData name="Erkan ŞİRİN" userId="7f10ce1d6aaf8c5d" providerId="LiveId" clId="{CDE0F26E-30B0-48E8-A041-55587CD76341}" dt="2019-07-21T12:33:23.544" v="513" actId="2696"/>
-        <pc:sldMkLst>
-          <pc:docMk/>
-          <pc:sldMk cId="934352653" sldId="305"/>
-        </pc:sldMkLst>
-        <pc:spChg chg="mod">
-          <ac:chgData name="Erkan ŞİRİN" userId="7f10ce1d6aaf8c5d" providerId="LiveId" clId="{CDE0F26E-30B0-48E8-A041-55587CD76341}" dt="2019-07-21T12:19:20.375" v="130" actId="122"/>
-          <ac:spMkLst>
-            <pc:docMk/>
-            <pc:sldMk cId="934352653" sldId="305"/>
-            <ac:spMk id="2" creationId="{AF67073F-1F69-4037-88E0-37030725F913}"/>
-          </ac:spMkLst>
-        </pc:spChg>
-        <pc:spChg chg="mod">
-          <ac:chgData name="Erkan ŞİRİN" userId="7f10ce1d6aaf8c5d" providerId="LiveId" clId="{CDE0F26E-30B0-48E8-A041-55587CD76341}" dt="2019-07-21T12:19:31.931" v="131" actId="1076"/>
-          <ac:spMkLst>
-            <pc:docMk/>
-            <pc:sldMk cId="934352653" sldId="305"/>
-            <ac:spMk id="3" creationId="{5EE39F54-53B1-4C52-A540-5CDC118A72DE}"/>
-          </ac:spMkLst>
-        </pc:spChg>
-      </pc:sldChg>
-      <pc:sldChg chg="add del">
-        <pc:chgData name="Erkan ŞİRİN" userId="7f10ce1d6aaf8c5d" providerId="LiveId" clId="{CDE0F26E-30B0-48E8-A041-55587CD76341}" dt="2019-07-21T12:17:31.442" v="119" actId="2696"/>
-        <pc:sldMkLst>
-          <pc:docMk/>
-          <pc:sldMk cId="2625557335" sldId="305"/>
-        </pc:sldMkLst>
       </pc:sldChg>
     </pc:docChg>
   </pc:docChgLst>
@@ -1046,7 +1175,7 @@
           <a:p>
             <a:fld id="{6F77F576-AE14-466D-AA6B-335273622B21}" type="datetimeFigureOut">
               <a:rPr lang="en-US" smtClean="0"/>
-              <a:t>7/21/2019</a:t>
+              <a:t>7/23/2019</a:t>
             </a:fld>
             <a:endParaRPr lang="en-US"/>
           </a:p>
@@ -1445,7 +1574,7 @@
           <a:p>
             <a:fld id="{54AA066D-271F-4C1A-B89A-0705A7689EE9}" type="datetimeFigureOut">
               <a:rPr lang="en-US" smtClean="0"/>
-              <a:t>7/21/2019</a:t>
+              <a:t>7/23/2019</a:t>
             </a:fld>
             <a:endParaRPr lang="en-US"/>
           </a:p>
@@ -1615,7 +1744,7 @@
           <a:p>
             <a:fld id="{54AA066D-271F-4C1A-B89A-0705A7689EE9}" type="datetimeFigureOut">
               <a:rPr lang="en-US" smtClean="0"/>
-              <a:t>7/21/2019</a:t>
+              <a:t>7/23/2019</a:t>
             </a:fld>
             <a:endParaRPr lang="en-US"/>
           </a:p>
@@ -1795,7 +1924,7 @@
           <a:p>
             <a:fld id="{54AA066D-271F-4C1A-B89A-0705A7689EE9}" type="datetimeFigureOut">
               <a:rPr lang="en-US" smtClean="0"/>
-              <a:t>7/21/2019</a:t>
+              <a:t>7/23/2019</a:t>
             </a:fld>
             <a:endParaRPr lang="en-US"/>
           </a:p>
@@ -1965,7 +2094,7 @@
           <a:p>
             <a:fld id="{54AA066D-271F-4C1A-B89A-0705A7689EE9}" type="datetimeFigureOut">
               <a:rPr lang="en-US" smtClean="0"/>
-              <a:t>7/21/2019</a:t>
+              <a:t>7/23/2019</a:t>
             </a:fld>
             <a:endParaRPr lang="en-US"/>
           </a:p>
@@ -2211,7 +2340,7 @@
           <a:p>
             <a:fld id="{54AA066D-271F-4C1A-B89A-0705A7689EE9}" type="datetimeFigureOut">
               <a:rPr lang="en-US" smtClean="0"/>
-              <a:t>7/21/2019</a:t>
+              <a:t>7/23/2019</a:t>
             </a:fld>
             <a:endParaRPr lang="en-US"/>
           </a:p>
@@ -2443,7 +2572,7 @@
           <a:p>
             <a:fld id="{54AA066D-271F-4C1A-B89A-0705A7689EE9}" type="datetimeFigureOut">
               <a:rPr lang="en-US" smtClean="0"/>
-              <a:t>7/21/2019</a:t>
+              <a:t>7/23/2019</a:t>
             </a:fld>
             <a:endParaRPr lang="en-US"/>
           </a:p>
@@ -2810,7 +2939,7 @@
           <a:p>
             <a:fld id="{54AA066D-271F-4C1A-B89A-0705A7689EE9}" type="datetimeFigureOut">
               <a:rPr lang="en-US" smtClean="0"/>
-              <a:t>7/21/2019</a:t>
+              <a:t>7/23/2019</a:t>
             </a:fld>
             <a:endParaRPr lang="en-US"/>
           </a:p>
@@ -2928,7 +3057,7 @@
           <a:p>
             <a:fld id="{54AA066D-271F-4C1A-B89A-0705A7689EE9}" type="datetimeFigureOut">
               <a:rPr lang="en-US" smtClean="0"/>
-              <a:t>7/21/2019</a:t>
+              <a:t>7/23/2019</a:t>
             </a:fld>
             <a:endParaRPr lang="en-US"/>
           </a:p>
@@ -3023,7 +3152,7 @@
           <a:p>
             <a:fld id="{54AA066D-271F-4C1A-B89A-0705A7689EE9}" type="datetimeFigureOut">
               <a:rPr lang="en-US" smtClean="0"/>
-              <a:t>7/21/2019</a:t>
+              <a:t>7/23/2019</a:t>
             </a:fld>
             <a:endParaRPr lang="en-US"/>
           </a:p>
@@ -3300,7 +3429,7 @@
           <a:p>
             <a:fld id="{54AA066D-271F-4C1A-B89A-0705A7689EE9}" type="datetimeFigureOut">
               <a:rPr lang="en-US" smtClean="0"/>
-              <a:t>7/21/2019</a:t>
+              <a:t>7/23/2019</a:t>
             </a:fld>
             <a:endParaRPr lang="en-US"/>
           </a:p>
@@ -3553,7 +3682,7 @@
           <a:p>
             <a:fld id="{54AA066D-271F-4C1A-B89A-0705A7689EE9}" type="datetimeFigureOut">
               <a:rPr lang="en-US" smtClean="0"/>
-              <a:t>7/21/2019</a:t>
+              <a:t>7/23/2019</a:t>
             </a:fld>
             <a:endParaRPr lang="en-US"/>
           </a:p>
@@ -3766,7 +3895,7 @@
           <a:p>
             <a:fld id="{54AA066D-271F-4C1A-B89A-0705A7689EE9}" type="datetimeFigureOut">
               <a:rPr lang="en-US" smtClean="0"/>
-              <a:t>7/21/2019</a:t>
+              <a:t>7/23/2019</a:t>
             </a:fld>
             <a:endParaRPr lang="en-US"/>
           </a:p>
@@ -4208,362 +4337,6 @@
           </a:fontRef>
         </p:style>
       </p:cxnSp>
-      <p:grpSp>
-        <p:nvGrpSpPr>
-          <p:cNvPr id="15" name="Grup 14"/>
-          <p:cNvGrpSpPr/>
-          <p:nvPr/>
-        </p:nvGrpSpPr>
-        <p:grpSpPr>
-          <a:xfrm>
-            <a:off x="228596" y="6231467"/>
-            <a:ext cx="3041654" cy="492576"/>
-            <a:chOff x="228596" y="6231467"/>
-            <a:chExt cx="3041654" cy="492576"/>
-          </a:xfrm>
-        </p:grpSpPr>
-        <p:grpSp>
-          <p:nvGrpSpPr>
-            <p:cNvPr id="8" name="Grup 7"/>
-            <p:cNvGrpSpPr/>
-            <p:nvPr/>
-          </p:nvGrpSpPr>
-          <p:grpSpPr>
-            <a:xfrm>
-              <a:off x="228596" y="6231467"/>
-              <a:ext cx="2802471" cy="457084"/>
-              <a:chOff x="127000" y="5901146"/>
-              <a:chExt cx="5156200" cy="838200"/>
-            </a:xfrm>
-          </p:grpSpPr>
-          <p:sp>
-            <p:nvSpPr>
-              <p:cNvPr id="7" name="Dikdörtgen 6"/>
-              <p:cNvSpPr/>
-              <p:nvPr/>
-            </p:nvSpPr>
-            <p:spPr>
-              <a:xfrm>
-                <a:off x="127000" y="5901146"/>
-                <a:ext cx="5156200" cy="838200"/>
-              </a:xfrm>
-              <a:prstGeom prst="rect">
-                <a:avLst/>
-              </a:prstGeom>
-              <a:solidFill>
-                <a:schemeClr val="bg1">
-                  <a:lumMod val="95000"/>
-                </a:schemeClr>
-              </a:solidFill>
-              <a:ln>
-                <a:noFill/>
-              </a:ln>
-            </p:spPr>
-            <p:style>
-              <a:lnRef idx="2">
-                <a:schemeClr val="accent1">
-                  <a:shade val="50000"/>
-                </a:schemeClr>
-              </a:lnRef>
-              <a:fillRef idx="1">
-                <a:schemeClr val="accent1"/>
-              </a:fillRef>
-              <a:effectRef idx="0">
-                <a:schemeClr val="accent1"/>
-              </a:effectRef>
-              <a:fontRef idx="minor">
-                <a:schemeClr val="lt1"/>
-              </a:fontRef>
-            </p:style>
-            <p:txBody>
-              <a:bodyPr rtlCol="0" anchor="ctr"/>
-              <a:lstStyle/>
-              <a:p>
-                <a:pPr algn="ctr"/>
-                <a:endParaRPr lang="en-US" sz="2000"/>
-              </a:p>
-            </p:txBody>
-          </p:sp>
-          <p:grpSp>
-            <p:nvGrpSpPr>
-              <p:cNvPr id="6" name="Grup 5"/>
-              <p:cNvGrpSpPr/>
-              <p:nvPr/>
-            </p:nvGrpSpPr>
-            <p:grpSpPr>
-              <a:xfrm>
-                <a:off x="211667" y="6019800"/>
-                <a:ext cx="5012266" cy="605115"/>
-                <a:chOff x="211667" y="6019800"/>
-                <a:chExt cx="5012266" cy="605115"/>
-              </a:xfrm>
-            </p:grpSpPr>
-            <p:pic>
-              <p:nvPicPr>
-                <p:cNvPr id="4" name="Resim 3"/>
-                <p:cNvPicPr>
-                  <a:picLocks noChangeAspect="1"/>
-                </p:cNvPicPr>
-                <p:nvPr/>
-              </p:nvPicPr>
-              <p:blipFill rotWithShape="1">
-                <a:blip r:embed="rId2" cstate="print">
-                  <a:extLst>
-                    <a:ext uri="{28A0092B-C50C-407E-A947-70E740481C1C}">
-                      <a14:useLocalDpi xmlns:a14="http://schemas.microsoft.com/office/drawing/2010/main" val="0"/>
-                    </a:ext>
-                  </a:extLst>
-                </a:blip>
-                <a:srcRect l="24387" t="8319" r="18355" b="50150"/>
-                <a:stretch/>
-              </p:blipFill>
-              <p:spPr>
-                <a:xfrm>
-                  <a:off x="211667" y="6019800"/>
-                  <a:ext cx="1072095" cy="600892"/>
-                </a:xfrm>
-                <a:prstGeom prst="rect">
-                  <a:avLst/>
-                </a:prstGeom>
-              </p:spPr>
-            </p:pic>
-            <p:sp>
-              <p:nvSpPr>
-                <p:cNvPr id="5" name="Unvan 1"/>
-                <p:cNvSpPr txBox="1">
-                  <a:spLocks/>
-                </p:cNvSpPr>
-                <p:nvPr/>
-              </p:nvSpPr>
-              <p:spPr>
-                <a:xfrm>
-                  <a:off x="1283763" y="6024023"/>
-                  <a:ext cx="3940170" cy="600892"/>
-                </a:xfrm>
-                <a:prstGeom prst="rect">
-                  <a:avLst/>
-                </a:prstGeom>
-              </p:spPr>
-              <p:txBody>
-                <a:bodyPr vert="horz" lIns="91440" tIns="45720" rIns="91440" bIns="45720" rtlCol="0" anchor="b">
-                  <a:noAutofit/>
-                </a:bodyPr>
-                <a:lstStyle>
-                  <a:lvl1pPr algn="ctr" defTabSz="914400" rtl="0" eaLnBrk="1" latinLnBrk="0" hangingPunct="1">
-                    <a:lnSpc>
-                      <a:spcPct val="90000"/>
-                    </a:lnSpc>
-                    <a:spcBef>
-                      <a:spcPct val="0"/>
-                    </a:spcBef>
-                    <a:buNone/>
-                    <a:defRPr sz="6000" kern="1200">
-                      <a:solidFill>
-                        <a:schemeClr val="tx1"/>
-                      </a:solidFill>
-                      <a:latin typeface="+mj-lt"/>
-                      <a:ea typeface="+mj-ea"/>
-                      <a:cs typeface="+mj-cs"/>
-                    </a:defRPr>
-                  </a:lvl1pPr>
-                </a:lstStyle>
-                <a:p>
-                  <a:pPr algn="l"/>
-                  <a:r>
-                    <a:rPr lang="tr-TR" sz="2000" dirty="0">
-                      <a:solidFill>
-                        <a:srgbClr val="CB171F"/>
-                      </a:solidFill>
-                      <a:latin typeface="Constantia" panose="02030602050306030303" pitchFamily="18" charset="0"/>
-                      <a:ea typeface="Verdana" panose="020B0604030504040204" pitchFamily="34" charset="0"/>
-                      <a:cs typeface="Arial" panose="020B0604020202020204" pitchFamily="34" charset="0"/>
-                    </a:rPr>
-                    <a:t>Veri Bilimi Okulu</a:t>
-                  </a:r>
-                  <a:endParaRPr lang="en-US" sz="2000" dirty="0">
-                    <a:solidFill>
-                      <a:srgbClr val="CB171F"/>
-                    </a:solidFill>
-                    <a:latin typeface="Constantia" panose="02030602050306030303" pitchFamily="18" charset="0"/>
-                    <a:ea typeface="Verdana" panose="020B0604030504040204" pitchFamily="34" charset="0"/>
-                    <a:cs typeface="Arial" panose="020B0604020202020204" pitchFamily="34" charset="0"/>
-                  </a:endParaRPr>
-                </a:p>
-              </p:txBody>
-            </p:sp>
-          </p:grpSp>
-        </p:grpSp>
-        <p:sp>
-          <p:nvSpPr>
-            <p:cNvPr id="12" name="Metin kutusu 11"/>
-            <p:cNvSpPr txBox="1"/>
-            <p:nvPr/>
-          </p:nvSpPr>
-          <p:spPr>
-            <a:xfrm>
-              <a:off x="1582782" y="6493211"/>
-              <a:ext cx="1687468" cy="230832"/>
-            </a:xfrm>
-            <a:prstGeom prst="rect">
-              <a:avLst/>
-            </a:prstGeom>
-            <a:noFill/>
-          </p:spPr>
-          <p:txBody>
-            <a:bodyPr wrap="square" rtlCol="0">
-              <a:spAutoFit/>
-            </a:bodyPr>
-            <a:lstStyle/>
-            <a:p>
-              <a:r>
-                <a:rPr lang="en-US" sz="900" dirty="0">
-                  <a:solidFill>
-                    <a:srgbClr val="0B8043"/>
-                  </a:solidFill>
-                </a:rPr>
-                <a:t>https:</a:t>
-              </a:r>
-              <a:r>
-                <a:rPr lang="en-US" sz="900" dirty="0">
-                  <a:solidFill>
-                    <a:schemeClr val="bg1">
-                      <a:lumMod val="50000"/>
-                    </a:schemeClr>
-                  </a:solidFill>
-                </a:rPr>
-                <a:t>//www.veribilimi.co</a:t>
-              </a:r>
-            </a:p>
-          </p:txBody>
-        </p:sp>
-      </p:grpSp>
-      <p:grpSp>
-        <p:nvGrpSpPr>
-          <p:cNvPr id="11" name="Grup 10"/>
-          <p:cNvGrpSpPr/>
-          <p:nvPr/>
-        </p:nvGrpSpPr>
-        <p:grpSpPr>
-          <a:xfrm>
-            <a:off x="9194796" y="6231467"/>
-            <a:ext cx="2802471" cy="457084"/>
-            <a:chOff x="184993" y="5905369"/>
-            <a:chExt cx="5156200" cy="838200"/>
-          </a:xfrm>
-        </p:grpSpPr>
-        <p:sp>
-          <p:nvSpPr>
-            <p:cNvPr id="13" name="Dikdörtgen 12"/>
-            <p:cNvSpPr/>
-            <p:nvPr/>
-          </p:nvSpPr>
-          <p:spPr>
-            <a:xfrm>
-              <a:off x="184993" y="5905369"/>
-              <a:ext cx="5156200" cy="838200"/>
-            </a:xfrm>
-            <a:prstGeom prst="rect">
-              <a:avLst/>
-            </a:prstGeom>
-            <a:solidFill>
-              <a:schemeClr val="bg1">
-                <a:lumMod val="95000"/>
-              </a:schemeClr>
-            </a:solidFill>
-            <a:ln>
-              <a:noFill/>
-            </a:ln>
-          </p:spPr>
-          <p:style>
-            <a:lnRef idx="2">
-              <a:schemeClr val="accent1">
-                <a:shade val="50000"/>
-              </a:schemeClr>
-            </a:lnRef>
-            <a:fillRef idx="1">
-              <a:schemeClr val="accent1"/>
-            </a:fillRef>
-            <a:effectRef idx="0">
-              <a:schemeClr val="accent1"/>
-            </a:effectRef>
-            <a:fontRef idx="minor">
-              <a:schemeClr val="lt1"/>
-            </a:fontRef>
-          </p:style>
-          <p:txBody>
-            <a:bodyPr rtlCol="0" anchor="ctr"/>
-            <a:lstStyle/>
-            <a:p>
-              <a:pPr algn="ctr"/>
-              <a:endParaRPr lang="en-US" sz="2000"/>
-            </a:p>
-          </p:txBody>
-        </p:sp>
-        <p:sp>
-          <p:nvSpPr>
-            <p:cNvPr id="14" name="Unvan 1"/>
-            <p:cNvSpPr txBox="1">
-              <a:spLocks/>
-            </p:cNvSpPr>
-            <p:nvPr/>
-          </p:nvSpPr>
-          <p:spPr>
-            <a:xfrm>
-              <a:off x="302252" y="6024023"/>
-              <a:ext cx="4921678" cy="600892"/>
-            </a:xfrm>
-            <a:prstGeom prst="rect">
-              <a:avLst/>
-            </a:prstGeom>
-          </p:spPr>
-          <p:txBody>
-            <a:bodyPr vert="horz" lIns="91440" tIns="45720" rIns="91440" bIns="45720" rtlCol="0" anchor="b">
-              <a:noAutofit/>
-            </a:bodyPr>
-            <a:lstStyle>
-              <a:lvl1pPr algn="ctr" defTabSz="914400" rtl="0" eaLnBrk="1" latinLnBrk="0" hangingPunct="1">
-                <a:lnSpc>
-                  <a:spcPct val="90000"/>
-                </a:lnSpc>
-                <a:spcBef>
-                  <a:spcPct val="0"/>
-                </a:spcBef>
-                <a:buNone/>
-                <a:defRPr sz="6000" kern="1200">
-                  <a:solidFill>
-                    <a:schemeClr val="tx1"/>
-                  </a:solidFill>
-                  <a:latin typeface="+mj-lt"/>
-                  <a:ea typeface="+mj-ea"/>
-                  <a:cs typeface="+mj-cs"/>
-                </a:defRPr>
-              </a:lvl1pPr>
-            </a:lstStyle>
-            <a:p>
-              <a:pPr algn="l"/>
-              <a:r>
-                <a:rPr lang="tr-TR" sz="2000" dirty="0">
-                  <a:solidFill>
-                    <a:srgbClr val="CB171F"/>
-                  </a:solidFill>
-                  <a:latin typeface="Constantia" panose="02030602050306030303" pitchFamily="18" charset="0"/>
-                  <a:ea typeface="Verdana" panose="020B0604030504040204" pitchFamily="34" charset="0"/>
-                  <a:cs typeface="Arial" panose="020B0604020202020204" pitchFamily="34" charset="0"/>
-                </a:rPr>
-                <a:t>A’dan Z’ye Büyük Veri</a:t>
-              </a:r>
-              <a:endParaRPr lang="en-US" sz="2000" dirty="0">
-                <a:solidFill>
-                  <a:srgbClr val="CB171F"/>
-                </a:solidFill>
-                <a:latin typeface="Constantia" panose="02030602050306030303" pitchFamily="18" charset="0"/>
-                <a:ea typeface="Verdana" panose="020B0604030504040204" pitchFamily="34" charset="0"/>
-                <a:cs typeface="Arial" panose="020B0604020202020204" pitchFamily="34" charset="0"/>
-              </a:endParaRPr>
-            </a:p>
-          </p:txBody>
-        </p:sp>
-      </p:grpSp>
       <p:sp>
         <p:nvSpPr>
           <p:cNvPr id="17" name="Unvan 1"/>
@@ -4615,7 +4388,7 @@
           <p:nvPr/>
         </p:nvPicPr>
         <p:blipFill rotWithShape="1">
-          <a:blip r:embed="rId3">
+          <a:blip r:embed="rId2">
             <a:extLst>
               <a:ext uri="{28A0092B-C50C-407E-A947-70E740481C1C}">
                 <a14:useLocalDpi xmlns:a14="http://schemas.microsoft.com/office/drawing/2010/main" val="0"/>
@@ -4712,362 +4485,6 @@
           </a:fontRef>
         </p:style>
       </p:cxnSp>
-      <p:grpSp>
-        <p:nvGrpSpPr>
-          <p:cNvPr id="15" name="Grup 14"/>
-          <p:cNvGrpSpPr/>
-          <p:nvPr/>
-        </p:nvGrpSpPr>
-        <p:grpSpPr>
-          <a:xfrm>
-            <a:off x="228596" y="6231467"/>
-            <a:ext cx="3041654" cy="492576"/>
-            <a:chOff x="228596" y="6231467"/>
-            <a:chExt cx="3041654" cy="492576"/>
-          </a:xfrm>
-        </p:grpSpPr>
-        <p:grpSp>
-          <p:nvGrpSpPr>
-            <p:cNvPr id="8" name="Grup 7"/>
-            <p:cNvGrpSpPr/>
-            <p:nvPr/>
-          </p:nvGrpSpPr>
-          <p:grpSpPr>
-            <a:xfrm>
-              <a:off x="228596" y="6231467"/>
-              <a:ext cx="2802471" cy="457084"/>
-              <a:chOff x="127000" y="5901146"/>
-              <a:chExt cx="5156200" cy="838200"/>
-            </a:xfrm>
-          </p:grpSpPr>
-          <p:sp>
-            <p:nvSpPr>
-              <p:cNvPr id="7" name="Dikdörtgen 6"/>
-              <p:cNvSpPr/>
-              <p:nvPr/>
-            </p:nvSpPr>
-            <p:spPr>
-              <a:xfrm>
-                <a:off x="127000" y="5901146"/>
-                <a:ext cx="5156200" cy="838200"/>
-              </a:xfrm>
-              <a:prstGeom prst="rect">
-                <a:avLst/>
-              </a:prstGeom>
-              <a:solidFill>
-                <a:schemeClr val="bg1">
-                  <a:lumMod val="95000"/>
-                </a:schemeClr>
-              </a:solidFill>
-              <a:ln>
-                <a:noFill/>
-              </a:ln>
-            </p:spPr>
-            <p:style>
-              <a:lnRef idx="2">
-                <a:schemeClr val="accent1">
-                  <a:shade val="50000"/>
-                </a:schemeClr>
-              </a:lnRef>
-              <a:fillRef idx="1">
-                <a:schemeClr val="accent1"/>
-              </a:fillRef>
-              <a:effectRef idx="0">
-                <a:schemeClr val="accent1"/>
-              </a:effectRef>
-              <a:fontRef idx="minor">
-                <a:schemeClr val="lt1"/>
-              </a:fontRef>
-            </p:style>
-            <p:txBody>
-              <a:bodyPr rtlCol="0" anchor="ctr"/>
-              <a:lstStyle/>
-              <a:p>
-                <a:pPr algn="ctr"/>
-                <a:endParaRPr lang="en-US" sz="2000"/>
-              </a:p>
-            </p:txBody>
-          </p:sp>
-          <p:grpSp>
-            <p:nvGrpSpPr>
-              <p:cNvPr id="6" name="Grup 5"/>
-              <p:cNvGrpSpPr/>
-              <p:nvPr/>
-            </p:nvGrpSpPr>
-            <p:grpSpPr>
-              <a:xfrm>
-                <a:off x="211667" y="6019800"/>
-                <a:ext cx="5012266" cy="605115"/>
-                <a:chOff x="211667" y="6019800"/>
-                <a:chExt cx="5012266" cy="605115"/>
-              </a:xfrm>
-            </p:grpSpPr>
-            <p:pic>
-              <p:nvPicPr>
-                <p:cNvPr id="4" name="Resim 3"/>
-                <p:cNvPicPr>
-                  <a:picLocks noChangeAspect="1"/>
-                </p:cNvPicPr>
-                <p:nvPr/>
-              </p:nvPicPr>
-              <p:blipFill rotWithShape="1">
-                <a:blip r:embed="rId2" cstate="print">
-                  <a:extLst>
-                    <a:ext uri="{28A0092B-C50C-407E-A947-70E740481C1C}">
-                      <a14:useLocalDpi xmlns:a14="http://schemas.microsoft.com/office/drawing/2010/main" val="0"/>
-                    </a:ext>
-                  </a:extLst>
-                </a:blip>
-                <a:srcRect l="24387" t="8319" r="18355" b="50150"/>
-                <a:stretch/>
-              </p:blipFill>
-              <p:spPr>
-                <a:xfrm>
-                  <a:off x="211667" y="6019800"/>
-                  <a:ext cx="1072095" cy="600892"/>
-                </a:xfrm>
-                <a:prstGeom prst="rect">
-                  <a:avLst/>
-                </a:prstGeom>
-              </p:spPr>
-            </p:pic>
-            <p:sp>
-              <p:nvSpPr>
-                <p:cNvPr id="5" name="Unvan 1"/>
-                <p:cNvSpPr txBox="1">
-                  <a:spLocks/>
-                </p:cNvSpPr>
-                <p:nvPr/>
-              </p:nvSpPr>
-              <p:spPr>
-                <a:xfrm>
-                  <a:off x="1283763" y="6024023"/>
-                  <a:ext cx="3940170" cy="600892"/>
-                </a:xfrm>
-                <a:prstGeom prst="rect">
-                  <a:avLst/>
-                </a:prstGeom>
-              </p:spPr>
-              <p:txBody>
-                <a:bodyPr vert="horz" lIns="91440" tIns="45720" rIns="91440" bIns="45720" rtlCol="0" anchor="b">
-                  <a:noAutofit/>
-                </a:bodyPr>
-                <a:lstStyle>
-                  <a:lvl1pPr algn="ctr" defTabSz="914400" rtl="0" eaLnBrk="1" latinLnBrk="0" hangingPunct="1">
-                    <a:lnSpc>
-                      <a:spcPct val="90000"/>
-                    </a:lnSpc>
-                    <a:spcBef>
-                      <a:spcPct val="0"/>
-                    </a:spcBef>
-                    <a:buNone/>
-                    <a:defRPr sz="6000" kern="1200">
-                      <a:solidFill>
-                        <a:schemeClr val="tx1"/>
-                      </a:solidFill>
-                      <a:latin typeface="+mj-lt"/>
-                      <a:ea typeface="+mj-ea"/>
-                      <a:cs typeface="+mj-cs"/>
-                    </a:defRPr>
-                  </a:lvl1pPr>
-                </a:lstStyle>
-                <a:p>
-                  <a:pPr algn="l"/>
-                  <a:r>
-                    <a:rPr lang="tr-TR" sz="2000" dirty="0">
-                      <a:solidFill>
-                        <a:srgbClr val="CB171F"/>
-                      </a:solidFill>
-                      <a:latin typeface="Constantia" panose="02030602050306030303" pitchFamily="18" charset="0"/>
-                      <a:ea typeface="Verdana" panose="020B0604030504040204" pitchFamily="34" charset="0"/>
-                      <a:cs typeface="Arial" panose="020B0604020202020204" pitchFamily="34" charset="0"/>
-                    </a:rPr>
-                    <a:t>Veri Bilimi Okulu</a:t>
-                  </a:r>
-                  <a:endParaRPr lang="en-US" sz="2000" dirty="0">
-                    <a:solidFill>
-                      <a:srgbClr val="CB171F"/>
-                    </a:solidFill>
-                    <a:latin typeface="Constantia" panose="02030602050306030303" pitchFamily="18" charset="0"/>
-                    <a:ea typeface="Verdana" panose="020B0604030504040204" pitchFamily="34" charset="0"/>
-                    <a:cs typeface="Arial" panose="020B0604020202020204" pitchFamily="34" charset="0"/>
-                  </a:endParaRPr>
-                </a:p>
-              </p:txBody>
-            </p:sp>
-          </p:grpSp>
-        </p:grpSp>
-        <p:sp>
-          <p:nvSpPr>
-            <p:cNvPr id="12" name="Metin kutusu 11"/>
-            <p:cNvSpPr txBox="1"/>
-            <p:nvPr/>
-          </p:nvSpPr>
-          <p:spPr>
-            <a:xfrm>
-              <a:off x="1582782" y="6493211"/>
-              <a:ext cx="1687468" cy="230832"/>
-            </a:xfrm>
-            <a:prstGeom prst="rect">
-              <a:avLst/>
-            </a:prstGeom>
-            <a:noFill/>
-          </p:spPr>
-          <p:txBody>
-            <a:bodyPr wrap="square" rtlCol="0">
-              <a:spAutoFit/>
-            </a:bodyPr>
-            <a:lstStyle/>
-            <a:p>
-              <a:r>
-                <a:rPr lang="en-US" sz="900" dirty="0">
-                  <a:solidFill>
-                    <a:srgbClr val="0B8043"/>
-                  </a:solidFill>
-                </a:rPr>
-                <a:t>https:</a:t>
-              </a:r>
-              <a:r>
-                <a:rPr lang="en-US" sz="900" dirty="0">
-                  <a:solidFill>
-                    <a:schemeClr val="bg1">
-                      <a:lumMod val="50000"/>
-                    </a:schemeClr>
-                  </a:solidFill>
-                </a:rPr>
-                <a:t>//www.veribilimi.co</a:t>
-              </a:r>
-            </a:p>
-          </p:txBody>
-        </p:sp>
-      </p:grpSp>
-      <p:grpSp>
-        <p:nvGrpSpPr>
-          <p:cNvPr id="11" name="Grup 10"/>
-          <p:cNvGrpSpPr/>
-          <p:nvPr/>
-        </p:nvGrpSpPr>
-        <p:grpSpPr>
-          <a:xfrm>
-            <a:off x="9194796" y="6231467"/>
-            <a:ext cx="2802471" cy="457084"/>
-            <a:chOff x="184993" y="5905369"/>
-            <a:chExt cx="5156200" cy="838200"/>
-          </a:xfrm>
-        </p:grpSpPr>
-        <p:sp>
-          <p:nvSpPr>
-            <p:cNvPr id="13" name="Dikdörtgen 12"/>
-            <p:cNvSpPr/>
-            <p:nvPr/>
-          </p:nvSpPr>
-          <p:spPr>
-            <a:xfrm>
-              <a:off x="184993" y="5905369"/>
-              <a:ext cx="5156200" cy="838200"/>
-            </a:xfrm>
-            <a:prstGeom prst="rect">
-              <a:avLst/>
-            </a:prstGeom>
-            <a:solidFill>
-              <a:schemeClr val="bg1">
-                <a:lumMod val="95000"/>
-              </a:schemeClr>
-            </a:solidFill>
-            <a:ln>
-              <a:noFill/>
-            </a:ln>
-          </p:spPr>
-          <p:style>
-            <a:lnRef idx="2">
-              <a:schemeClr val="accent1">
-                <a:shade val="50000"/>
-              </a:schemeClr>
-            </a:lnRef>
-            <a:fillRef idx="1">
-              <a:schemeClr val="accent1"/>
-            </a:fillRef>
-            <a:effectRef idx="0">
-              <a:schemeClr val="accent1"/>
-            </a:effectRef>
-            <a:fontRef idx="minor">
-              <a:schemeClr val="lt1"/>
-            </a:fontRef>
-          </p:style>
-          <p:txBody>
-            <a:bodyPr rtlCol="0" anchor="ctr"/>
-            <a:lstStyle/>
-            <a:p>
-              <a:pPr algn="ctr"/>
-              <a:endParaRPr lang="en-US" sz="2000"/>
-            </a:p>
-          </p:txBody>
-        </p:sp>
-        <p:sp>
-          <p:nvSpPr>
-            <p:cNvPr id="14" name="Unvan 1"/>
-            <p:cNvSpPr txBox="1">
-              <a:spLocks/>
-            </p:cNvSpPr>
-            <p:nvPr/>
-          </p:nvSpPr>
-          <p:spPr>
-            <a:xfrm>
-              <a:off x="302252" y="6024023"/>
-              <a:ext cx="4921678" cy="600892"/>
-            </a:xfrm>
-            <a:prstGeom prst="rect">
-              <a:avLst/>
-            </a:prstGeom>
-          </p:spPr>
-          <p:txBody>
-            <a:bodyPr vert="horz" lIns="91440" tIns="45720" rIns="91440" bIns="45720" rtlCol="0" anchor="b">
-              <a:noAutofit/>
-            </a:bodyPr>
-            <a:lstStyle>
-              <a:lvl1pPr algn="ctr" defTabSz="914400" rtl="0" eaLnBrk="1" latinLnBrk="0" hangingPunct="1">
-                <a:lnSpc>
-                  <a:spcPct val="90000"/>
-                </a:lnSpc>
-                <a:spcBef>
-                  <a:spcPct val="0"/>
-                </a:spcBef>
-                <a:buNone/>
-                <a:defRPr sz="6000" kern="1200">
-                  <a:solidFill>
-                    <a:schemeClr val="tx1"/>
-                  </a:solidFill>
-                  <a:latin typeface="+mj-lt"/>
-                  <a:ea typeface="+mj-ea"/>
-                  <a:cs typeface="+mj-cs"/>
-                </a:defRPr>
-              </a:lvl1pPr>
-            </a:lstStyle>
-            <a:p>
-              <a:pPr algn="l"/>
-              <a:r>
-                <a:rPr lang="tr-TR" sz="2000" dirty="0">
-                  <a:solidFill>
-                    <a:srgbClr val="CB171F"/>
-                  </a:solidFill>
-                  <a:latin typeface="Constantia" panose="02030602050306030303" pitchFamily="18" charset="0"/>
-                  <a:ea typeface="Verdana" panose="020B0604030504040204" pitchFamily="34" charset="0"/>
-                  <a:cs typeface="Arial" panose="020B0604020202020204" pitchFamily="34" charset="0"/>
-                </a:rPr>
-                <a:t>A’dan Z’ye Büyük Veri</a:t>
-              </a:r>
-              <a:endParaRPr lang="en-US" sz="2000" dirty="0">
-                <a:solidFill>
-                  <a:srgbClr val="CB171F"/>
-                </a:solidFill>
-                <a:latin typeface="Constantia" panose="02030602050306030303" pitchFamily="18" charset="0"/>
-                <a:ea typeface="Verdana" panose="020B0604030504040204" pitchFamily="34" charset="0"/>
-                <a:cs typeface="Arial" panose="020B0604020202020204" pitchFamily="34" charset="0"/>
-              </a:endParaRPr>
-            </a:p>
-          </p:txBody>
-        </p:sp>
-      </p:grpSp>
       <p:sp>
         <p:nvSpPr>
           <p:cNvPr id="16" name="Unvan 1"/>
@@ -5303,362 +4720,6 @@
           </a:fontRef>
         </p:style>
       </p:cxnSp>
-      <p:grpSp>
-        <p:nvGrpSpPr>
-          <p:cNvPr id="15" name="Grup 14"/>
-          <p:cNvGrpSpPr/>
-          <p:nvPr/>
-        </p:nvGrpSpPr>
-        <p:grpSpPr>
-          <a:xfrm>
-            <a:off x="228596" y="6231467"/>
-            <a:ext cx="3041654" cy="492576"/>
-            <a:chOff x="228596" y="6231467"/>
-            <a:chExt cx="3041654" cy="492576"/>
-          </a:xfrm>
-        </p:grpSpPr>
-        <p:grpSp>
-          <p:nvGrpSpPr>
-            <p:cNvPr id="8" name="Grup 7"/>
-            <p:cNvGrpSpPr/>
-            <p:nvPr/>
-          </p:nvGrpSpPr>
-          <p:grpSpPr>
-            <a:xfrm>
-              <a:off x="228596" y="6231467"/>
-              <a:ext cx="2802471" cy="457084"/>
-              <a:chOff x="127000" y="5901146"/>
-              <a:chExt cx="5156200" cy="838200"/>
-            </a:xfrm>
-          </p:grpSpPr>
-          <p:sp>
-            <p:nvSpPr>
-              <p:cNvPr id="7" name="Dikdörtgen 6"/>
-              <p:cNvSpPr/>
-              <p:nvPr/>
-            </p:nvSpPr>
-            <p:spPr>
-              <a:xfrm>
-                <a:off x="127000" y="5901146"/>
-                <a:ext cx="5156200" cy="838200"/>
-              </a:xfrm>
-              <a:prstGeom prst="rect">
-                <a:avLst/>
-              </a:prstGeom>
-              <a:solidFill>
-                <a:schemeClr val="bg1">
-                  <a:lumMod val="95000"/>
-                </a:schemeClr>
-              </a:solidFill>
-              <a:ln>
-                <a:noFill/>
-              </a:ln>
-            </p:spPr>
-            <p:style>
-              <a:lnRef idx="2">
-                <a:schemeClr val="accent1">
-                  <a:shade val="50000"/>
-                </a:schemeClr>
-              </a:lnRef>
-              <a:fillRef idx="1">
-                <a:schemeClr val="accent1"/>
-              </a:fillRef>
-              <a:effectRef idx="0">
-                <a:schemeClr val="accent1"/>
-              </a:effectRef>
-              <a:fontRef idx="minor">
-                <a:schemeClr val="lt1"/>
-              </a:fontRef>
-            </p:style>
-            <p:txBody>
-              <a:bodyPr rtlCol="0" anchor="ctr"/>
-              <a:lstStyle/>
-              <a:p>
-                <a:pPr algn="ctr"/>
-                <a:endParaRPr lang="en-US" sz="2000"/>
-              </a:p>
-            </p:txBody>
-          </p:sp>
-          <p:grpSp>
-            <p:nvGrpSpPr>
-              <p:cNvPr id="6" name="Grup 5"/>
-              <p:cNvGrpSpPr/>
-              <p:nvPr/>
-            </p:nvGrpSpPr>
-            <p:grpSpPr>
-              <a:xfrm>
-                <a:off x="211667" y="6019800"/>
-                <a:ext cx="5012266" cy="605115"/>
-                <a:chOff x="211667" y="6019800"/>
-                <a:chExt cx="5012266" cy="605115"/>
-              </a:xfrm>
-            </p:grpSpPr>
-            <p:pic>
-              <p:nvPicPr>
-                <p:cNvPr id="4" name="Resim 3"/>
-                <p:cNvPicPr>
-                  <a:picLocks noChangeAspect="1"/>
-                </p:cNvPicPr>
-                <p:nvPr/>
-              </p:nvPicPr>
-              <p:blipFill rotWithShape="1">
-                <a:blip r:embed="rId2" cstate="print">
-                  <a:extLst>
-                    <a:ext uri="{28A0092B-C50C-407E-A947-70E740481C1C}">
-                      <a14:useLocalDpi xmlns:a14="http://schemas.microsoft.com/office/drawing/2010/main" val="0"/>
-                    </a:ext>
-                  </a:extLst>
-                </a:blip>
-                <a:srcRect l="24387" t="8319" r="18355" b="50150"/>
-                <a:stretch/>
-              </p:blipFill>
-              <p:spPr>
-                <a:xfrm>
-                  <a:off x="211667" y="6019800"/>
-                  <a:ext cx="1072095" cy="600892"/>
-                </a:xfrm>
-                <a:prstGeom prst="rect">
-                  <a:avLst/>
-                </a:prstGeom>
-              </p:spPr>
-            </p:pic>
-            <p:sp>
-              <p:nvSpPr>
-                <p:cNvPr id="5" name="Unvan 1"/>
-                <p:cNvSpPr txBox="1">
-                  <a:spLocks/>
-                </p:cNvSpPr>
-                <p:nvPr/>
-              </p:nvSpPr>
-              <p:spPr>
-                <a:xfrm>
-                  <a:off x="1283763" y="6024023"/>
-                  <a:ext cx="3940170" cy="600892"/>
-                </a:xfrm>
-                <a:prstGeom prst="rect">
-                  <a:avLst/>
-                </a:prstGeom>
-              </p:spPr>
-              <p:txBody>
-                <a:bodyPr vert="horz" lIns="91440" tIns="45720" rIns="91440" bIns="45720" rtlCol="0" anchor="b">
-                  <a:noAutofit/>
-                </a:bodyPr>
-                <a:lstStyle>
-                  <a:lvl1pPr algn="ctr" defTabSz="914400" rtl="0" eaLnBrk="1" latinLnBrk="0" hangingPunct="1">
-                    <a:lnSpc>
-                      <a:spcPct val="90000"/>
-                    </a:lnSpc>
-                    <a:spcBef>
-                      <a:spcPct val="0"/>
-                    </a:spcBef>
-                    <a:buNone/>
-                    <a:defRPr sz="6000" kern="1200">
-                      <a:solidFill>
-                        <a:schemeClr val="tx1"/>
-                      </a:solidFill>
-                      <a:latin typeface="+mj-lt"/>
-                      <a:ea typeface="+mj-ea"/>
-                      <a:cs typeface="+mj-cs"/>
-                    </a:defRPr>
-                  </a:lvl1pPr>
-                </a:lstStyle>
-                <a:p>
-                  <a:pPr algn="l"/>
-                  <a:r>
-                    <a:rPr lang="tr-TR" sz="2000" dirty="0">
-                      <a:solidFill>
-                        <a:srgbClr val="CB171F"/>
-                      </a:solidFill>
-                      <a:latin typeface="Constantia" panose="02030602050306030303" pitchFamily="18" charset="0"/>
-                      <a:ea typeface="Verdana" panose="020B0604030504040204" pitchFamily="34" charset="0"/>
-                      <a:cs typeface="Arial" panose="020B0604020202020204" pitchFamily="34" charset="0"/>
-                    </a:rPr>
-                    <a:t>Veri Bilimi Okulu</a:t>
-                  </a:r>
-                  <a:endParaRPr lang="en-US" sz="2000" dirty="0">
-                    <a:solidFill>
-                      <a:srgbClr val="CB171F"/>
-                    </a:solidFill>
-                    <a:latin typeface="Constantia" panose="02030602050306030303" pitchFamily="18" charset="0"/>
-                    <a:ea typeface="Verdana" panose="020B0604030504040204" pitchFamily="34" charset="0"/>
-                    <a:cs typeface="Arial" panose="020B0604020202020204" pitchFamily="34" charset="0"/>
-                  </a:endParaRPr>
-                </a:p>
-              </p:txBody>
-            </p:sp>
-          </p:grpSp>
-        </p:grpSp>
-        <p:sp>
-          <p:nvSpPr>
-            <p:cNvPr id="12" name="Metin kutusu 11"/>
-            <p:cNvSpPr txBox="1"/>
-            <p:nvPr/>
-          </p:nvSpPr>
-          <p:spPr>
-            <a:xfrm>
-              <a:off x="1582782" y="6493211"/>
-              <a:ext cx="1687468" cy="230832"/>
-            </a:xfrm>
-            <a:prstGeom prst="rect">
-              <a:avLst/>
-            </a:prstGeom>
-            <a:noFill/>
-          </p:spPr>
-          <p:txBody>
-            <a:bodyPr wrap="square" rtlCol="0">
-              <a:spAutoFit/>
-            </a:bodyPr>
-            <a:lstStyle/>
-            <a:p>
-              <a:r>
-                <a:rPr lang="en-US" sz="900" dirty="0">
-                  <a:solidFill>
-                    <a:srgbClr val="0B8043"/>
-                  </a:solidFill>
-                </a:rPr>
-                <a:t>https:</a:t>
-              </a:r>
-              <a:r>
-                <a:rPr lang="en-US" sz="900" dirty="0">
-                  <a:solidFill>
-                    <a:schemeClr val="bg1">
-                      <a:lumMod val="50000"/>
-                    </a:schemeClr>
-                  </a:solidFill>
-                </a:rPr>
-                <a:t>//www.veribilimi.co</a:t>
-              </a:r>
-            </a:p>
-          </p:txBody>
-        </p:sp>
-      </p:grpSp>
-      <p:grpSp>
-        <p:nvGrpSpPr>
-          <p:cNvPr id="11" name="Grup 10"/>
-          <p:cNvGrpSpPr/>
-          <p:nvPr/>
-        </p:nvGrpSpPr>
-        <p:grpSpPr>
-          <a:xfrm>
-            <a:off x="9194796" y="6231467"/>
-            <a:ext cx="2802471" cy="457084"/>
-            <a:chOff x="184993" y="5905369"/>
-            <a:chExt cx="5156200" cy="838200"/>
-          </a:xfrm>
-        </p:grpSpPr>
-        <p:sp>
-          <p:nvSpPr>
-            <p:cNvPr id="13" name="Dikdörtgen 12"/>
-            <p:cNvSpPr/>
-            <p:nvPr/>
-          </p:nvSpPr>
-          <p:spPr>
-            <a:xfrm>
-              <a:off x="184993" y="5905369"/>
-              <a:ext cx="5156200" cy="838200"/>
-            </a:xfrm>
-            <a:prstGeom prst="rect">
-              <a:avLst/>
-            </a:prstGeom>
-            <a:solidFill>
-              <a:schemeClr val="bg1">
-                <a:lumMod val="95000"/>
-              </a:schemeClr>
-            </a:solidFill>
-            <a:ln>
-              <a:noFill/>
-            </a:ln>
-          </p:spPr>
-          <p:style>
-            <a:lnRef idx="2">
-              <a:schemeClr val="accent1">
-                <a:shade val="50000"/>
-              </a:schemeClr>
-            </a:lnRef>
-            <a:fillRef idx="1">
-              <a:schemeClr val="accent1"/>
-            </a:fillRef>
-            <a:effectRef idx="0">
-              <a:schemeClr val="accent1"/>
-            </a:effectRef>
-            <a:fontRef idx="minor">
-              <a:schemeClr val="lt1"/>
-            </a:fontRef>
-          </p:style>
-          <p:txBody>
-            <a:bodyPr rtlCol="0" anchor="ctr"/>
-            <a:lstStyle/>
-            <a:p>
-              <a:pPr algn="ctr"/>
-              <a:endParaRPr lang="en-US" sz="2000"/>
-            </a:p>
-          </p:txBody>
-        </p:sp>
-        <p:sp>
-          <p:nvSpPr>
-            <p:cNvPr id="14" name="Unvan 1"/>
-            <p:cNvSpPr txBox="1">
-              <a:spLocks/>
-            </p:cNvSpPr>
-            <p:nvPr/>
-          </p:nvSpPr>
-          <p:spPr>
-            <a:xfrm>
-              <a:off x="302252" y="6024023"/>
-              <a:ext cx="4921678" cy="600892"/>
-            </a:xfrm>
-            <a:prstGeom prst="rect">
-              <a:avLst/>
-            </a:prstGeom>
-          </p:spPr>
-          <p:txBody>
-            <a:bodyPr vert="horz" lIns="91440" tIns="45720" rIns="91440" bIns="45720" rtlCol="0" anchor="b">
-              <a:noAutofit/>
-            </a:bodyPr>
-            <a:lstStyle>
-              <a:lvl1pPr algn="ctr" defTabSz="914400" rtl="0" eaLnBrk="1" latinLnBrk="0" hangingPunct="1">
-                <a:lnSpc>
-                  <a:spcPct val="90000"/>
-                </a:lnSpc>
-                <a:spcBef>
-                  <a:spcPct val="0"/>
-                </a:spcBef>
-                <a:buNone/>
-                <a:defRPr sz="6000" kern="1200">
-                  <a:solidFill>
-                    <a:schemeClr val="tx1"/>
-                  </a:solidFill>
-                  <a:latin typeface="+mj-lt"/>
-                  <a:ea typeface="+mj-ea"/>
-                  <a:cs typeface="+mj-cs"/>
-                </a:defRPr>
-              </a:lvl1pPr>
-            </a:lstStyle>
-            <a:p>
-              <a:pPr algn="l"/>
-              <a:r>
-                <a:rPr lang="tr-TR" sz="2000" dirty="0">
-                  <a:solidFill>
-                    <a:srgbClr val="CB171F"/>
-                  </a:solidFill>
-                  <a:latin typeface="Constantia" panose="02030602050306030303" pitchFamily="18" charset="0"/>
-                  <a:ea typeface="Verdana" panose="020B0604030504040204" pitchFamily="34" charset="0"/>
-                  <a:cs typeface="Arial" panose="020B0604020202020204" pitchFamily="34" charset="0"/>
-                </a:rPr>
-                <a:t>A’dan Z’ye Büyük Veri</a:t>
-              </a:r>
-              <a:endParaRPr lang="en-US" sz="2000" dirty="0">
-                <a:solidFill>
-                  <a:srgbClr val="CB171F"/>
-                </a:solidFill>
-                <a:latin typeface="Constantia" panose="02030602050306030303" pitchFamily="18" charset="0"/>
-                <a:ea typeface="Verdana" panose="020B0604030504040204" pitchFamily="34" charset="0"/>
-                <a:cs typeface="Arial" panose="020B0604020202020204" pitchFamily="34" charset="0"/>
-              </a:endParaRPr>
-            </a:p>
-          </p:txBody>
-        </p:sp>
-      </p:grpSp>
       <p:sp>
         <p:nvSpPr>
           <p:cNvPr id="39" name="Unvan 1"/>
@@ -6858,362 +5919,6 @@
           </a:fontRef>
         </p:style>
       </p:cxnSp>
-      <p:grpSp>
-        <p:nvGrpSpPr>
-          <p:cNvPr id="15" name="Grup 14"/>
-          <p:cNvGrpSpPr/>
-          <p:nvPr/>
-        </p:nvGrpSpPr>
-        <p:grpSpPr>
-          <a:xfrm>
-            <a:off x="228596" y="6231467"/>
-            <a:ext cx="3041654" cy="492576"/>
-            <a:chOff x="228596" y="6231467"/>
-            <a:chExt cx="3041654" cy="492576"/>
-          </a:xfrm>
-        </p:grpSpPr>
-        <p:grpSp>
-          <p:nvGrpSpPr>
-            <p:cNvPr id="8" name="Grup 7"/>
-            <p:cNvGrpSpPr/>
-            <p:nvPr/>
-          </p:nvGrpSpPr>
-          <p:grpSpPr>
-            <a:xfrm>
-              <a:off x="228596" y="6231467"/>
-              <a:ext cx="2802471" cy="457084"/>
-              <a:chOff x="127000" y="5901146"/>
-              <a:chExt cx="5156200" cy="838200"/>
-            </a:xfrm>
-          </p:grpSpPr>
-          <p:sp>
-            <p:nvSpPr>
-              <p:cNvPr id="7" name="Dikdörtgen 6"/>
-              <p:cNvSpPr/>
-              <p:nvPr/>
-            </p:nvSpPr>
-            <p:spPr>
-              <a:xfrm>
-                <a:off x="127000" y="5901146"/>
-                <a:ext cx="5156200" cy="838200"/>
-              </a:xfrm>
-              <a:prstGeom prst="rect">
-                <a:avLst/>
-              </a:prstGeom>
-              <a:solidFill>
-                <a:schemeClr val="bg1">
-                  <a:lumMod val="95000"/>
-                </a:schemeClr>
-              </a:solidFill>
-              <a:ln>
-                <a:noFill/>
-              </a:ln>
-            </p:spPr>
-            <p:style>
-              <a:lnRef idx="2">
-                <a:schemeClr val="accent1">
-                  <a:shade val="50000"/>
-                </a:schemeClr>
-              </a:lnRef>
-              <a:fillRef idx="1">
-                <a:schemeClr val="accent1"/>
-              </a:fillRef>
-              <a:effectRef idx="0">
-                <a:schemeClr val="accent1"/>
-              </a:effectRef>
-              <a:fontRef idx="minor">
-                <a:schemeClr val="lt1"/>
-              </a:fontRef>
-            </p:style>
-            <p:txBody>
-              <a:bodyPr rtlCol="0" anchor="ctr"/>
-              <a:lstStyle/>
-              <a:p>
-                <a:pPr algn="ctr"/>
-                <a:endParaRPr lang="en-US" sz="2000"/>
-              </a:p>
-            </p:txBody>
-          </p:sp>
-          <p:grpSp>
-            <p:nvGrpSpPr>
-              <p:cNvPr id="6" name="Grup 5"/>
-              <p:cNvGrpSpPr/>
-              <p:nvPr/>
-            </p:nvGrpSpPr>
-            <p:grpSpPr>
-              <a:xfrm>
-                <a:off x="211667" y="6019800"/>
-                <a:ext cx="5012266" cy="605115"/>
-                <a:chOff x="211667" y="6019800"/>
-                <a:chExt cx="5012266" cy="605115"/>
-              </a:xfrm>
-            </p:grpSpPr>
-            <p:pic>
-              <p:nvPicPr>
-                <p:cNvPr id="4" name="Resim 3"/>
-                <p:cNvPicPr>
-                  <a:picLocks noChangeAspect="1"/>
-                </p:cNvPicPr>
-                <p:nvPr/>
-              </p:nvPicPr>
-              <p:blipFill rotWithShape="1">
-                <a:blip r:embed="rId2" cstate="print">
-                  <a:extLst>
-                    <a:ext uri="{28A0092B-C50C-407E-A947-70E740481C1C}">
-                      <a14:useLocalDpi xmlns:a14="http://schemas.microsoft.com/office/drawing/2010/main" val="0"/>
-                    </a:ext>
-                  </a:extLst>
-                </a:blip>
-                <a:srcRect l="24387" t="8319" r="18355" b="50150"/>
-                <a:stretch/>
-              </p:blipFill>
-              <p:spPr>
-                <a:xfrm>
-                  <a:off x="211667" y="6019800"/>
-                  <a:ext cx="1072095" cy="600892"/>
-                </a:xfrm>
-                <a:prstGeom prst="rect">
-                  <a:avLst/>
-                </a:prstGeom>
-              </p:spPr>
-            </p:pic>
-            <p:sp>
-              <p:nvSpPr>
-                <p:cNvPr id="5" name="Unvan 1"/>
-                <p:cNvSpPr txBox="1">
-                  <a:spLocks/>
-                </p:cNvSpPr>
-                <p:nvPr/>
-              </p:nvSpPr>
-              <p:spPr>
-                <a:xfrm>
-                  <a:off x="1283763" y="6024023"/>
-                  <a:ext cx="3940170" cy="600892"/>
-                </a:xfrm>
-                <a:prstGeom prst="rect">
-                  <a:avLst/>
-                </a:prstGeom>
-              </p:spPr>
-              <p:txBody>
-                <a:bodyPr vert="horz" lIns="91440" tIns="45720" rIns="91440" bIns="45720" rtlCol="0" anchor="b">
-                  <a:noAutofit/>
-                </a:bodyPr>
-                <a:lstStyle>
-                  <a:lvl1pPr algn="ctr" defTabSz="914400" rtl="0" eaLnBrk="1" latinLnBrk="0" hangingPunct="1">
-                    <a:lnSpc>
-                      <a:spcPct val="90000"/>
-                    </a:lnSpc>
-                    <a:spcBef>
-                      <a:spcPct val="0"/>
-                    </a:spcBef>
-                    <a:buNone/>
-                    <a:defRPr sz="6000" kern="1200">
-                      <a:solidFill>
-                        <a:schemeClr val="tx1"/>
-                      </a:solidFill>
-                      <a:latin typeface="+mj-lt"/>
-                      <a:ea typeface="+mj-ea"/>
-                      <a:cs typeface="+mj-cs"/>
-                    </a:defRPr>
-                  </a:lvl1pPr>
-                </a:lstStyle>
-                <a:p>
-                  <a:pPr algn="l"/>
-                  <a:r>
-                    <a:rPr lang="tr-TR" sz="2000" dirty="0">
-                      <a:solidFill>
-                        <a:srgbClr val="CB171F"/>
-                      </a:solidFill>
-                      <a:latin typeface="Constantia" panose="02030602050306030303" pitchFamily="18" charset="0"/>
-                      <a:ea typeface="Verdana" panose="020B0604030504040204" pitchFamily="34" charset="0"/>
-                      <a:cs typeface="Arial" panose="020B0604020202020204" pitchFamily="34" charset="0"/>
-                    </a:rPr>
-                    <a:t>Veri Bilimi Okulu</a:t>
-                  </a:r>
-                  <a:endParaRPr lang="en-US" sz="2000" dirty="0">
-                    <a:solidFill>
-                      <a:srgbClr val="CB171F"/>
-                    </a:solidFill>
-                    <a:latin typeface="Constantia" panose="02030602050306030303" pitchFamily="18" charset="0"/>
-                    <a:ea typeface="Verdana" panose="020B0604030504040204" pitchFamily="34" charset="0"/>
-                    <a:cs typeface="Arial" panose="020B0604020202020204" pitchFamily="34" charset="0"/>
-                  </a:endParaRPr>
-                </a:p>
-              </p:txBody>
-            </p:sp>
-          </p:grpSp>
-        </p:grpSp>
-        <p:sp>
-          <p:nvSpPr>
-            <p:cNvPr id="12" name="Metin kutusu 11"/>
-            <p:cNvSpPr txBox="1"/>
-            <p:nvPr/>
-          </p:nvSpPr>
-          <p:spPr>
-            <a:xfrm>
-              <a:off x="1582782" y="6493211"/>
-              <a:ext cx="1687468" cy="230832"/>
-            </a:xfrm>
-            <a:prstGeom prst="rect">
-              <a:avLst/>
-            </a:prstGeom>
-            <a:noFill/>
-          </p:spPr>
-          <p:txBody>
-            <a:bodyPr wrap="square" rtlCol="0">
-              <a:spAutoFit/>
-            </a:bodyPr>
-            <a:lstStyle/>
-            <a:p>
-              <a:r>
-                <a:rPr lang="en-US" sz="900" dirty="0">
-                  <a:solidFill>
-                    <a:srgbClr val="0B8043"/>
-                  </a:solidFill>
-                </a:rPr>
-                <a:t>https:</a:t>
-              </a:r>
-              <a:r>
-                <a:rPr lang="en-US" sz="900" dirty="0">
-                  <a:solidFill>
-                    <a:schemeClr val="bg1">
-                      <a:lumMod val="50000"/>
-                    </a:schemeClr>
-                  </a:solidFill>
-                </a:rPr>
-                <a:t>//www.veribilimi.co</a:t>
-              </a:r>
-            </a:p>
-          </p:txBody>
-        </p:sp>
-      </p:grpSp>
-      <p:grpSp>
-        <p:nvGrpSpPr>
-          <p:cNvPr id="11" name="Grup 10"/>
-          <p:cNvGrpSpPr/>
-          <p:nvPr/>
-        </p:nvGrpSpPr>
-        <p:grpSpPr>
-          <a:xfrm>
-            <a:off x="9194796" y="6231467"/>
-            <a:ext cx="2802471" cy="457084"/>
-            <a:chOff x="184993" y="5905369"/>
-            <a:chExt cx="5156200" cy="838200"/>
-          </a:xfrm>
-        </p:grpSpPr>
-        <p:sp>
-          <p:nvSpPr>
-            <p:cNvPr id="13" name="Dikdörtgen 12"/>
-            <p:cNvSpPr/>
-            <p:nvPr/>
-          </p:nvSpPr>
-          <p:spPr>
-            <a:xfrm>
-              <a:off x="184993" y="5905369"/>
-              <a:ext cx="5156200" cy="838200"/>
-            </a:xfrm>
-            <a:prstGeom prst="rect">
-              <a:avLst/>
-            </a:prstGeom>
-            <a:solidFill>
-              <a:schemeClr val="bg1">
-                <a:lumMod val="95000"/>
-              </a:schemeClr>
-            </a:solidFill>
-            <a:ln>
-              <a:noFill/>
-            </a:ln>
-          </p:spPr>
-          <p:style>
-            <a:lnRef idx="2">
-              <a:schemeClr val="accent1">
-                <a:shade val="50000"/>
-              </a:schemeClr>
-            </a:lnRef>
-            <a:fillRef idx="1">
-              <a:schemeClr val="accent1"/>
-            </a:fillRef>
-            <a:effectRef idx="0">
-              <a:schemeClr val="accent1"/>
-            </a:effectRef>
-            <a:fontRef idx="minor">
-              <a:schemeClr val="lt1"/>
-            </a:fontRef>
-          </p:style>
-          <p:txBody>
-            <a:bodyPr rtlCol="0" anchor="ctr"/>
-            <a:lstStyle/>
-            <a:p>
-              <a:pPr algn="ctr"/>
-              <a:endParaRPr lang="en-US" sz="2000"/>
-            </a:p>
-          </p:txBody>
-        </p:sp>
-        <p:sp>
-          <p:nvSpPr>
-            <p:cNvPr id="14" name="Unvan 1"/>
-            <p:cNvSpPr txBox="1">
-              <a:spLocks/>
-            </p:cNvSpPr>
-            <p:nvPr/>
-          </p:nvSpPr>
-          <p:spPr>
-            <a:xfrm>
-              <a:off x="302252" y="6024023"/>
-              <a:ext cx="4921678" cy="600892"/>
-            </a:xfrm>
-            <a:prstGeom prst="rect">
-              <a:avLst/>
-            </a:prstGeom>
-          </p:spPr>
-          <p:txBody>
-            <a:bodyPr vert="horz" lIns="91440" tIns="45720" rIns="91440" bIns="45720" rtlCol="0" anchor="b">
-              <a:noAutofit/>
-            </a:bodyPr>
-            <a:lstStyle>
-              <a:lvl1pPr algn="ctr" defTabSz="914400" rtl="0" eaLnBrk="1" latinLnBrk="0" hangingPunct="1">
-                <a:lnSpc>
-                  <a:spcPct val="90000"/>
-                </a:lnSpc>
-                <a:spcBef>
-                  <a:spcPct val="0"/>
-                </a:spcBef>
-                <a:buNone/>
-                <a:defRPr sz="6000" kern="1200">
-                  <a:solidFill>
-                    <a:schemeClr val="tx1"/>
-                  </a:solidFill>
-                  <a:latin typeface="+mj-lt"/>
-                  <a:ea typeface="+mj-ea"/>
-                  <a:cs typeface="+mj-cs"/>
-                </a:defRPr>
-              </a:lvl1pPr>
-            </a:lstStyle>
-            <a:p>
-              <a:pPr algn="l"/>
-              <a:r>
-                <a:rPr lang="tr-TR" sz="2000" dirty="0">
-                  <a:solidFill>
-                    <a:srgbClr val="CB171F"/>
-                  </a:solidFill>
-                  <a:latin typeface="Constantia" panose="02030602050306030303" pitchFamily="18" charset="0"/>
-                  <a:ea typeface="Verdana" panose="020B0604030504040204" pitchFamily="34" charset="0"/>
-                  <a:cs typeface="Arial" panose="020B0604020202020204" pitchFamily="34" charset="0"/>
-                </a:rPr>
-                <a:t>A’dan Z’ye Büyük Veri</a:t>
-              </a:r>
-              <a:endParaRPr lang="en-US" sz="2000" dirty="0">
-                <a:solidFill>
-                  <a:srgbClr val="CB171F"/>
-                </a:solidFill>
-                <a:latin typeface="Constantia" panose="02030602050306030303" pitchFamily="18" charset="0"/>
-                <a:ea typeface="Verdana" panose="020B0604030504040204" pitchFamily="34" charset="0"/>
-                <a:cs typeface="Arial" panose="020B0604020202020204" pitchFamily="34" charset="0"/>
-              </a:endParaRPr>
-            </a:p>
-          </p:txBody>
-        </p:sp>
-      </p:grpSp>
       <p:sp>
         <p:nvSpPr>
           <p:cNvPr id="39" name="Unvan 1"/>
@@ -7500,7 +6205,7 @@
           <p:nvPr/>
         </p:nvPicPr>
         <p:blipFill rotWithShape="1">
-          <a:blip r:embed="rId3">
+          <a:blip r:embed="rId2">
             <a:extLst>
               <a:ext uri="{28A0092B-C50C-407E-A947-70E740481C1C}">
                 <a14:useLocalDpi xmlns:a14="http://schemas.microsoft.com/office/drawing/2010/main" val="0"/>
@@ -7597,362 +6302,6 @@
           </a:fontRef>
         </p:style>
       </p:cxnSp>
-      <p:grpSp>
-        <p:nvGrpSpPr>
-          <p:cNvPr id="15" name="Grup 14"/>
-          <p:cNvGrpSpPr/>
-          <p:nvPr/>
-        </p:nvGrpSpPr>
-        <p:grpSpPr>
-          <a:xfrm>
-            <a:off x="228596" y="6231467"/>
-            <a:ext cx="3041654" cy="492576"/>
-            <a:chOff x="228596" y="6231467"/>
-            <a:chExt cx="3041654" cy="492576"/>
-          </a:xfrm>
-        </p:grpSpPr>
-        <p:grpSp>
-          <p:nvGrpSpPr>
-            <p:cNvPr id="8" name="Grup 7"/>
-            <p:cNvGrpSpPr/>
-            <p:nvPr/>
-          </p:nvGrpSpPr>
-          <p:grpSpPr>
-            <a:xfrm>
-              <a:off x="228596" y="6231467"/>
-              <a:ext cx="2802471" cy="457084"/>
-              <a:chOff x="127000" y="5901146"/>
-              <a:chExt cx="5156200" cy="838200"/>
-            </a:xfrm>
-          </p:grpSpPr>
-          <p:sp>
-            <p:nvSpPr>
-              <p:cNvPr id="7" name="Dikdörtgen 6"/>
-              <p:cNvSpPr/>
-              <p:nvPr/>
-            </p:nvSpPr>
-            <p:spPr>
-              <a:xfrm>
-                <a:off x="127000" y="5901146"/>
-                <a:ext cx="5156200" cy="838200"/>
-              </a:xfrm>
-              <a:prstGeom prst="rect">
-                <a:avLst/>
-              </a:prstGeom>
-              <a:solidFill>
-                <a:schemeClr val="bg1">
-                  <a:lumMod val="95000"/>
-                </a:schemeClr>
-              </a:solidFill>
-              <a:ln>
-                <a:noFill/>
-              </a:ln>
-            </p:spPr>
-            <p:style>
-              <a:lnRef idx="2">
-                <a:schemeClr val="accent1">
-                  <a:shade val="50000"/>
-                </a:schemeClr>
-              </a:lnRef>
-              <a:fillRef idx="1">
-                <a:schemeClr val="accent1"/>
-              </a:fillRef>
-              <a:effectRef idx="0">
-                <a:schemeClr val="accent1"/>
-              </a:effectRef>
-              <a:fontRef idx="minor">
-                <a:schemeClr val="lt1"/>
-              </a:fontRef>
-            </p:style>
-            <p:txBody>
-              <a:bodyPr rtlCol="0" anchor="ctr"/>
-              <a:lstStyle/>
-              <a:p>
-                <a:pPr algn="ctr"/>
-                <a:endParaRPr lang="en-US" sz="2000"/>
-              </a:p>
-            </p:txBody>
-          </p:sp>
-          <p:grpSp>
-            <p:nvGrpSpPr>
-              <p:cNvPr id="6" name="Grup 5"/>
-              <p:cNvGrpSpPr/>
-              <p:nvPr/>
-            </p:nvGrpSpPr>
-            <p:grpSpPr>
-              <a:xfrm>
-                <a:off x="211667" y="6019800"/>
-                <a:ext cx="5012266" cy="605115"/>
-                <a:chOff x="211667" y="6019800"/>
-                <a:chExt cx="5012266" cy="605115"/>
-              </a:xfrm>
-            </p:grpSpPr>
-            <p:pic>
-              <p:nvPicPr>
-                <p:cNvPr id="4" name="Resim 3"/>
-                <p:cNvPicPr>
-                  <a:picLocks noChangeAspect="1"/>
-                </p:cNvPicPr>
-                <p:nvPr/>
-              </p:nvPicPr>
-              <p:blipFill rotWithShape="1">
-                <a:blip r:embed="rId2" cstate="print">
-                  <a:extLst>
-                    <a:ext uri="{28A0092B-C50C-407E-A947-70E740481C1C}">
-                      <a14:useLocalDpi xmlns:a14="http://schemas.microsoft.com/office/drawing/2010/main" val="0"/>
-                    </a:ext>
-                  </a:extLst>
-                </a:blip>
-                <a:srcRect l="24387" t="8319" r="18355" b="50150"/>
-                <a:stretch/>
-              </p:blipFill>
-              <p:spPr>
-                <a:xfrm>
-                  <a:off x="211667" y="6019800"/>
-                  <a:ext cx="1072095" cy="600892"/>
-                </a:xfrm>
-                <a:prstGeom prst="rect">
-                  <a:avLst/>
-                </a:prstGeom>
-              </p:spPr>
-            </p:pic>
-            <p:sp>
-              <p:nvSpPr>
-                <p:cNvPr id="5" name="Unvan 1"/>
-                <p:cNvSpPr txBox="1">
-                  <a:spLocks/>
-                </p:cNvSpPr>
-                <p:nvPr/>
-              </p:nvSpPr>
-              <p:spPr>
-                <a:xfrm>
-                  <a:off x="1283763" y="6024023"/>
-                  <a:ext cx="3940170" cy="600892"/>
-                </a:xfrm>
-                <a:prstGeom prst="rect">
-                  <a:avLst/>
-                </a:prstGeom>
-              </p:spPr>
-              <p:txBody>
-                <a:bodyPr vert="horz" lIns="91440" tIns="45720" rIns="91440" bIns="45720" rtlCol="0" anchor="b">
-                  <a:noAutofit/>
-                </a:bodyPr>
-                <a:lstStyle>
-                  <a:lvl1pPr algn="ctr" defTabSz="914400" rtl="0" eaLnBrk="1" latinLnBrk="0" hangingPunct="1">
-                    <a:lnSpc>
-                      <a:spcPct val="90000"/>
-                    </a:lnSpc>
-                    <a:spcBef>
-                      <a:spcPct val="0"/>
-                    </a:spcBef>
-                    <a:buNone/>
-                    <a:defRPr sz="6000" kern="1200">
-                      <a:solidFill>
-                        <a:schemeClr val="tx1"/>
-                      </a:solidFill>
-                      <a:latin typeface="+mj-lt"/>
-                      <a:ea typeface="+mj-ea"/>
-                      <a:cs typeface="+mj-cs"/>
-                    </a:defRPr>
-                  </a:lvl1pPr>
-                </a:lstStyle>
-                <a:p>
-                  <a:pPr algn="l"/>
-                  <a:r>
-                    <a:rPr lang="tr-TR" sz="2000" dirty="0">
-                      <a:solidFill>
-                        <a:srgbClr val="CB171F"/>
-                      </a:solidFill>
-                      <a:latin typeface="Constantia" panose="02030602050306030303" pitchFamily="18" charset="0"/>
-                      <a:ea typeface="Verdana" panose="020B0604030504040204" pitchFamily="34" charset="0"/>
-                      <a:cs typeface="Arial" panose="020B0604020202020204" pitchFamily="34" charset="0"/>
-                    </a:rPr>
-                    <a:t>Veri Bilimi Okulu</a:t>
-                  </a:r>
-                  <a:endParaRPr lang="en-US" sz="2000" dirty="0">
-                    <a:solidFill>
-                      <a:srgbClr val="CB171F"/>
-                    </a:solidFill>
-                    <a:latin typeface="Constantia" panose="02030602050306030303" pitchFamily="18" charset="0"/>
-                    <a:ea typeface="Verdana" panose="020B0604030504040204" pitchFamily="34" charset="0"/>
-                    <a:cs typeface="Arial" panose="020B0604020202020204" pitchFamily="34" charset="0"/>
-                  </a:endParaRPr>
-                </a:p>
-              </p:txBody>
-            </p:sp>
-          </p:grpSp>
-        </p:grpSp>
-        <p:sp>
-          <p:nvSpPr>
-            <p:cNvPr id="12" name="Metin kutusu 11"/>
-            <p:cNvSpPr txBox="1"/>
-            <p:nvPr/>
-          </p:nvSpPr>
-          <p:spPr>
-            <a:xfrm>
-              <a:off x="1582782" y="6493211"/>
-              <a:ext cx="1687468" cy="230832"/>
-            </a:xfrm>
-            <a:prstGeom prst="rect">
-              <a:avLst/>
-            </a:prstGeom>
-            <a:noFill/>
-          </p:spPr>
-          <p:txBody>
-            <a:bodyPr wrap="square" rtlCol="0">
-              <a:spAutoFit/>
-            </a:bodyPr>
-            <a:lstStyle/>
-            <a:p>
-              <a:r>
-                <a:rPr lang="en-US" sz="900" dirty="0">
-                  <a:solidFill>
-                    <a:srgbClr val="0B8043"/>
-                  </a:solidFill>
-                </a:rPr>
-                <a:t>https:</a:t>
-              </a:r>
-              <a:r>
-                <a:rPr lang="en-US" sz="900" dirty="0">
-                  <a:solidFill>
-                    <a:schemeClr val="bg1">
-                      <a:lumMod val="50000"/>
-                    </a:schemeClr>
-                  </a:solidFill>
-                </a:rPr>
-                <a:t>//www.veribilimi.co</a:t>
-              </a:r>
-            </a:p>
-          </p:txBody>
-        </p:sp>
-      </p:grpSp>
-      <p:grpSp>
-        <p:nvGrpSpPr>
-          <p:cNvPr id="11" name="Grup 10"/>
-          <p:cNvGrpSpPr/>
-          <p:nvPr/>
-        </p:nvGrpSpPr>
-        <p:grpSpPr>
-          <a:xfrm>
-            <a:off x="9194796" y="6231467"/>
-            <a:ext cx="2802471" cy="457084"/>
-            <a:chOff x="184993" y="5905369"/>
-            <a:chExt cx="5156200" cy="838200"/>
-          </a:xfrm>
-        </p:grpSpPr>
-        <p:sp>
-          <p:nvSpPr>
-            <p:cNvPr id="13" name="Dikdörtgen 12"/>
-            <p:cNvSpPr/>
-            <p:nvPr/>
-          </p:nvSpPr>
-          <p:spPr>
-            <a:xfrm>
-              <a:off x="184993" y="5905369"/>
-              <a:ext cx="5156200" cy="838200"/>
-            </a:xfrm>
-            <a:prstGeom prst="rect">
-              <a:avLst/>
-            </a:prstGeom>
-            <a:solidFill>
-              <a:schemeClr val="bg1">
-                <a:lumMod val="95000"/>
-              </a:schemeClr>
-            </a:solidFill>
-            <a:ln>
-              <a:noFill/>
-            </a:ln>
-          </p:spPr>
-          <p:style>
-            <a:lnRef idx="2">
-              <a:schemeClr val="accent1">
-                <a:shade val="50000"/>
-              </a:schemeClr>
-            </a:lnRef>
-            <a:fillRef idx="1">
-              <a:schemeClr val="accent1"/>
-            </a:fillRef>
-            <a:effectRef idx="0">
-              <a:schemeClr val="accent1"/>
-            </a:effectRef>
-            <a:fontRef idx="minor">
-              <a:schemeClr val="lt1"/>
-            </a:fontRef>
-          </p:style>
-          <p:txBody>
-            <a:bodyPr rtlCol="0" anchor="ctr"/>
-            <a:lstStyle/>
-            <a:p>
-              <a:pPr algn="ctr"/>
-              <a:endParaRPr lang="en-US" sz="2000"/>
-            </a:p>
-          </p:txBody>
-        </p:sp>
-        <p:sp>
-          <p:nvSpPr>
-            <p:cNvPr id="14" name="Unvan 1"/>
-            <p:cNvSpPr txBox="1">
-              <a:spLocks/>
-            </p:cNvSpPr>
-            <p:nvPr/>
-          </p:nvSpPr>
-          <p:spPr>
-            <a:xfrm>
-              <a:off x="302252" y="6024023"/>
-              <a:ext cx="4921678" cy="600892"/>
-            </a:xfrm>
-            <a:prstGeom prst="rect">
-              <a:avLst/>
-            </a:prstGeom>
-          </p:spPr>
-          <p:txBody>
-            <a:bodyPr vert="horz" lIns="91440" tIns="45720" rIns="91440" bIns="45720" rtlCol="0" anchor="b">
-              <a:noAutofit/>
-            </a:bodyPr>
-            <a:lstStyle>
-              <a:lvl1pPr algn="ctr" defTabSz="914400" rtl="0" eaLnBrk="1" latinLnBrk="0" hangingPunct="1">
-                <a:lnSpc>
-                  <a:spcPct val="90000"/>
-                </a:lnSpc>
-                <a:spcBef>
-                  <a:spcPct val="0"/>
-                </a:spcBef>
-                <a:buNone/>
-                <a:defRPr sz="6000" kern="1200">
-                  <a:solidFill>
-                    <a:schemeClr val="tx1"/>
-                  </a:solidFill>
-                  <a:latin typeface="+mj-lt"/>
-                  <a:ea typeface="+mj-ea"/>
-                  <a:cs typeface="+mj-cs"/>
-                </a:defRPr>
-              </a:lvl1pPr>
-            </a:lstStyle>
-            <a:p>
-              <a:pPr algn="l"/>
-              <a:r>
-                <a:rPr lang="tr-TR" sz="2000" dirty="0">
-                  <a:solidFill>
-                    <a:srgbClr val="CB171F"/>
-                  </a:solidFill>
-                  <a:latin typeface="Constantia" panose="02030602050306030303" pitchFamily="18" charset="0"/>
-                  <a:ea typeface="Verdana" panose="020B0604030504040204" pitchFamily="34" charset="0"/>
-                  <a:cs typeface="Arial" panose="020B0604020202020204" pitchFamily="34" charset="0"/>
-                </a:rPr>
-                <a:t>A’dan Z’ye Büyük Veri</a:t>
-              </a:r>
-              <a:endParaRPr lang="en-US" sz="2000" dirty="0">
-                <a:solidFill>
-                  <a:srgbClr val="CB171F"/>
-                </a:solidFill>
-                <a:latin typeface="Constantia" panose="02030602050306030303" pitchFamily="18" charset="0"/>
-                <a:ea typeface="Verdana" panose="020B0604030504040204" pitchFamily="34" charset="0"/>
-                <a:cs typeface="Arial" panose="020B0604020202020204" pitchFamily="34" charset="0"/>
-              </a:endParaRPr>
-            </a:p>
-          </p:txBody>
-        </p:sp>
-      </p:grpSp>
       <p:sp>
         <p:nvSpPr>
           <p:cNvPr id="39" name="Unvan 1"/>
@@ -8073,7 +6422,7 @@
           <p:nvPr/>
         </p:nvPicPr>
         <p:blipFill>
-          <a:blip r:embed="rId3"/>
+          <a:blip r:embed="rId2"/>
           <a:stretch>
             <a:fillRect/>
           </a:stretch>
@@ -8198,362 +6547,6 @@
           </a:fontRef>
         </p:style>
       </p:cxnSp>
-      <p:grpSp>
-        <p:nvGrpSpPr>
-          <p:cNvPr id="15" name="Grup 14"/>
-          <p:cNvGrpSpPr/>
-          <p:nvPr/>
-        </p:nvGrpSpPr>
-        <p:grpSpPr>
-          <a:xfrm>
-            <a:off x="228596" y="6231467"/>
-            <a:ext cx="3041654" cy="492576"/>
-            <a:chOff x="228596" y="6231467"/>
-            <a:chExt cx="3041654" cy="492576"/>
-          </a:xfrm>
-        </p:grpSpPr>
-        <p:grpSp>
-          <p:nvGrpSpPr>
-            <p:cNvPr id="8" name="Grup 7"/>
-            <p:cNvGrpSpPr/>
-            <p:nvPr/>
-          </p:nvGrpSpPr>
-          <p:grpSpPr>
-            <a:xfrm>
-              <a:off x="228596" y="6231467"/>
-              <a:ext cx="2802471" cy="457084"/>
-              <a:chOff x="127000" y="5901146"/>
-              <a:chExt cx="5156200" cy="838200"/>
-            </a:xfrm>
-          </p:grpSpPr>
-          <p:sp>
-            <p:nvSpPr>
-              <p:cNvPr id="7" name="Dikdörtgen 6"/>
-              <p:cNvSpPr/>
-              <p:nvPr/>
-            </p:nvSpPr>
-            <p:spPr>
-              <a:xfrm>
-                <a:off x="127000" y="5901146"/>
-                <a:ext cx="5156200" cy="838200"/>
-              </a:xfrm>
-              <a:prstGeom prst="rect">
-                <a:avLst/>
-              </a:prstGeom>
-              <a:solidFill>
-                <a:schemeClr val="bg1">
-                  <a:lumMod val="95000"/>
-                </a:schemeClr>
-              </a:solidFill>
-              <a:ln>
-                <a:noFill/>
-              </a:ln>
-            </p:spPr>
-            <p:style>
-              <a:lnRef idx="2">
-                <a:schemeClr val="accent1">
-                  <a:shade val="50000"/>
-                </a:schemeClr>
-              </a:lnRef>
-              <a:fillRef idx="1">
-                <a:schemeClr val="accent1"/>
-              </a:fillRef>
-              <a:effectRef idx="0">
-                <a:schemeClr val="accent1"/>
-              </a:effectRef>
-              <a:fontRef idx="minor">
-                <a:schemeClr val="lt1"/>
-              </a:fontRef>
-            </p:style>
-            <p:txBody>
-              <a:bodyPr rtlCol="0" anchor="ctr"/>
-              <a:lstStyle/>
-              <a:p>
-                <a:pPr algn="ctr"/>
-                <a:endParaRPr lang="en-US" sz="2000"/>
-              </a:p>
-            </p:txBody>
-          </p:sp>
-          <p:grpSp>
-            <p:nvGrpSpPr>
-              <p:cNvPr id="6" name="Grup 5"/>
-              <p:cNvGrpSpPr/>
-              <p:nvPr/>
-            </p:nvGrpSpPr>
-            <p:grpSpPr>
-              <a:xfrm>
-                <a:off x="211667" y="6019800"/>
-                <a:ext cx="5012266" cy="605115"/>
-                <a:chOff x="211667" y="6019800"/>
-                <a:chExt cx="5012266" cy="605115"/>
-              </a:xfrm>
-            </p:grpSpPr>
-            <p:pic>
-              <p:nvPicPr>
-                <p:cNvPr id="4" name="Resim 3"/>
-                <p:cNvPicPr>
-                  <a:picLocks noChangeAspect="1"/>
-                </p:cNvPicPr>
-                <p:nvPr/>
-              </p:nvPicPr>
-              <p:blipFill rotWithShape="1">
-                <a:blip r:embed="rId2" cstate="print">
-                  <a:extLst>
-                    <a:ext uri="{28A0092B-C50C-407E-A947-70E740481C1C}">
-                      <a14:useLocalDpi xmlns:a14="http://schemas.microsoft.com/office/drawing/2010/main" val="0"/>
-                    </a:ext>
-                  </a:extLst>
-                </a:blip>
-                <a:srcRect l="24387" t="8319" r="18355" b="50150"/>
-                <a:stretch/>
-              </p:blipFill>
-              <p:spPr>
-                <a:xfrm>
-                  <a:off x="211667" y="6019800"/>
-                  <a:ext cx="1072095" cy="600892"/>
-                </a:xfrm>
-                <a:prstGeom prst="rect">
-                  <a:avLst/>
-                </a:prstGeom>
-              </p:spPr>
-            </p:pic>
-            <p:sp>
-              <p:nvSpPr>
-                <p:cNvPr id="5" name="Unvan 1"/>
-                <p:cNvSpPr txBox="1">
-                  <a:spLocks/>
-                </p:cNvSpPr>
-                <p:nvPr/>
-              </p:nvSpPr>
-              <p:spPr>
-                <a:xfrm>
-                  <a:off x="1283763" y="6024023"/>
-                  <a:ext cx="3940170" cy="600892"/>
-                </a:xfrm>
-                <a:prstGeom prst="rect">
-                  <a:avLst/>
-                </a:prstGeom>
-              </p:spPr>
-              <p:txBody>
-                <a:bodyPr vert="horz" lIns="91440" tIns="45720" rIns="91440" bIns="45720" rtlCol="0" anchor="b">
-                  <a:noAutofit/>
-                </a:bodyPr>
-                <a:lstStyle>
-                  <a:lvl1pPr algn="ctr" defTabSz="914400" rtl="0" eaLnBrk="1" latinLnBrk="0" hangingPunct="1">
-                    <a:lnSpc>
-                      <a:spcPct val="90000"/>
-                    </a:lnSpc>
-                    <a:spcBef>
-                      <a:spcPct val="0"/>
-                    </a:spcBef>
-                    <a:buNone/>
-                    <a:defRPr sz="6000" kern="1200">
-                      <a:solidFill>
-                        <a:schemeClr val="tx1"/>
-                      </a:solidFill>
-                      <a:latin typeface="+mj-lt"/>
-                      <a:ea typeface="+mj-ea"/>
-                      <a:cs typeface="+mj-cs"/>
-                    </a:defRPr>
-                  </a:lvl1pPr>
-                </a:lstStyle>
-                <a:p>
-                  <a:pPr algn="l"/>
-                  <a:r>
-                    <a:rPr lang="tr-TR" sz="2000" dirty="0">
-                      <a:solidFill>
-                        <a:srgbClr val="CB171F"/>
-                      </a:solidFill>
-                      <a:latin typeface="Constantia" panose="02030602050306030303" pitchFamily="18" charset="0"/>
-                      <a:ea typeface="Verdana" panose="020B0604030504040204" pitchFamily="34" charset="0"/>
-                      <a:cs typeface="Arial" panose="020B0604020202020204" pitchFamily="34" charset="0"/>
-                    </a:rPr>
-                    <a:t>Veri Bilimi Okulu</a:t>
-                  </a:r>
-                  <a:endParaRPr lang="en-US" sz="2000" dirty="0">
-                    <a:solidFill>
-                      <a:srgbClr val="CB171F"/>
-                    </a:solidFill>
-                    <a:latin typeface="Constantia" panose="02030602050306030303" pitchFamily="18" charset="0"/>
-                    <a:ea typeface="Verdana" panose="020B0604030504040204" pitchFamily="34" charset="0"/>
-                    <a:cs typeface="Arial" panose="020B0604020202020204" pitchFamily="34" charset="0"/>
-                  </a:endParaRPr>
-                </a:p>
-              </p:txBody>
-            </p:sp>
-          </p:grpSp>
-        </p:grpSp>
-        <p:sp>
-          <p:nvSpPr>
-            <p:cNvPr id="12" name="Metin kutusu 11"/>
-            <p:cNvSpPr txBox="1"/>
-            <p:nvPr/>
-          </p:nvSpPr>
-          <p:spPr>
-            <a:xfrm>
-              <a:off x="1582782" y="6493211"/>
-              <a:ext cx="1687468" cy="230832"/>
-            </a:xfrm>
-            <a:prstGeom prst="rect">
-              <a:avLst/>
-            </a:prstGeom>
-            <a:noFill/>
-          </p:spPr>
-          <p:txBody>
-            <a:bodyPr wrap="square" rtlCol="0">
-              <a:spAutoFit/>
-            </a:bodyPr>
-            <a:lstStyle/>
-            <a:p>
-              <a:r>
-                <a:rPr lang="en-US" sz="900" dirty="0">
-                  <a:solidFill>
-                    <a:srgbClr val="0B8043"/>
-                  </a:solidFill>
-                </a:rPr>
-                <a:t>https:</a:t>
-              </a:r>
-              <a:r>
-                <a:rPr lang="en-US" sz="900" dirty="0">
-                  <a:solidFill>
-                    <a:schemeClr val="bg1">
-                      <a:lumMod val="50000"/>
-                    </a:schemeClr>
-                  </a:solidFill>
-                </a:rPr>
-                <a:t>//www.veribilimi.co</a:t>
-              </a:r>
-            </a:p>
-          </p:txBody>
-        </p:sp>
-      </p:grpSp>
-      <p:grpSp>
-        <p:nvGrpSpPr>
-          <p:cNvPr id="11" name="Grup 10"/>
-          <p:cNvGrpSpPr/>
-          <p:nvPr/>
-        </p:nvGrpSpPr>
-        <p:grpSpPr>
-          <a:xfrm>
-            <a:off x="9194796" y="6231467"/>
-            <a:ext cx="2802471" cy="457084"/>
-            <a:chOff x="184993" y="5905369"/>
-            <a:chExt cx="5156200" cy="838200"/>
-          </a:xfrm>
-        </p:grpSpPr>
-        <p:sp>
-          <p:nvSpPr>
-            <p:cNvPr id="13" name="Dikdörtgen 12"/>
-            <p:cNvSpPr/>
-            <p:nvPr/>
-          </p:nvSpPr>
-          <p:spPr>
-            <a:xfrm>
-              <a:off x="184993" y="5905369"/>
-              <a:ext cx="5156200" cy="838200"/>
-            </a:xfrm>
-            <a:prstGeom prst="rect">
-              <a:avLst/>
-            </a:prstGeom>
-            <a:solidFill>
-              <a:schemeClr val="bg1">
-                <a:lumMod val="95000"/>
-              </a:schemeClr>
-            </a:solidFill>
-            <a:ln>
-              <a:noFill/>
-            </a:ln>
-          </p:spPr>
-          <p:style>
-            <a:lnRef idx="2">
-              <a:schemeClr val="accent1">
-                <a:shade val="50000"/>
-              </a:schemeClr>
-            </a:lnRef>
-            <a:fillRef idx="1">
-              <a:schemeClr val="accent1"/>
-            </a:fillRef>
-            <a:effectRef idx="0">
-              <a:schemeClr val="accent1"/>
-            </a:effectRef>
-            <a:fontRef idx="minor">
-              <a:schemeClr val="lt1"/>
-            </a:fontRef>
-          </p:style>
-          <p:txBody>
-            <a:bodyPr rtlCol="0" anchor="ctr"/>
-            <a:lstStyle/>
-            <a:p>
-              <a:pPr algn="ctr"/>
-              <a:endParaRPr lang="en-US" sz="2000"/>
-            </a:p>
-          </p:txBody>
-        </p:sp>
-        <p:sp>
-          <p:nvSpPr>
-            <p:cNvPr id="14" name="Unvan 1"/>
-            <p:cNvSpPr txBox="1">
-              <a:spLocks/>
-            </p:cNvSpPr>
-            <p:nvPr/>
-          </p:nvSpPr>
-          <p:spPr>
-            <a:xfrm>
-              <a:off x="302252" y="6024023"/>
-              <a:ext cx="4921678" cy="600892"/>
-            </a:xfrm>
-            <a:prstGeom prst="rect">
-              <a:avLst/>
-            </a:prstGeom>
-          </p:spPr>
-          <p:txBody>
-            <a:bodyPr vert="horz" lIns="91440" tIns="45720" rIns="91440" bIns="45720" rtlCol="0" anchor="b">
-              <a:noAutofit/>
-            </a:bodyPr>
-            <a:lstStyle>
-              <a:lvl1pPr algn="ctr" defTabSz="914400" rtl="0" eaLnBrk="1" latinLnBrk="0" hangingPunct="1">
-                <a:lnSpc>
-                  <a:spcPct val="90000"/>
-                </a:lnSpc>
-                <a:spcBef>
-                  <a:spcPct val="0"/>
-                </a:spcBef>
-                <a:buNone/>
-                <a:defRPr sz="6000" kern="1200">
-                  <a:solidFill>
-                    <a:schemeClr val="tx1"/>
-                  </a:solidFill>
-                  <a:latin typeface="+mj-lt"/>
-                  <a:ea typeface="+mj-ea"/>
-                  <a:cs typeface="+mj-cs"/>
-                </a:defRPr>
-              </a:lvl1pPr>
-            </a:lstStyle>
-            <a:p>
-              <a:pPr algn="l"/>
-              <a:r>
-                <a:rPr lang="tr-TR" sz="2000" dirty="0">
-                  <a:solidFill>
-                    <a:srgbClr val="CB171F"/>
-                  </a:solidFill>
-                  <a:latin typeface="Constantia" panose="02030602050306030303" pitchFamily="18" charset="0"/>
-                  <a:ea typeface="Verdana" panose="020B0604030504040204" pitchFamily="34" charset="0"/>
-                  <a:cs typeface="Arial" panose="020B0604020202020204" pitchFamily="34" charset="0"/>
-                </a:rPr>
-                <a:t>A’dan Z’ye Büyük Veri</a:t>
-              </a:r>
-              <a:endParaRPr lang="en-US" sz="2000" dirty="0">
-                <a:solidFill>
-                  <a:srgbClr val="CB171F"/>
-                </a:solidFill>
-                <a:latin typeface="Constantia" panose="02030602050306030303" pitchFamily="18" charset="0"/>
-                <a:ea typeface="Verdana" panose="020B0604030504040204" pitchFamily="34" charset="0"/>
-                <a:cs typeface="Arial" panose="020B0604020202020204" pitchFamily="34" charset="0"/>
-              </a:endParaRPr>
-            </a:p>
-          </p:txBody>
-        </p:sp>
-      </p:grpSp>
       <p:sp>
         <p:nvSpPr>
           <p:cNvPr id="16" name="Unvan 1"/>
@@ -8646,7 +6639,7 @@
             </a:pPr>
             <a:r>
               <a:rPr lang="tr-TR" sz="1200" dirty="0">
-                <a:hlinkClick r:id="rId3"/>
+                <a:hlinkClick r:id="rId2"/>
               </a:rPr>
               <a:t>https://www.youtube.com/watch?v=0rurIzOkTIg&amp;list=PLFNdSvSAOkda7opYP69-XeK5vts6314cG</a:t>
             </a:r>
@@ -8726,7 +6719,7 @@
       <p:pic>
         <p:nvPicPr>
           <p:cNvPr id="4098" name="Picture 2" descr="Learning Apache Drill: Query and Analyze Distributed Data Sources with SQL ile ilgili gÃ¶rsel sonucu">
-            <a:hlinkClick r:id="rId4"/>
+            <a:hlinkClick r:id="rId3"/>
             <a:extLst>
               <a:ext uri="{FF2B5EF4-FFF2-40B4-BE49-F238E27FC236}">
                 <a16:creationId xmlns:a16="http://schemas.microsoft.com/office/drawing/2014/main" id="{1E95AC7B-6AE8-408A-AB92-CDC3313760D0}"/>
@@ -8739,7 +6732,7 @@
           <p:nvPr/>
         </p:nvPicPr>
         <p:blipFill>
-          <a:blip r:embed="rId5">
+          <a:blip r:embed="rId4">
             <a:extLst>
               <a:ext uri="{28A0092B-C50C-407E-A947-70E740481C1C}">
                 <a14:useLocalDpi xmlns:a14="http://schemas.microsoft.com/office/drawing/2010/main" val="0"/>
@@ -8838,362 +6831,6 @@
           </a:fontRef>
         </p:style>
       </p:cxnSp>
-      <p:grpSp>
-        <p:nvGrpSpPr>
-          <p:cNvPr id="15" name="Grup 14"/>
-          <p:cNvGrpSpPr/>
-          <p:nvPr/>
-        </p:nvGrpSpPr>
-        <p:grpSpPr>
-          <a:xfrm>
-            <a:off x="228596" y="6231467"/>
-            <a:ext cx="3041654" cy="492576"/>
-            <a:chOff x="228596" y="6231467"/>
-            <a:chExt cx="3041654" cy="492576"/>
-          </a:xfrm>
-        </p:grpSpPr>
-        <p:grpSp>
-          <p:nvGrpSpPr>
-            <p:cNvPr id="8" name="Grup 7"/>
-            <p:cNvGrpSpPr/>
-            <p:nvPr/>
-          </p:nvGrpSpPr>
-          <p:grpSpPr>
-            <a:xfrm>
-              <a:off x="228596" y="6231467"/>
-              <a:ext cx="2802471" cy="457084"/>
-              <a:chOff x="127000" y="5901146"/>
-              <a:chExt cx="5156200" cy="838200"/>
-            </a:xfrm>
-          </p:grpSpPr>
-          <p:sp>
-            <p:nvSpPr>
-              <p:cNvPr id="7" name="Dikdörtgen 6"/>
-              <p:cNvSpPr/>
-              <p:nvPr/>
-            </p:nvSpPr>
-            <p:spPr>
-              <a:xfrm>
-                <a:off x="127000" y="5901146"/>
-                <a:ext cx="5156200" cy="838200"/>
-              </a:xfrm>
-              <a:prstGeom prst="rect">
-                <a:avLst/>
-              </a:prstGeom>
-              <a:solidFill>
-                <a:schemeClr val="bg1">
-                  <a:lumMod val="95000"/>
-                </a:schemeClr>
-              </a:solidFill>
-              <a:ln>
-                <a:noFill/>
-              </a:ln>
-            </p:spPr>
-            <p:style>
-              <a:lnRef idx="2">
-                <a:schemeClr val="accent1">
-                  <a:shade val="50000"/>
-                </a:schemeClr>
-              </a:lnRef>
-              <a:fillRef idx="1">
-                <a:schemeClr val="accent1"/>
-              </a:fillRef>
-              <a:effectRef idx="0">
-                <a:schemeClr val="accent1"/>
-              </a:effectRef>
-              <a:fontRef idx="minor">
-                <a:schemeClr val="lt1"/>
-              </a:fontRef>
-            </p:style>
-            <p:txBody>
-              <a:bodyPr rtlCol="0" anchor="ctr"/>
-              <a:lstStyle/>
-              <a:p>
-                <a:pPr algn="ctr"/>
-                <a:endParaRPr lang="en-US" sz="2000"/>
-              </a:p>
-            </p:txBody>
-          </p:sp>
-          <p:grpSp>
-            <p:nvGrpSpPr>
-              <p:cNvPr id="6" name="Grup 5"/>
-              <p:cNvGrpSpPr/>
-              <p:nvPr/>
-            </p:nvGrpSpPr>
-            <p:grpSpPr>
-              <a:xfrm>
-                <a:off x="211667" y="6019800"/>
-                <a:ext cx="5012266" cy="605115"/>
-                <a:chOff x="211667" y="6019800"/>
-                <a:chExt cx="5012266" cy="605115"/>
-              </a:xfrm>
-            </p:grpSpPr>
-            <p:pic>
-              <p:nvPicPr>
-                <p:cNvPr id="4" name="Resim 3"/>
-                <p:cNvPicPr>
-                  <a:picLocks noChangeAspect="1"/>
-                </p:cNvPicPr>
-                <p:nvPr/>
-              </p:nvPicPr>
-              <p:blipFill rotWithShape="1">
-                <a:blip r:embed="rId2" cstate="print">
-                  <a:extLst>
-                    <a:ext uri="{28A0092B-C50C-407E-A947-70E740481C1C}">
-                      <a14:useLocalDpi xmlns:a14="http://schemas.microsoft.com/office/drawing/2010/main" val="0"/>
-                    </a:ext>
-                  </a:extLst>
-                </a:blip>
-                <a:srcRect l="24387" t="8319" r="18355" b="50150"/>
-                <a:stretch/>
-              </p:blipFill>
-              <p:spPr>
-                <a:xfrm>
-                  <a:off x="211667" y="6019800"/>
-                  <a:ext cx="1072095" cy="600892"/>
-                </a:xfrm>
-                <a:prstGeom prst="rect">
-                  <a:avLst/>
-                </a:prstGeom>
-              </p:spPr>
-            </p:pic>
-            <p:sp>
-              <p:nvSpPr>
-                <p:cNvPr id="5" name="Unvan 1"/>
-                <p:cNvSpPr txBox="1">
-                  <a:spLocks/>
-                </p:cNvSpPr>
-                <p:nvPr/>
-              </p:nvSpPr>
-              <p:spPr>
-                <a:xfrm>
-                  <a:off x="1283763" y="6024023"/>
-                  <a:ext cx="3940170" cy="600892"/>
-                </a:xfrm>
-                <a:prstGeom prst="rect">
-                  <a:avLst/>
-                </a:prstGeom>
-              </p:spPr>
-              <p:txBody>
-                <a:bodyPr vert="horz" lIns="91440" tIns="45720" rIns="91440" bIns="45720" rtlCol="0" anchor="b">
-                  <a:noAutofit/>
-                </a:bodyPr>
-                <a:lstStyle>
-                  <a:lvl1pPr algn="ctr" defTabSz="914400" rtl="0" eaLnBrk="1" latinLnBrk="0" hangingPunct="1">
-                    <a:lnSpc>
-                      <a:spcPct val="90000"/>
-                    </a:lnSpc>
-                    <a:spcBef>
-                      <a:spcPct val="0"/>
-                    </a:spcBef>
-                    <a:buNone/>
-                    <a:defRPr sz="6000" kern="1200">
-                      <a:solidFill>
-                        <a:schemeClr val="tx1"/>
-                      </a:solidFill>
-                      <a:latin typeface="+mj-lt"/>
-                      <a:ea typeface="+mj-ea"/>
-                      <a:cs typeface="+mj-cs"/>
-                    </a:defRPr>
-                  </a:lvl1pPr>
-                </a:lstStyle>
-                <a:p>
-                  <a:pPr algn="l"/>
-                  <a:r>
-                    <a:rPr lang="tr-TR" sz="2000" dirty="0">
-                      <a:solidFill>
-                        <a:srgbClr val="CB171F"/>
-                      </a:solidFill>
-                      <a:latin typeface="Constantia" panose="02030602050306030303" pitchFamily="18" charset="0"/>
-                      <a:ea typeface="Verdana" panose="020B0604030504040204" pitchFamily="34" charset="0"/>
-                      <a:cs typeface="Arial" panose="020B0604020202020204" pitchFamily="34" charset="0"/>
-                    </a:rPr>
-                    <a:t>Veri Bilimi Okulu</a:t>
-                  </a:r>
-                  <a:endParaRPr lang="en-US" sz="2000" dirty="0">
-                    <a:solidFill>
-                      <a:srgbClr val="CB171F"/>
-                    </a:solidFill>
-                    <a:latin typeface="Constantia" panose="02030602050306030303" pitchFamily="18" charset="0"/>
-                    <a:ea typeface="Verdana" panose="020B0604030504040204" pitchFamily="34" charset="0"/>
-                    <a:cs typeface="Arial" panose="020B0604020202020204" pitchFamily="34" charset="0"/>
-                  </a:endParaRPr>
-                </a:p>
-              </p:txBody>
-            </p:sp>
-          </p:grpSp>
-        </p:grpSp>
-        <p:sp>
-          <p:nvSpPr>
-            <p:cNvPr id="12" name="Metin kutusu 11"/>
-            <p:cNvSpPr txBox="1"/>
-            <p:nvPr/>
-          </p:nvSpPr>
-          <p:spPr>
-            <a:xfrm>
-              <a:off x="1582782" y="6493211"/>
-              <a:ext cx="1687468" cy="230832"/>
-            </a:xfrm>
-            <a:prstGeom prst="rect">
-              <a:avLst/>
-            </a:prstGeom>
-            <a:noFill/>
-          </p:spPr>
-          <p:txBody>
-            <a:bodyPr wrap="square" rtlCol="0">
-              <a:spAutoFit/>
-            </a:bodyPr>
-            <a:lstStyle/>
-            <a:p>
-              <a:r>
-                <a:rPr lang="en-US" sz="900" dirty="0">
-                  <a:solidFill>
-                    <a:srgbClr val="0B8043"/>
-                  </a:solidFill>
-                </a:rPr>
-                <a:t>https:</a:t>
-              </a:r>
-              <a:r>
-                <a:rPr lang="en-US" sz="900" dirty="0">
-                  <a:solidFill>
-                    <a:schemeClr val="bg1">
-                      <a:lumMod val="50000"/>
-                    </a:schemeClr>
-                  </a:solidFill>
-                </a:rPr>
-                <a:t>//www.veribilimi.co</a:t>
-              </a:r>
-            </a:p>
-          </p:txBody>
-        </p:sp>
-      </p:grpSp>
-      <p:grpSp>
-        <p:nvGrpSpPr>
-          <p:cNvPr id="11" name="Grup 10"/>
-          <p:cNvGrpSpPr/>
-          <p:nvPr/>
-        </p:nvGrpSpPr>
-        <p:grpSpPr>
-          <a:xfrm>
-            <a:off x="9194796" y="6231467"/>
-            <a:ext cx="2802471" cy="457084"/>
-            <a:chOff x="184993" y="5905369"/>
-            <a:chExt cx="5156200" cy="838200"/>
-          </a:xfrm>
-        </p:grpSpPr>
-        <p:sp>
-          <p:nvSpPr>
-            <p:cNvPr id="13" name="Dikdörtgen 12"/>
-            <p:cNvSpPr/>
-            <p:nvPr/>
-          </p:nvSpPr>
-          <p:spPr>
-            <a:xfrm>
-              <a:off x="184993" y="5905369"/>
-              <a:ext cx="5156200" cy="838200"/>
-            </a:xfrm>
-            <a:prstGeom prst="rect">
-              <a:avLst/>
-            </a:prstGeom>
-            <a:solidFill>
-              <a:schemeClr val="bg1">
-                <a:lumMod val="95000"/>
-              </a:schemeClr>
-            </a:solidFill>
-            <a:ln>
-              <a:noFill/>
-            </a:ln>
-          </p:spPr>
-          <p:style>
-            <a:lnRef idx="2">
-              <a:schemeClr val="accent1">
-                <a:shade val="50000"/>
-              </a:schemeClr>
-            </a:lnRef>
-            <a:fillRef idx="1">
-              <a:schemeClr val="accent1"/>
-            </a:fillRef>
-            <a:effectRef idx="0">
-              <a:schemeClr val="accent1"/>
-            </a:effectRef>
-            <a:fontRef idx="minor">
-              <a:schemeClr val="lt1"/>
-            </a:fontRef>
-          </p:style>
-          <p:txBody>
-            <a:bodyPr rtlCol="0" anchor="ctr"/>
-            <a:lstStyle/>
-            <a:p>
-              <a:pPr algn="ctr"/>
-              <a:endParaRPr lang="en-US" sz="2000"/>
-            </a:p>
-          </p:txBody>
-        </p:sp>
-        <p:sp>
-          <p:nvSpPr>
-            <p:cNvPr id="14" name="Unvan 1"/>
-            <p:cNvSpPr txBox="1">
-              <a:spLocks/>
-            </p:cNvSpPr>
-            <p:nvPr/>
-          </p:nvSpPr>
-          <p:spPr>
-            <a:xfrm>
-              <a:off x="302252" y="6024023"/>
-              <a:ext cx="4921678" cy="600892"/>
-            </a:xfrm>
-            <a:prstGeom prst="rect">
-              <a:avLst/>
-            </a:prstGeom>
-          </p:spPr>
-          <p:txBody>
-            <a:bodyPr vert="horz" lIns="91440" tIns="45720" rIns="91440" bIns="45720" rtlCol="0" anchor="b">
-              <a:noAutofit/>
-            </a:bodyPr>
-            <a:lstStyle>
-              <a:lvl1pPr algn="ctr" defTabSz="914400" rtl="0" eaLnBrk="1" latinLnBrk="0" hangingPunct="1">
-                <a:lnSpc>
-                  <a:spcPct val="90000"/>
-                </a:lnSpc>
-                <a:spcBef>
-                  <a:spcPct val="0"/>
-                </a:spcBef>
-                <a:buNone/>
-                <a:defRPr sz="6000" kern="1200">
-                  <a:solidFill>
-                    <a:schemeClr val="tx1"/>
-                  </a:solidFill>
-                  <a:latin typeface="+mj-lt"/>
-                  <a:ea typeface="+mj-ea"/>
-                  <a:cs typeface="+mj-cs"/>
-                </a:defRPr>
-              </a:lvl1pPr>
-            </a:lstStyle>
-            <a:p>
-              <a:pPr algn="l"/>
-              <a:r>
-                <a:rPr lang="tr-TR" sz="2000" dirty="0">
-                  <a:solidFill>
-                    <a:srgbClr val="CB171F"/>
-                  </a:solidFill>
-                  <a:latin typeface="Constantia" panose="02030602050306030303" pitchFamily="18" charset="0"/>
-                  <a:ea typeface="Verdana" panose="020B0604030504040204" pitchFamily="34" charset="0"/>
-                  <a:cs typeface="Arial" panose="020B0604020202020204" pitchFamily="34" charset="0"/>
-                </a:rPr>
-                <a:t>A’dan Z’ye Büyük Veri</a:t>
-              </a:r>
-              <a:endParaRPr lang="en-US" sz="2000" dirty="0">
-                <a:solidFill>
-                  <a:srgbClr val="CB171F"/>
-                </a:solidFill>
-                <a:latin typeface="Constantia" panose="02030602050306030303" pitchFamily="18" charset="0"/>
-                <a:ea typeface="Verdana" panose="020B0604030504040204" pitchFamily="34" charset="0"/>
-                <a:cs typeface="Arial" panose="020B0604020202020204" pitchFamily="34" charset="0"/>
-              </a:endParaRPr>
-            </a:p>
-          </p:txBody>
-        </p:sp>
-      </p:grpSp>
       <p:sp>
         <p:nvSpPr>
           <p:cNvPr id="16" name="Unvan 1"/>
@@ -9904,362 +7541,6 @@
           </a:fontRef>
         </p:style>
       </p:cxnSp>
-      <p:grpSp>
-        <p:nvGrpSpPr>
-          <p:cNvPr id="15" name="Grup 14"/>
-          <p:cNvGrpSpPr/>
-          <p:nvPr/>
-        </p:nvGrpSpPr>
-        <p:grpSpPr>
-          <a:xfrm>
-            <a:off x="228596" y="6231467"/>
-            <a:ext cx="3041654" cy="492576"/>
-            <a:chOff x="228596" y="6231467"/>
-            <a:chExt cx="3041654" cy="492576"/>
-          </a:xfrm>
-        </p:grpSpPr>
-        <p:grpSp>
-          <p:nvGrpSpPr>
-            <p:cNvPr id="8" name="Grup 7"/>
-            <p:cNvGrpSpPr/>
-            <p:nvPr/>
-          </p:nvGrpSpPr>
-          <p:grpSpPr>
-            <a:xfrm>
-              <a:off x="228596" y="6231467"/>
-              <a:ext cx="2802471" cy="457084"/>
-              <a:chOff x="127000" y="5901146"/>
-              <a:chExt cx="5156200" cy="838200"/>
-            </a:xfrm>
-          </p:grpSpPr>
-          <p:sp>
-            <p:nvSpPr>
-              <p:cNvPr id="7" name="Dikdörtgen 6"/>
-              <p:cNvSpPr/>
-              <p:nvPr/>
-            </p:nvSpPr>
-            <p:spPr>
-              <a:xfrm>
-                <a:off x="127000" y="5901146"/>
-                <a:ext cx="5156200" cy="838200"/>
-              </a:xfrm>
-              <a:prstGeom prst="rect">
-                <a:avLst/>
-              </a:prstGeom>
-              <a:solidFill>
-                <a:schemeClr val="bg1">
-                  <a:lumMod val="95000"/>
-                </a:schemeClr>
-              </a:solidFill>
-              <a:ln>
-                <a:noFill/>
-              </a:ln>
-            </p:spPr>
-            <p:style>
-              <a:lnRef idx="2">
-                <a:schemeClr val="accent1">
-                  <a:shade val="50000"/>
-                </a:schemeClr>
-              </a:lnRef>
-              <a:fillRef idx="1">
-                <a:schemeClr val="accent1"/>
-              </a:fillRef>
-              <a:effectRef idx="0">
-                <a:schemeClr val="accent1"/>
-              </a:effectRef>
-              <a:fontRef idx="minor">
-                <a:schemeClr val="lt1"/>
-              </a:fontRef>
-            </p:style>
-            <p:txBody>
-              <a:bodyPr rtlCol="0" anchor="ctr"/>
-              <a:lstStyle/>
-              <a:p>
-                <a:pPr algn="ctr"/>
-                <a:endParaRPr lang="en-US" sz="2000"/>
-              </a:p>
-            </p:txBody>
-          </p:sp>
-          <p:grpSp>
-            <p:nvGrpSpPr>
-              <p:cNvPr id="6" name="Grup 5"/>
-              <p:cNvGrpSpPr/>
-              <p:nvPr/>
-            </p:nvGrpSpPr>
-            <p:grpSpPr>
-              <a:xfrm>
-                <a:off x="211667" y="6019800"/>
-                <a:ext cx="5012266" cy="605115"/>
-                <a:chOff x="211667" y="6019800"/>
-                <a:chExt cx="5012266" cy="605115"/>
-              </a:xfrm>
-            </p:grpSpPr>
-            <p:pic>
-              <p:nvPicPr>
-                <p:cNvPr id="4" name="Resim 3"/>
-                <p:cNvPicPr>
-                  <a:picLocks noChangeAspect="1"/>
-                </p:cNvPicPr>
-                <p:nvPr/>
-              </p:nvPicPr>
-              <p:blipFill rotWithShape="1">
-                <a:blip r:embed="rId2" cstate="print">
-                  <a:extLst>
-                    <a:ext uri="{28A0092B-C50C-407E-A947-70E740481C1C}">
-                      <a14:useLocalDpi xmlns:a14="http://schemas.microsoft.com/office/drawing/2010/main" val="0"/>
-                    </a:ext>
-                  </a:extLst>
-                </a:blip>
-                <a:srcRect l="24387" t="8319" r="18355" b="50150"/>
-                <a:stretch/>
-              </p:blipFill>
-              <p:spPr>
-                <a:xfrm>
-                  <a:off x="211667" y="6019800"/>
-                  <a:ext cx="1072095" cy="600892"/>
-                </a:xfrm>
-                <a:prstGeom prst="rect">
-                  <a:avLst/>
-                </a:prstGeom>
-              </p:spPr>
-            </p:pic>
-            <p:sp>
-              <p:nvSpPr>
-                <p:cNvPr id="5" name="Unvan 1"/>
-                <p:cNvSpPr txBox="1">
-                  <a:spLocks/>
-                </p:cNvSpPr>
-                <p:nvPr/>
-              </p:nvSpPr>
-              <p:spPr>
-                <a:xfrm>
-                  <a:off x="1283763" y="6024023"/>
-                  <a:ext cx="3940170" cy="600892"/>
-                </a:xfrm>
-                <a:prstGeom prst="rect">
-                  <a:avLst/>
-                </a:prstGeom>
-              </p:spPr>
-              <p:txBody>
-                <a:bodyPr vert="horz" lIns="91440" tIns="45720" rIns="91440" bIns="45720" rtlCol="0" anchor="b">
-                  <a:noAutofit/>
-                </a:bodyPr>
-                <a:lstStyle>
-                  <a:lvl1pPr algn="ctr" defTabSz="914400" rtl="0" eaLnBrk="1" latinLnBrk="0" hangingPunct="1">
-                    <a:lnSpc>
-                      <a:spcPct val="90000"/>
-                    </a:lnSpc>
-                    <a:spcBef>
-                      <a:spcPct val="0"/>
-                    </a:spcBef>
-                    <a:buNone/>
-                    <a:defRPr sz="6000" kern="1200">
-                      <a:solidFill>
-                        <a:schemeClr val="tx1"/>
-                      </a:solidFill>
-                      <a:latin typeface="+mj-lt"/>
-                      <a:ea typeface="+mj-ea"/>
-                      <a:cs typeface="+mj-cs"/>
-                    </a:defRPr>
-                  </a:lvl1pPr>
-                </a:lstStyle>
-                <a:p>
-                  <a:pPr algn="l"/>
-                  <a:r>
-                    <a:rPr lang="tr-TR" sz="2000" dirty="0">
-                      <a:solidFill>
-                        <a:srgbClr val="CB171F"/>
-                      </a:solidFill>
-                      <a:latin typeface="Constantia" panose="02030602050306030303" pitchFamily="18" charset="0"/>
-                      <a:ea typeface="Verdana" panose="020B0604030504040204" pitchFamily="34" charset="0"/>
-                      <a:cs typeface="Arial" panose="020B0604020202020204" pitchFamily="34" charset="0"/>
-                    </a:rPr>
-                    <a:t>Veri Bilimi Okulu</a:t>
-                  </a:r>
-                  <a:endParaRPr lang="en-US" sz="2000" dirty="0">
-                    <a:solidFill>
-                      <a:srgbClr val="CB171F"/>
-                    </a:solidFill>
-                    <a:latin typeface="Constantia" panose="02030602050306030303" pitchFamily="18" charset="0"/>
-                    <a:ea typeface="Verdana" panose="020B0604030504040204" pitchFamily="34" charset="0"/>
-                    <a:cs typeface="Arial" panose="020B0604020202020204" pitchFamily="34" charset="0"/>
-                  </a:endParaRPr>
-                </a:p>
-              </p:txBody>
-            </p:sp>
-          </p:grpSp>
-        </p:grpSp>
-        <p:sp>
-          <p:nvSpPr>
-            <p:cNvPr id="12" name="Metin kutusu 11"/>
-            <p:cNvSpPr txBox="1"/>
-            <p:nvPr/>
-          </p:nvSpPr>
-          <p:spPr>
-            <a:xfrm>
-              <a:off x="1582782" y="6493211"/>
-              <a:ext cx="1687468" cy="230832"/>
-            </a:xfrm>
-            <a:prstGeom prst="rect">
-              <a:avLst/>
-            </a:prstGeom>
-            <a:noFill/>
-          </p:spPr>
-          <p:txBody>
-            <a:bodyPr wrap="square" rtlCol="0">
-              <a:spAutoFit/>
-            </a:bodyPr>
-            <a:lstStyle/>
-            <a:p>
-              <a:r>
-                <a:rPr lang="en-US" sz="900" dirty="0">
-                  <a:solidFill>
-                    <a:srgbClr val="0B8043"/>
-                  </a:solidFill>
-                </a:rPr>
-                <a:t>https:</a:t>
-              </a:r>
-              <a:r>
-                <a:rPr lang="en-US" sz="900" dirty="0">
-                  <a:solidFill>
-                    <a:schemeClr val="bg1">
-                      <a:lumMod val="50000"/>
-                    </a:schemeClr>
-                  </a:solidFill>
-                </a:rPr>
-                <a:t>//www.veribilimi.co</a:t>
-              </a:r>
-            </a:p>
-          </p:txBody>
-        </p:sp>
-      </p:grpSp>
-      <p:grpSp>
-        <p:nvGrpSpPr>
-          <p:cNvPr id="11" name="Grup 10"/>
-          <p:cNvGrpSpPr/>
-          <p:nvPr/>
-        </p:nvGrpSpPr>
-        <p:grpSpPr>
-          <a:xfrm>
-            <a:off x="9194796" y="6231467"/>
-            <a:ext cx="2802471" cy="457084"/>
-            <a:chOff x="184993" y="5905369"/>
-            <a:chExt cx="5156200" cy="838200"/>
-          </a:xfrm>
-        </p:grpSpPr>
-        <p:sp>
-          <p:nvSpPr>
-            <p:cNvPr id="13" name="Dikdörtgen 12"/>
-            <p:cNvSpPr/>
-            <p:nvPr/>
-          </p:nvSpPr>
-          <p:spPr>
-            <a:xfrm>
-              <a:off x="184993" y="5905369"/>
-              <a:ext cx="5156200" cy="838200"/>
-            </a:xfrm>
-            <a:prstGeom prst="rect">
-              <a:avLst/>
-            </a:prstGeom>
-            <a:solidFill>
-              <a:schemeClr val="bg1">
-                <a:lumMod val="95000"/>
-              </a:schemeClr>
-            </a:solidFill>
-            <a:ln>
-              <a:noFill/>
-            </a:ln>
-          </p:spPr>
-          <p:style>
-            <a:lnRef idx="2">
-              <a:schemeClr val="accent1">
-                <a:shade val="50000"/>
-              </a:schemeClr>
-            </a:lnRef>
-            <a:fillRef idx="1">
-              <a:schemeClr val="accent1"/>
-            </a:fillRef>
-            <a:effectRef idx="0">
-              <a:schemeClr val="accent1"/>
-            </a:effectRef>
-            <a:fontRef idx="minor">
-              <a:schemeClr val="lt1"/>
-            </a:fontRef>
-          </p:style>
-          <p:txBody>
-            <a:bodyPr rtlCol="0" anchor="ctr"/>
-            <a:lstStyle/>
-            <a:p>
-              <a:pPr algn="ctr"/>
-              <a:endParaRPr lang="en-US" sz="2000"/>
-            </a:p>
-          </p:txBody>
-        </p:sp>
-        <p:sp>
-          <p:nvSpPr>
-            <p:cNvPr id="14" name="Unvan 1"/>
-            <p:cNvSpPr txBox="1">
-              <a:spLocks/>
-            </p:cNvSpPr>
-            <p:nvPr/>
-          </p:nvSpPr>
-          <p:spPr>
-            <a:xfrm>
-              <a:off x="302252" y="6024023"/>
-              <a:ext cx="4921678" cy="600892"/>
-            </a:xfrm>
-            <a:prstGeom prst="rect">
-              <a:avLst/>
-            </a:prstGeom>
-          </p:spPr>
-          <p:txBody>
-            <a:bodyPr vert="horz" lIns="91440" tIns="45720" rIns="91440" bIns="45720" rtlCol="0" anchor="b">
-              <a:noAutofit/>
-            </a:bodyPr>
-            <a:lstStyle>
-              <a:lvl1pPr algn="ctr" defTabSz="914400" rtl="0" eaLnBrk="1" latinLnBrk="0" hangingPunct="1">
-                <a:lnSpc>
-                  <a:spcPct val="90000"/>
-                </a:lnSpc>
-                <a:spcBef>
-                  <a:spcPct val="0"/>
-                </a:spcBef>
-                <a:buNone/>
-                <a:defRPr sz="6000" kern="1200">
-                  <a:solidFill>
-                    <a:schemeClr val="tx1"/>
-                  </a:solidFill>
-                  <a:latin typeface="+mj-lt"/>
-                  <a:ea typeface="+mj-ea"/>
-                  <a:cs typeface="+mj-cs"/>
-                </a:defRPr>
-              </a:lvl1pPr>
-            </a:lstStyle>
-            <a:p>
-              <a:pPr algn="l"/>
-              <a:r>
-                <a:rPr lang="tr-TR" sz="2000" dirty="0">
-                  <a:solidFill>
-                    <a:srgbClr val="CB171F"/>
-                  </a:solidFill>
-                  <a:latin typeface="Constantia" panose="02030602050306030303" pitchFamily="18" charset="0"/>
-                  <a:ea typeface="Verdana" panose="020B0604030504040204" pitchFamily="34" charset="0"/>
-                  <a:cs typeface="Arial" panose="020B0604020202020204" pitchFamily="34" charset="0"/>
-                </a:rPr>
-                <a:t>A’dan Z’ye Büyük Veri</a:t>
-              </a:r>
-              <a:endParaRPr lang="en-US" sz="2000" dirty="0">
-                <a:solidFill>
-                  <a:srgbClr val="CB171F"/>
-                </a:solidFill>
-                <a:latin typeface="Constantia" panose="02030602050306030303" pitchFamily="18" charset="0"/>
-                <a:ea typeface="Verdana" panose="020B0604030504040204" pitchFamily="34" charset="0"/>
-                <a:cs typeface="Arial" panose="020B0604020202020204" pitchFamily="34" charset="0"/>
-              </a:endParaRPr>
-            </a:p>
-          </p:txBody>
-        </p:sp>
-      </p:grpSp>
       <p:sp>
         <p:nvSpPr>
           <p:cNvPr id="16" name="Unvan 1"/>
@@ -11091,362 +8372,6 @@
           </a:fontRef>
         </p:style>
       </p:cxnSp>
-      <p:grpSp>
-        <p:nvGrpSpPr>
-          <p:cNvPr id="15" name="Grup 14"/>
-          <p:cNvGrpSpPr/>
-          <p:nvPr/>
-        </p:nvGrpSpPr>
-        <p:grpSpPr>
-          <a:xfrm>
-            <a:off x="228596" y="6231467"/>
-            <a:ext cx="3041654" cy="492576"/>
-            <a:chOff x="228596" y="6231467"/>
-            <a:chExt cx="3041654" cy="492576"/>
-          </a:xfrm>
-        </p:grpSpPr>
-        <p:grpSp>
-          <p:nvGrpSpPr>
-            <p:cNvPr id="8" name="Grup 7"/>
-            <p:cNvGrpSpPr/>
-            <p:nvPr/>
-          </p:nvGrpSpPr>
-          <p:grpSpPr>
-            <a:xfrm>
-              <a:off x="228596" y="6231467"/>
-              <a:ext cx="2802471" cy="457084"/>
-              <a:chOff x="127000" y="5901146"/>
-              <a:chExt cx="5156200" cy="838200"/>
-            </a:xfrm>
-          </p:grpSpPr>
-          <p:sp>
-            <p:nvSpPr>
-              <p:cNvPr id="7" name="Dikdörtgen 6"/>
-              <p:cNvSpPr/>
-              <p:nvPr/>
-            </p:nvSpPr>
-            <p:spPr>
-              <a:xfrm>
-                <a:off x="127000" y="5901146"/>
-                <a:ext cx="5156200" cy="838200"/>
-              </a:xfrm>
-              <a:prstGeom prst="rect">
-                <a:avLst/>
-              </a:prstGeom>
-              <a:solidFill>
-                <a:schemeClr val="bg1">
-                  <a:lumMod val="95000"/>
-                </a:schemeClr>
-              </a:solidFill>
-              <a:ln>
-                <a:noFill/>
-              </a:ln>
-            </p:spPr>
-            <p:style>
-              <a:lnRef idx="2">
-                <a:schemeClr val="accent1">
-                  <a:shade val="50000"/>
-                </a:schemeClr>
-              </a:lnRef>
-              <a:fillRef idx="1">
-                <a:schemeClr val="accent1"/>
-              </a:fillRef>
-              <a:effectRef idx="0">
-                <a:schemeClr val="accent1"/>
-              </a:effectRef>
-              <a:fontRef idx="minor">
-                <a:schemeClr val="lt1"/>
-              </a:fontRef>
-            </p:style>
-            <p:txBody>
-              <a:bodyPr rtlCol="0" anchor="ctr"/>
-              <a:lstStyle/>
-              <a:p>
-                <a:pPr algn="ctr"/>
-                <a:endParaRPr lang="en-US" sz="2000"/>
-              </a:p>
-            </p:txBody>
-          </p:sp>
-          <p:grpSp>
-            <p:nvGrpSpPr>
-              <p:cNvPr id="6" name="Grup 5"/>
-              <p:cNvGrpSpPr/>
-              <p:nvPr/>
-            </p:nvGrpSpPr>
-            <p:grpSpPr>
-              <a:xfrm>
-                <a:off x="211667" y="6019800"/>
-                <a:ext cx="5012266" cy="605115"/>
-                <a:chOff x="211667" y="6019800"/>
-                <a:chExt cx="5012266" cy="605115"/>
-              </a:xfrm>
-            </p:grpSpPr>
-            <p:pic>
-              <p:nvPicPr>
-                <p:cNvPr id="4" name="Resim 3"/>
-                <p:cNvPicPr>
-                  <a:picLocks noChangeAspect="1"/>
-                </p:cNvPicPr>
-                <p:nvPr/>
-              </p:nvPicPr>
-              <p:blipFill rotWithShape="1">
-                <a:blip r:embed="rId2" cstate="print">
-                  <a:extLst>
-                    <a:ext uri="{28A0092B-C50C-407E-A947-70E740481C1C}">
-                      <a14:useLocalDpi xmlns:a14="http://schemas.microsoft.com/office/drawing/2010/main" val="0"/>
-                    </a:ext>
-                  </a:extLst>
-                </a:blip>
-                <a:srcRect l="24387" t="8319" r="18355" b="50150"/>
-                <a:stretch/>
-              </p:blipFill>
-              <p:spPr>
-                <a:xfrm>
-                  <a:off x="211667" y="6019800"/>
-                  <a:ext cx="1072095" cy="600892"/>
-                </a:xfrm>
-                <a:prstGeom prst="rect">
-                  <a:avLst/>
-                </a:prstGeom>
-              </p:spPr>
-            </p:pic>
-            <p:sp>
-              <p:nvSpPr>
-                <p:cNvPr id="5" name="Unvan 1"/>
-                <p:cNvSpPr txBox="1">
-                  <a:spLocks/>
-                </p:cNvSpPr>
-                <p:nvPr/>
-              </p:nvSpPr>
-              <p:spPr>
-                <a:xfrm>
-                  <a:off x="1283763" y="6024023"/>
-                  <a:ext cx="3940170" cy="600892"/>
-                </a:xfrm>
-                <a:prstGeom prst="rect">
-                  <a:avLst/>
-                </a:prstGeom>
-              </p:spPr>
-              <p:txBody>
-                <a:bodyPr vert="horz" lIns="91440" tIns="45720" rIns="91440" bIns="45720" rtlCol="0" anchor="b">
-                  <a:noAutofit/>
-                </a:bodyPr>
-                <a:lstStyle>
-                  <a:lvl1pPr algn="ctr" defTabSz="914400" rtl="0" eaLnBrk="1" latinLnBrk="0" hangingPunct="1">
-                    <a:lnSpc>
-                      <a:spcPct val="90000"/>
-                    </a:lnSpc>
-                    <a:spcBef>
-                      <a:spcPct val="0"/>
-                    </a:spcBef>
-                    <a:buNone/>
-                    <a:defRPr sz="6000" kern="1200">
-                      <a:solidFill>
-                        <a:schemeClr val="tx1"/>
-                      </a:solidFill>
-                      <a:latin typeface="+mj-lt"/>
-                      <a:ea typeface="+mj-ea"/>
-                      <a:cs typeface="+mj-cs"/>
-                    </a:defRPr>
-                  </a:lvl1pPr>
-                </a:lstStyle>
-                <a:p>
-                  <a:pPr algn="l"/>
-                  <a:r>
-                    <a:rPr lang="tr-TR" sz="2000" dirty="0">
-                      <a:solidFill>
-                        <a:srgbClr val="CB171F"/>
-                      </a:solidFill>
-                      <a:latin typeface="Constantia" panose="02030602050306030303" pitchFamily="18" charset="0"/>
-                      <a:ea typeface="Verdana" panose="020B0604030504040204" pitchFamily="34" charset="0"/>
-                      <a:cs typeface="Arial" panose="020B0604020202020204" pitchFamily="34" charset="0"/>
-                    </a:rPr>
-                    <a:t>Veri Bilimi Okulu</a:t>
-                  </a:r>
-                  <a:endParaRPr lang="en-US" sz="2000" dirty="0">
-                    <a:solidFill>
-                      <a:srgbClr val="CB171F"/>
-                    </a:solidFill>
-                    <a:latin typeface="Constantia" panose="02030602050306030303" pitchFamily="18" charset="0"/>
-                    <a:ea typeface="Verdana" panose="020B0604030504040204" pitchFamily="34" charset="0"/>
-                    <a:cs typeface="Arial" panose="020B0604020202020204" pitchFamily="34" charset="0"/>
-                  </a:endParaRPr>
-                </a:p>
-              </p:txBody>
-            </p:sp>
-          </p:grpSp>
-        </p:grpSp>
-        <p:sp>
-          <p:nvSpPr>
-            <p:cNvPr id="12" name="Metin kutusu 11"/>
-            <p:cNvSpPr txBox="1"/>
-            <p:nvPr/>
-          </p:nvSpPr>
-          <p:spPr>
-            <a:xfrm>
-              <a:off x="1582782" y="6493211"/>
-              <a:ext cx="1687468" cy="230832"/>
-            </a:xfrm>
-            <a:prstGeom prst="rect">
-              <a:avLst/>
-            </a:prstGeom>
-            <a:noFill/>
-          </p:spPr>
-          <p:txBody>
-            <a:bodyPr wrap="square" rtlCol="0">
-              <a:spAutoFit/>
-            </a:bodyPr>
-            <a:lstStyle/>
-            <a:p>
-              <a:r>
-                <a:rPr lang="en-US" sz="900" dirty="0">
-                  <a:solidFill>
-                    <a:srgbClr val="0B8043"/>
-                  </a:solidFill>
-                </a:rPr>
-                <a:t>https:</a:t>
-              </a:r>
-              <a:r>
-                <a:rPr lang="en-US" sz="900" dirty="0">
-                  <a:solidFill>
-                    <a:schemeClr val="bg1">
-                      <a:lumMod val="50000"/>
-                    </a:schemeClr>
-                  </a:solidFill>
-                </a:rPr>
-                <a:t>//www.veribilimi.co</a:t>
-              </a:r>
-            </a:p>
-          </p:txBody>
-        </p:sp>
-      </p:grpSp>
-      <p:grpSp>
-        <p:nvGrpSpPr>
-          <p:cNvPr id="11" name="Grup 10"/>
-          <p:cNvGrpSpPr/>
-          <p:nvPr/>
-        </p:nvGrpSpPr>
-        <p:grpSpPr>
-          <a:xfrm>
-            <a:off x="9194796" y="6231467"/>
-            <a:ext cx="2802471" cy="457084"/>
-            <a:chOff x="184993" y="5905369"/>
-            <a:chExt cx="5156200" cy="838200"/>
-          </a:xfrm>
-        </p:grpSpPr>
-        <p:sp>
-          <p:nvSpPr>
-            <p:cNvPr id="13" name="Dikdörtgen 12"/>
-            <p:cNvSpPr/>
-            <p:nvPr/>
-          </p:nvSpPr>
-          <p:spPr>
-            <a:xfrm>
-              <a:off x="184993" y="5905369"/>
-              <a:ext cx="5156200" cy="838200"/>
-            </a:xfrm>
-            <a:prstGeom prst="rect">
-              <a:avLst/>
-            </a:prstGeom>
-            <a:solidFill>
-              <a:schemeClr val="bg1">
-                <a:lumMod val="95000"/>
-              </a:schemeClr>
-            </a:solidFill>
-            <a:ln>
-              <a:noFill/>
-            </a:ln>
-          </p:spPr>
-          <p:style>
-            <a:lnRef idx="2">
-              <a:schemeClr val="accent1">
-                <a:shade val="50000"/>
-              </a:schemeClr>
-            </a:lnRef>
-            <a:fillRef idx="1">
-              <a:schemeClr val="accent1"/>
-            </a:fillRef>
-            <a:effectRef idx="0">
-              <a:schemeClr val="accent1"/>
-            </a:effectRef>
-            <a:fontRef idx="minor">
-              <a:schemeClr val="lt1"/>
-            </a:fontRef>
-          </p:style>
-          <p:txBody>
-            <a:bodyPr rtlCol="0" anchor="ctr"/>
-            <a:lstStyle/>
-            <a:p>
-              <a:pPr algn="ctr"/>
-              <a:endParaRPr lang="en-US" sz="2000"/>
-            </a:p>
-          </p:txBody>
-        </p:sp>
-        <p:sp>
-          <p:nvSpPr>
-            <p:cNvPr id="14" name="Unvan 1"/>
-            <p:cNvSpPr txBox="1">
-              <a:spLocks/>
-            </p:cNvSpPr>
-            <p:nvPr/>
-          </p:nvSpPr>
-          <p:spPr>
-            <a:xfrm>
-              <a:off x="302252" y="6024023"/>
-              <a:ext cx="4921678" cy="600892"/>
-            </a:xfrm>
-            <a:prstGeom prst="rect">
-              <a:avLst/>
-            </a:prstGeom>
-          </p:spPr>
-          <p:txBody>
-            <a:bodyPr vert="horz" lIns="91440" tIns="45720" rIns="91440" bIns="45720" rtlCol="0" anchor="b">
-              <a:noAutofit/>
-            </a:bodyPr>
-            <a:lstStyle>
-              <a:lvl1pPr algn="ctr" defTabSz="914400" rtl="0" eaLnBrk="1" latinLnBrk="0" hangingPunct="1">
-                <a:lnSpc>
-                  <a:spcPct val="90000"/>
-                </a:lnSpc>
-                <a:spcBef>
-                  <a:spcPct val="0"/>
-                </a:spcBef>
-                <a:buNone/>
-                <a:defRPr sz="6000" kern="1200">
-                  <a:solidFill>
-                    <a:schemeClr val="tx1"/>
-                  </a:solidFill>
-                  <a:latin typeface="+mj-lt"/>
-                  <a:ea typeface="+mj-ea"/>
-                  <a:cs typeface="+mj-cs"/>
-                </a:defRPr>
-              </a:lvl1pPr>
-            </a:lstStyle>
-            <a:p>
-              <a:pPr algn="l"/>
-              <a:r>
-                <a:rPr lang="tr-TR" sz="2000" dirty="0">
-                  <a:solidFill>
-                    <a:srgbClr val="CB171F"/>
-                  </a:solidFill>
-                  <a:latin typeface="Constantia" panose="02030602050306030303" pitchFamily="18" charset="0"/>
-                  <a:ea typeface="Verdana" panose="020B0604030504040204" pitchFamily="34" charset="0"/>
-                  <a:cs typeface="Arial" panose="020B0604020202020204" pitchFamily="34" charset="0"/>
-                </a:rPr>
-                <a:t>A’dan Z’ye Büyük Veri</a:t>
-              </a:r>
-              <a:endParaRPr lang="en-US" sz="2000" dirty="0">
-                <a:solidFill>
-                  <a:srgbClr val="CB171F"/>
-                </a:solidFill>
-                <a:latin typeface="Constantia" panose="02030602050306030303" pitchFamily="18" charset="0"/>
-                <a:ea typeface="Verdana" panose="020B0604030504040204" pitchFamily="34" charset="0"/>
-                <a:cs typeface="Arial" panose="020B0604020202020204" pitchFamily="34" charset="0"/>
-              </a:endParaRPr>
-            </a:p>
-          </p:txBody>
-        </p:sp>
-      </p:grpSp>
       <p:sp>
         <p:nvSpPr>
           <p:cNvPr id="16" name="Unvan 1"/>
@@ -11956,362 +8881,6 @@
           </a:fontRef>
         </p:style>
       </p:cxnSp>
-      <p:grpSp>
-        <p:nvGrpSpPr>
-          <p:cNvPr id="15" name="Grup 14"/>
-          <p:cNvGrpSpPr/>
-          <p:nvPr/>
-        </p:nvGrpSpPr>
-        <p:grpSpPr>
-          <a:xfrm>
-            <a:off x="228596" y="6231467"/>
-            <a:ext cx="3041654" cy="492576"/>
-            <a:chOff x="228596" y="6231467"/>
-            <a:chExt cx="3041654" cy="492576"/>
-          </a:xfrm>
-        </p:grpSpPr>
-        <p:grpSp>
-          <p:nvGrpSpPr>
-            <p:cNvPr id="8" name="Grup 7"/>
-            <p:cNvGrpSpPr/>
-            <p:nvPr/>
-          </p:nvGrpSpPr>
-          <p:grpSpPr>
-            <a:xfrm>
-              <a:off x="228596" y="6231467"/>
-              <a:ext cx="2802471" cy="457084"/>
-              <a:chOff x="127000" y="5901146"/>
-              <a:chExt cx="5156200" cy="838200"/>
-            </a:xfrm>
-          </p:grpSpPr>
-          <p:sp>
-            <p:nvSpPr>
-              <p:cNvPr id="7" name="Dikdörtgen 6"/>
-              <p:cNvSpPr/>
-              <p:nvPr/>
-            </p:nvSpPr>
-            <p:spPr>
-              <a:xfrm>
-                <a:off x="127000" y="5901146"/>
-                <a:ext cx="5156200" cy="838200"/>
-              </a:xfrm>
-              <a:prstGeom prst="rect">
-                <a:avLst/>
-              </a:prstGeom>
-              <a:solidFill>
-                <a:schemeClr val="bg1">
-                  <a:lumMod val="95000"/>
-                </a:schemeClr>
-              </a:solidFill>
-              <a:ln>
-                <a:noFill/>
-              </a:ln>
-            </p:spPr>
-            <p:style>
-              <a:lnRef idx="2">
-                <a:schemeClr val="accent1">
-                  <a:shade val="50000"/>
-                </a:schemeClr>
-              </a:lnRef>
-              <a:fillRef idx="1">
-                <a:schemeClr val="accent1"/>
-              </a:fillRef>
-              <a:effectRef idx="0">
-                <a:schemeClr val="accent1"/>
-              </a:effectRef>
-              <a:fontRef idx="minor">
-                <a:schemeClr val="lt1"/>
-              </a:fontRef>
-            </p:style>
-            <p:txBody>
-              <a:bodyPr rtlCol="0" anchor="ctr"/>
-              <a:lstStyle/>
-              <a:p>
-                <a:pPr algn="ctr"/>
-                <a:endParaRPr lang="en-US" sz="2000"/>
-              </a:p>
-            </p:txBody>
-          </p:sp>
-          <p:grpSp>
-            <p:nvGrpSpPr>
-              <p:cNvPr id="6" name="Grup 5"/>
-              <p:cNvGrpSpPr/>
-              <p:nvPr/>
-            </p:nvGrpSpPr>
-            <p:grpSpPr>
-              <a:xfrm>
-                <a:off x="211667" y="6019800"/>
-                <a:ext cx="5012266" cy="605115"/>
-                <a:chOff x="211667" y="6019800"/>
-                <a:chExt cx="5012266" cy="605115"/>
-              </a:xfrm>
-            </p:grpSpPr>
-            <p:pic>
-              <p:nvPicPr>
-                <p:cNvPr id="4" name="Resim 3"/>
-                <p:cNvPicPr>
-                  <a:picLocks noChangeAspect="1"/>
-                </p:cNvPicPr>
-                <p:nvPr/>
-              </p:nvPicPr>
-              <p:blipFill rotWithShape="1">
-                <a:blip r:embed="rId2" cstate="print">
-                  <a:extLst>
-                    <a:ext uri="{28A0092B-C50C-407E-A947-70E740481C1C}">
-                      <a14:useLocalDpi xmlns:a14="http://schemas.microsoft.com/office/drawing/2010/main" val="0"/>
-                    </a:ext>
-                  </a:extLst>
-                </a:blip>
-                <a:srcRect l="24387" t="8319" r="18355" b="50150"/>
-                <a:stretch/>
-              </p:blipFill>
-              <p:spPr>
-                <a:xfrm>
-                  <a:off x="211667" y="6019800"/>
-                  <a:ext cx="1072095" cy="600892"/>
-                </a:xfrm>
-                <a:prstGeom prst="rect">
-                  <a:avLst/>
-                </a:prstGeom>
-              </p:spPr>
-            </p:pic>
-            <p:sp>
-              <p:nvSpPr>
-                <p:cNvPr id="5" name="Unvan 1"/>
-                <p:cNvSpPr txBox="1">
-                  <a:spLocks/>
-                </p:cNvSpPr>
-                <p:nvPr/>
-              </p:nvSpPr>
-              <p:spPr>
-                <a:xfrm>
-                  <a:off x="1283763" y="6024023"/>
-                  <a:ext cx="3940170" cy="600892"/>
-                </a:xfrm>
-                <a:prstGeom prst="rect">
-                  <a:avLst/>
-                </a:prstGeom>
-              </p:spPr>
-              <p:txBody>
-                <a:bodyPr vert="horz" lIns="91440" tIns="45720" rIns="91440" bIns="45720" rtlCol="0" anchor="b">
-                  <a:noAutofit/>
-                </a:bodyPr>
-                <a:lstStyle>
-                  <a:lvl1pPr algn="ctr" defTabSz="914400" rtl="0" eaLnBrk="1" latinLnBrk="0" hangingPunct="1">
-                    <a:lnSpc>
-                      <a:spcPct val="90000"/>
-                    </a:lnSpc>
-                    <a:spcBef>
-                      <a:spcPct val="0"/>
-                    </a:spcBef>
-                    <a:buNone/>
-                    <a:defRPr sz="6000" kern="1200">
-                      <a:solidFill>
-                        <a:schemeClr val="tx1"/>
-                      </a:solidFill>
-                      <a:latin typeface="+mj-lt"/>
-                      <a:ea typeface="+mj-ea"/>
-                      <a:cs typeface="+mj-cs"/>
-                    </a:defRPr>
-                  </a:lvl1pPr>
-                </a:lstStyle>
-                <a:p>
-                  <a:pPr algn="l"/>
-                  <a:r>
-                    <a:rPr lang="tr-TR" sz="2000" dirty="0">
-                      <a:solidFill>
-                        <a:srgbClr val="CB171F"/>
-                      </a:solidFill>
-                      <a:latin typeface="Constantia" panose="02030602050306030303" pitchFamily="18" charset="0"/>
-                      <a:ea typeface="Verdana" panose="020B0604030504040204" pitchFamily="34" charset="0"/>
-                      <a:cs typeface="Arial" panose="020B0604020202020204" pitchFamily="34" charset="0"/>
-                    </a:rPr>
-                    <a:t>Veri Bilimi Okulu</a:t>
-                  </a:r>
-                  <a:endParaRPr lang="en-US" sz="2000" dirty="0">
-                    <a:solidFill>
-                      <a:srgbClr val="CB171F"/>
-                    </a:solidFill>
-                    <a:latin typeface="Constantia" panose="02030602050306030303" pitchFamily="18" charset="0"/>
-                    <a:ea typeface="Verdana" panose="020B0604030504040204" pitchFamily="34" charset="0"/>
-                    <a:cs typeface="Arial" panose="020B0604020202020204" pitchFamily="34" charset="0"/>
-                  </a:endParaRPr>
-                </a:p>
-              </p:txBody>
-            </p:sp>
-          </p:grpSp>
-        </p:grpSp>
-        <p:sp>
-          <p:nvSpPr>
-            <p:cNvPr id="12" name="Metin kutusu 11"/>
-            <p:cNvSpPr txBox="1"/>
-            <p:nvPr/>
-          </p:nvSpPr>
-          <p:spPr>
-            <a:xfrm>
-              <a:off x="1582782" y="6493211"/>
-              <a:ext cx="1687468" cy="230832"/>
-            </a:xfrm>
-            <a:prstGeom prst="rect">
-              <a:avLst/>
-            </a:prstGeom>
-            <a:noFill/>
-          </p:spPr>
-          <p:txBody>
-            <a:bodyPr wrap="square" rtlCol="0">
-              <a:spAutoFit/>
-            </a:bodyPr>
-            <a:lstStyle/>
-            <a:p>
-              <a:r>
-                <a:rPr lang="en-US" sz="900" dirty="0">
-                  <a:solidFill>
-                    <a:srgbClr val="0B8043"/>
-                  </a:solidFill>
-                </a:rPr>
-                <a:t>https:</a:t>
-              </a:r>
-              <a:r>
-                <a:rPr lang="en-US" sz="900" dirty="0">
-                  <a:solidFill>
-                    <a:schemeClr val="bg1">
-                      <a:lumMod val="50000"/>
-                    </a:schemeClr>
-                  </a:solidFill>
-                </a:rPr>
-                <a:t>//www.veribilimi.co</a:t>
-              </a:r>
-            </a:p>
-          </p:txBody>
-        </p:sp>
-      </p:grpSp>
-      <p:grpSp>
-        <p:nvGrpSpPr>
-          <p:cNvPr id="11" name="Grup 10"/>
-          <p:cNvGrpSpPr/>
-          <p:nvPr/>
-        </p:nvGrpSpPr>
-        <p:grpSpPr>
-          <a:xfrm>
-            <a:off x="9194796" y="6231467"/>
-            <a:ext cx="2802471" cy="457084"/>
-            <a:chOff x="184993" y="5905369"/>
-            <a:chExt cx="5156200" cy="838200"/>
-          </a:xfrm>
-        </p:grpSpPr>
-        <p:sp>
-          <p:nvSpPr>
-            <p:cNvPr id="13" name="Dikdörtgen 12"/>
-            <p:cNvSpPr/>
-            <p:nvPr/>
-          </p:nvSpPr>
-          <p:spPr>
-            <a:xfrm>
-              <a:off x="184993" y="5905369"/>
-              <a:ext cx="5156200" cy="838200"/>
-            </a:xfrm>
-            <a:prstGeom prst="rect">
-              <a:avLst/>
-            </a:prstGeom>
-            <a:solidFill>
-              <a:schemeClr val="bg1">
-                <a:lumMod val="95000"/>
-              </a:schemeClr>
-            </a:solidFill>
-            <a:ln>
-              <a:noFill/>
-            </a:ln>
-          </p:spPr>
-          <p:style>
-            <a:lnRef idx="2">
-              <a:schemeClr val="accent1">
-                <a:shade val="50000"/>
-              </a:schemeClr>
-            </a:lnRef>
-            <a:fillRef idx="1">
-              <a:schemeClr val="accent1"/>
-            </a:fillRef>
-            <a:effectRef idx="0">
-              <a:schemeClr val="accent1"/>
-            </a:effectRef>
-            <a:fontRef idx="minor">
-              <a:schemeClr val="lt1"/>
-            </a:fontRef>
-          </p:style>
-          <p:txBody>
-            <a:bodyPr rtlCol="0" anchor="ctr"/>
-            <a:lstStyle/>
-            <a:p>
-              <a:pPr algn="ctr"/>
-              <a:endParaRPr lang="en-US" sz="2000"/>
-            </a:p>
-          </p:txBody>
-        </p:sp>
-        <p:sp>
-          <p:nvSpPr>
-            <p:cNvPr id="14" name="Unvan 1"/>
-            <p:cNvSpPr txBox="1">
-              <a:spLocks/>
-            </p:cNvSpPr>
-            <p:nvPr/>
-          </p:nvSpPr>
-          <p:spPr>
-            <a:xfrm>
-              <a:off x="302252" y="6024023"/>
-              <a:ext cx="4921678" cy="600892"/>
-            </a:xfrm>
-            <a:prstGeom prst="rect">
-              <a:avLst/>
-            </a:prstGeom>
-          </p:spPr>
-          <p:txBody>
-            <a:bodyPr vert="horz" lIns="91440" tIns="45720" rIns="91440" bIns="45720" rtlCol="0" anchor="b">
-              <a:noAutofit/>
-            </a:bodyPr>
-            <a:lstStyle>
-              <a:lvl1pPr algn="ctr" defTabSz="914400" rtl="0" eaLnBrk="1" latinLnBrk="0" hangingPunct="1">
-                <a:lnSpc>
-                  <a:spcPct val="90000"/>
-                </a:lnSpc>
-                <a:spcBef>
-                  <a:spcPct val="0"/>
-                </a:spcBef>
-                <a:buNone/>
-                <a:defRPr sz="6000" kern="1200">
-                  <a:solidFill>
-                    <a:schemeClr val="tx1"/>
-                  </a:solidFill>
-                  <a:latin typeface="+mj-lt"/>
-                  <a:ea typeface="+mj-ea"/>
-                  <a:cs typeface="+mj-cs"/>
-                </a:defRPr>
-              </a:lvl1pPr>
-            </a:lstStyle>
-            <a:p>
-              <a:pPr algn="l"/>
-              <a:r>
-                <a:rPr lang="tr-TR" sz="2000" dirty="0">
-                  <a:solidFill>
-                    <a:srgbClr val="CB171F"/>
-                  </a:solidFill>
-                  <a:latin typeface="Constantia" panose="02030602050306030303" pitchFamily="18" charset="0"/>
-                  <a:ea typeface="Verdana" panose="020B0604030504040204" pitchFamily="34" charset="0"/>
-                  <a:cs typeface="Arial" panose="020B0604020202020204" pitchFamily="34" charset="0"/>
-                </a:rPr>
-                <a:t>A’dan Z’ye Büyük Veri</a:t>
-              </a:r>
-              <a:endParaRPr lang="en-US" sz="2000" dirty="0">
-                <a:solidFill>
-                  <a:srgbClr val="CB171F"/>
-                </a:solidFill>
-                <a:latin typeface="Constantia" panose="02030602050306030303" pitchFamily="18" charset="0"/>
-                <a:ea typeface="Verdana" panose="020B0604030504040204" pitchFamily="34" charset="0"/>
-                <a:cs typeface="Arial" panose="020B0604020202020204" pitchFamily="34" charset="0"/>
-              </a:endParaRPr>
-            </a:p>
-          </p:txBody>
-        </p:sp>
-      </p:grpSp>
       <p:sp>
         <p:nvSpPr>
           <p:cNvPr id="16" name="Unvan 1"/>
@@ -13279,362 +9848,6 @@
           </a:fontRef>
         </p:style>
       </p:cxnSp>
-      <p:grpSp>
-        <p:nvGrpSpPr>
-          <p:cNvPr id="15" name="Grup 14"/>
-          <p:cNvGrpSpPr/>
-          <p:nvPr/>
-        </p:nvGrpSpPr>
-        <p:grpSpPr>
-          <a:xfrm>
-            <a:off x="228596" y="6231467"/>
-            <a:ext cx="3041654" cy="492576"/>
-            <a:chOff x="228596" y="6231467"/>
-            <a:chExt cx="3041654" cy="492576"/>
-          </a:xfrm>
-        </p:grpSpPr>
-        <p:grpSp>
-          <p:nvGrpSpPr>
-            <p:cNvPr id="8" name="Grup 7"/>
-            <p:cNvGrpSpPr/>
-            <p:nvPr/>
-          </p:nvGrpSpPr>
-          <p:grpSpPr>
-            <a:xfrm>
-              <a:off x="228596" y="6231467"/>
-              <a:ext cx="2802471" cy="457084"/>
-              <a:chOff x="127000" y="5901146"/>
-              <a:chExt cx="5156200" cy="838200"/>
-            </a:xfrm>
-          </p:grpSpPr>
-          <p:sp>
-            <p:nvSpPr>
-              <p:cNvPr id="7" name="Dikdörtgen 6"/>
-              <p:cNvSpPr/>
-              <p:nvPr/>
-            </p:nvSpPr>
-            <p:spPr>
-              <a:xfrm>
-                <a:off x="127000" y="5901146"/>
-                <a:ext cx="5156200" cy="838200"/>
-              </a:xfrm>
-              <a:prstGeom prst="rect">
-                <a:avLst/>
-              </a:prstGeom>
-              <a:solidFill>
-                <a:schemeClr val="bg1">
-                  <a:lumMod val="95000"/>
-                </a:schemeClr>
-              </a:solidFill>
-              <a:ln>
-                <a:noFill/>
-              </a:ln>
-            </p:spPr>
-            <p:style>
-              <a:lnRef idx="2">
-                <a:schemeClr val="accent1">
-                  <a:shade val="50000"/>
-                </a:schemeClr>
-              </a:lnRef>
-              <a:fillRef idx="1">
-                <a:schemeClr val="accent1"/>
-              </a:fillRef>
-              <a:effectRef idx="0">
-                <a:schemeClr val="accent1"/>
-              </a:effectRef>
-              <a:fontRef idx="minor">
-                <a:schemeClr val="lt1"/>
-              </a:fontRef>
-            </p:style>
-            <p:txBody>
-              <a:bodyPr rtlCol="0" anchor="ctr"/>
-              <a:lstStyle/>
-              <a:p>
-                <a:pPr algn="ctr"/>
-                <a:endParaRPr lang="en-US" sz="2000"/>
-              </a:p>
-            </p:txBody>
-          </p:sp>
-          <p:grpSp>
-            <p:nvGrpSpPr>
-              <p:cNvPr id="6" name="Grup 5"/>
-              <p:cNvGrpSpPr/>
-              <p:nvPr/>
-            </p:nvGrpSpPr>
-            <p:grpSpPr>
-              <a:xfrm>
-                <a:off x="211667" y="6019800"/>
-                <a:ext cx="5012266" cy="605115"/>
-                <a:chOff x="211667" y="6019800"/>
-                <a:chExt cx="5012266" cy="605115"/>
-              </a:xfrm>
-            </p:grpSpPr>
-            <p:pic>
-              <p:nvPicPr>
-                <p:cNvPr id="4" name="Resim 3"/>
-                <p:cNvPicPr>
-                  <a:picLocks noChangeAspect="1"/>
-                </p:cNvPicPr>
-                <p:nvPr/>
-              </p:nvPicPr>
-              <p:blipFill rotWithShape="1">
-                <a:blip r:embed="rId2" cstate="print">
-                  <a:extLst>
-                    <a:ext uri="{28A0092B-C50C-407E-A947-70E740481C1C}">
-                      <a14:useLocalDpi xmlns:a14="http://schemas.microsoft.com/office/drawing/2010/main" val="0"/>
-                    </a:ext>
-                  </a:extLst>
-                </a:blip>
-                <a:srcRect l="24387" t="8319" r="18355" b="50150"/>
-                <a:stretch/>
-              </p:blipFill>
-              <p:spPr>
-                <a:xfrm>
-                  <a:off x="211667" y="6019800"/>
-                  <a:ext cx="1072095" cy="600892"/>
-                </a:xfrm>
-                <a:prstGeom prst="rect">
-                  <a:avLst/>
-                </a:prstGeom>
-              </p:spPr>
-            </p:pic>
-            <p:sp>
-              <p:nvSpPr>
-                <p:cNvPr id="5" name="Unvan 1"/>
-                <p:cNvSpPr txBox="1">
-                  <a:spLocks/>
-                </p:cNvSpPr>
-                <p:nvPr/>
-              </p:nvSpPr>
-              <p:spPr>
-                <a:xfrm>
-                  <a:off x="1283763" y="6024023"/>
-                  <a:ext cx="3940170" cy="600892"/>
-                </a:xfrm>
-                <a:prstGeom prst="rect">
-                  <a:avLst/>
-                </a:prstGeom>
-              </p:spPr>
-              <p:txBody>
-                <a:bodyPr vert="horz" lIns="91440" tIns="45720" rIns="91440" bIns="45720" rtlCol="0" anchor="b">
-                  <a:noAutofit/>
-                </a:bodyPr>
-                <a:lstStyle>
-                  <a:lvl1pPr algn="ctr" defTabSz="914400" rtl="0" eaLnBrk="1" latinLnBrk="0" hangingPunct="1">
-                    <a:lnSpc>
-                      <a:spcPct val="90000"/>
-                    </a:lnSpc>
-                    <a:spcBef>
-                      <a:spcPct val="0"/>
-                    </a:spcBef>
-                    <a:buNone/>
-                    <a:defRPr sz="6000" kern="1200">
-                      <a:solidFill>
-                        <a:schemeClr val="tx1"/>
-                      </a:solidFill>
-                      <a:latin typeface="+mj-lt"/>
-                      <a:ea typeface="+mj-ea"/>
-                      <a:cs typeface="+mj-cs"/>
-                    </a:defRPr>
-                  </a:lvl1pPr>
-                </a:lstStyle>
-                <a:p>
-                  <a:pPr algn="l"/>
-                  <a:r>
-                    <a:rPr lang="tr-TR" sz="2000" dirty="0">
-                      <a:solidFill>
-                        <a:srgbClr val="CB171F"/>
-                      </a:solidFill>
-                      <a:latin typeface="Constantia" panose="02030602050306030303" pitchFamily="18" charset="0"/>
-                      <a:ea typeface="Verdana" panose="020B0604030504040204" pitchFamily="34" charset="0"/>
-                      <a:cs typeface="Arial" panose="020B0604020202020204" pitchFamily="34" charset="0"/>
-                    </a:rPr>
-                    <a:t>Veri Bilimi Okulu</a:t>
-                  </a:r>
-                  <a:endParaRPr lang="en-US" sz="2000" dirty="0">
-                    <a:solidFill>
-                      <a:srgbClr val="CB171F"/>
-                    </a:solidFill>
-                    <a:latin typeface="Constantia" panose="02030602050306030303" pitchFamily="18" charset="0"/>
-                    <a:ea typeface="Verdana" panose="020B0604030504040204" pitchFamily="34" charset="0"/>
-                    <a:cs typeface="Arial" panose="020B0604020202020204" pitchFamily="34" charset="0"/>
-                  </a:endParaRPr>
-                </a:p>
-              </p:txBody>
-            </p:sp>
-          </p:grpSp>
-        </p:grpSp>
-        <p:sp>
-          <p:nvSpPr>
-            <p:cNvPr id="12" name="Metin kutusu 11"/>
-            <p:cNvSpPr txBox="1"/>
-            <p:nvPr/>
-          </p:nvSpPr>
-          <p:spPr>
-            <a:xfrm>
-              <a:off x="1582782" y="6493211"/>
-              <a:ext cx="1687468" cy="230832"/>
-            </a:xfrm>
-            <a:prstGeom prst="rect">
-              <a:avLst/>
-            </a:prstGeom>
-            <a:noFill/>
-          </p:spPr>
-          <p:txBody>
-            <a:bodyPr wrap="square" rtlCol="0">
-              <a:spAutoFit/>
-            </a:bodyPr>
-            <a:lstStyle/>
-            <a:p>
-              <a:r>
-                <a:rPr lang="en-US" sz="900" dirty="0">
-                  <a:solidFill>
-                    <a:srgbClr val="0B8043"/>
-                  </a:solidFill>
-                </a:rPr>
-                <a:t>https:</a:t>
-              </a:r>
-              <a:r>
-                <a:rPr lang="en-US" sz="900" dirty="0">
-                  <a:solidFill>
-                    <a:schemeClr val="bg1">
-                      <a:lumMod val="50000"/>
-                    </a:schemeClr>
-                  </a:solidFill>
-                </a:rPr>
-                <a:t>//www.veribilimi.co</a:t>
-              </a:r>
-            </a:p>
-          </p:txBody>
-        </p:sp>
-      </p:grpSp>
-      <p:grpSp>
-        <p:nvGrpSpPr>
-          <p:cNvPr id="11" name="Grup 10"/>
-          <p:cNvGrpSpPr/>
-          <p:nvPr/>
-        </p:nvGrpSpPr>
-        <p:grpSpPr>
-          <a:xfrm>
-            <a:off x="9194796" y="6231467"/>
-            <a:ext cx="2802471" cy="457084"/>
-            <a:chOff x="184993" y="5905369"/>
-            <a:chExt cx="5156200" cy="838200"/>
-          </a:xfrm>
-        </p:grpSpPr>
-        <p:sp>
-          <p:nvSpPr>
-            <p:cNvPr id="13" name="Dikdörtgen 12"/>
-            <p:cNvSpPr/>
-            <p:nvPr/>
-          </p:nvSpPr>
-          <p:spPr>
-            <a:xfrm>
-              <a:off x="184993" y="5905369"/>
-              <a:ext cx="5156200" cy="838200"/>
-            </a:xfrm>
-            <a:prstGeom prst="rect">
-              <a:avLst/>
-            </a:prstGeom>
-            <a:solidFill>
-              <a:schemeClr val="bg1">
-                <a:lumMod val="95000"/>
-              </a:schemeClr>
-            </a:solidFill>
-            <a:ln>
-              <a:noFill/>
-            </a:ln>
-          </p:spPr>
-          <p:style>
-            <a:lnRef idx="2">
-              <a:schemeClr val="accent1">
-                <a:shade val="50000"/>
-              </a:schemeClr>
-            </a:lnRef>
-            <a:fillRef idx="1">
-              <a:schemeClr val="accent1"/>
-            </a:fillRef>
-            <a:effectRef idx="0">
-              <a:schemeClr val="accent1"/>
-            </a:effectRef>
-            <a:fontRef idx="minor">
-              <a:schemeClr val="lt1"/>
-            </a:fontRef>
-          </p:style>
-          <p:txBody>
-            <a:bodyPr rtlCol="0" anchor="ctr"/>
-            <a:lstStyle/>
-            <a:p>
-              <a:pPr algn="ctr"/>
-              <a:endParaRPr lang="en-US" sz="2000"/>
-            </a:p>
-          </p:txBody>
-        </p:sp>
-        <p:sp>
-          <p:nvSpPr>
-            <p:cNvPr id="14" name="Unvan 1"/>
-            <p:cNvSpPr txBox="1">
-              <a:spLocks/>
-            </p:cNvSpPr>
-            <p:nvPr/>
-          </p:nvSpPr>
-          <p:spPr>
-            <a:xfrm>
-              <a:off x="302252" y="6024023"/>
-              <a:ext cx="4921678" cy="600892"/>
-            </a:xfrm>
-            <a:prstGeom prst="rect">
-              <a:avLst/>
-            </a:prstGeom>
-          </p:spPr>
-          <p:txBody>
-            <a:bodyPr vert="horz" lIns="91440" tIns="45720" rIns="91440" bIns="45720" rtlCol="0" anchor="b">
-              <a:noAutofit/>
-            </a:bodyPr>
-            <a:lstStyle>
-              <a:lvl1pPr algn="ctr" defTabSz="914400" rtl="0" eaLnBrk="1" latinLnBrk="0" hangingPunct="1">
-                <a:lnSpc>
-                  <a:spcPct val="90000"/>
-                </a:lnSpc>
-                <a:spcBef>
-                  <a:spcPct val="0"/>
-                </a:spcBef>
-                <a:buNone/>
-                <a:defRPr sz="6000" kern="1200">
-                  <a:solidFill>
-                    <a:schemeClr val="tx1"/>
-                  </a:solidFill>
-                  <a:latin typeface="+mj-lt"/>
-                  <a:ea typeface="+mj-ea"/>
-                  <a:cs typeface="+mj-cs"/>
-                </a:defRPr>
-              </a:lvl1pPr>
-            </a:lstStyle>
-            <a:p>
-              <a:pPr algn="l"/>
-              <a:r>
-                <a:rPr lang="tr-TR" sz="2000" dirty="0">
-                  <a:solidFill>
-                    <a:srgbClr val="CB171F"/>
-                  </a:solidFill>
-                  <a:latin typeface="Constantia" panose="02030602050306030303" pitchFamily="18" charset="0"/>
-                  <a:ea typeface="Verdana" panose="020B0604030504040204" pitchFamily="34" charset="0"/>
-                  <a:cs typeface="Arial" panose="020B0604020202020204" pitchFamily="34" charset="0"/>
-                </a:rPr>
-                <a:t>A’dan Z’ye Büyük Veri</a:t>
-              </a:r>
-              <a:endParaRPr lang="en-US" sz="2000" dirty="0">
-                <a:solidFill>
-                  <a:srgbClr val="CB171F"/>
-                </a:solidFill>
-                <a:latin typeface="Constantia" panose="02030602050306030303" pitchFamily="18" charset="0"/>
-                <a:ea typeface="Verdana" panose="020B0604030504040204" pitchFamily="34" charset="0"/>
-                <a:cs typeface="Arial" panose="020B0604020202020204" pitchFamily="34" charset="0"/>
-              </a:endParaRPr>
-            </a:p>
-          </p:txBody>
-        </p:sp>
-      </p:grpSp>
       <p:sp>
         <p:nvSpPr>
           <p:cNvPr id="16" name="Unvan 1"/>
@@ -14415,362 +10628,6 @@
           </a:fontRef>
         </p:style>
       </p:cxnSp>
-      <p:grpSp>
-        <p:nvGrpSpPr>
-          <p:cNvPr id="15" name="Grup 14"/>
-          <p:cNvGrpSpPr/>
-          <p:nvPr/>
-        </p:nvGrpSpPr>
-        <p:grpSpPr>
-          <a:xfrm>
-            <a:off x="228596" y="6231467"/>
-            <a:ext cx="3041654" cy="492576"/>
-            <a:chOff x="228596" y="6231467"/>
-            <a:chExt cx="3041654" cy="492576"/>
-          </a:xfrm>
-        </p:grpSpPr>
-        <p:grpSp>
-          <p:nvGrpSpPr>
-            <p:cNvPr id="8" name="Grup 7"/>
-            <p:cNvGrpSpPr/>
-            <p:nvPr/>
-          </p:nvGrpSpPr>
-          <p:grpSpPr>
-            <a:xfrm>
-              <a:off x="228596" y="6231467"/>
-              <a:ext cx="2802471" cy="457084"/>
-              <a:chOff x="127000" y="5901146"/>
-              <a:chExt cx="5156200" cy="838200"/>
-            </a:xfrm>
-          </p:grpSpPr>
-          <p:sp>
-            <p:nvSpPr>
-              <p:cNvPr id="7" name="Dikdörtgen 6"/>
-              <p:cNvSpPr/>
-              <p:nvPr/>
-            </p:nvSpPr>
-            <p:spPr>
-              <a:xfrm>
-                <a:off x="127000" y="5901146"/>
-                <a:ext cx="5156200" cy="838200"/>
-              </a:xfrm>
-              <a:prstGeom prst="rect">
-                <a:avLst/>
-              </a:prstGeom>
-              <a:solidFill>
-                <a:schemeClr val="bg1">
-                  <a:lumMod val="95000"/>
-                </a:schemeClr>
-              </a:solidFill>
-              <a:ln>
-                <a:noFill/>
-              </a:ln>
-            </p:spPr>
-            <p:style>
-              <a:lnRef idx="2">
-                <a:schemeClr val="accent1">
-                  <a:shade val="50000"/>
-                </a:schemeClr>
-              </a:lnRef>
-              <a:fillRef idx="1">
-                <a:schemeClr val="accent1"/>
-              </a:fillRef>
-              <a:effectRef idx="0">
-                <a:schemeClr val="accent1"/>
-              </a:effectRef>
-              <a:fontRef idx="minor">
-                <a:schemeClr val="lt1"/>
-              </a:fontRef>
-            </p:style>
-            <p:txBody>
-              <a:bodyPr rtlCol="0" anchor="ctr"/>
-              <a:lstStyle/>
-              <a:p>
-                <a:pPr algn="ctr"/>
-                <a:endParaRPr lang="en-US" sz="2000"/>
-              </a:p>
-            </p:txBody>
-          </p:sp>
-          <p:grpSp>
-            <p:nvGrpSpPr>
-              <p:cNvPr id="6" name="Grup 5"/>
-              <p:cNvGrpSpPr/>
-              <p:nvPr/>
-            </p:nvGrpSpPr>
-            <p:grpSpPr>
-              <a:xfrm>
-                <a:off x="211667" y="6019800"/>
-                <a:ext cx="5012266" cy="605115"/>
-                <a:chOff x="211667" y="6019800"/>
-                <a:chExt cx="5012266" cy="605115"/>
-              </a:xfrm>
-            </p:grpSpPr>
-            <p:pic>
-              <p:nvPicPr>
-                <p:cNvPr id="4" name="Resim 3"/>
-                <p:cNvPicPr>
-                  <a:picLocks noChangeAspect="1"/>
-                </p:cNvPicPr>
-                <p:nvPr/>
-              </p:nvPicPr>
-              <p:blipFill rotWithShape="1">
-                <a:blip r:embed="rId2" cstate="print">
-                  <a:extLst>
-                    <a:ext uri="{28A0092B-C50C-407E-A947-70E740481C1C}">
-                      <a14:useLocalDpi xmlns:a14="http://schemas.microsoft.com/office/drawing/2010/main" val="0"/>
-                    </a:ext>
-                  </a:extLst>
-                </a:blip>
-                <a:srcRect l="24387" t="8319" r="18355" b="50150"/>
-                <a:stretch/>
-              </p:blipFill>
-              <p:spPr>
-                <a:xfrm>
-                  <a:off x="211667" y="6019800"/>
-                  <a:ext cx="1072095" cy="600892"/>
-                </a:xfrm>
-                <a:prstGeom prst="rect">
-                  <a:avLst/>
-                </a:prstGeom>
-              </p:spPr>
-            </p:pic>
-            <p:sp>
-              <p:nvSpPr>
-                <p:cNvPr id="5" name="Unvan 1"/>
-                <p:cNvSpPr txBox="1">
-                  <a:spLocks/>
-                </p:cNvSpPr>
-                <p:nvPr/>
-              </p:nvSpPr>
-              <p:spPr>
-                <a:xfrm>
-                  <a:off x="1283763" y="6024023"/>
-                  <a:ext cx="3940170" cy="600892"/>
-                </a:xfrm>
-                <a:prstGeom prst="rect">
-                  <a:avLst/>
-                </a:prstGeom>
-              </p:spPr>
-              <p:txBody>
-                <a:bodyPr vert="horz" lIns="91440" tIns="45720" rIns="91440" bIns="45720" rtlCol="0" anchor="b">
-                  <a:noAutofit/>
-                </a:bodyPr>
-                <a:lstStyle>
-                  <a:lvl1pPr algn="ctr" defTabSz="914400" rtl="0" eaLnBrk="1" latinLnBrk="0" hangingPunct="1">
-                    <a:lnSpc>
-                      <a:spcPct val="90000"/>
-                    </a:lnSpc>
-                    <a:spcBef>
-                      <a:spcPct val="0"/>
-                    </a:spcBef>
-                    <a:buNone/>
-                    <a:defRPr sz="6000" kern="1200">
-                      <a:solidFill>
-                        <a:schemeClr val="tx1"/>
-                      </a:solidFill>
-                      <a:latin typeface="+mj-lt"/>
-                      <a:ea typeface="+mj-ea"/>
-                      <a:cs typeface="+mj-cs"/>
-                    </a:defRPr>
-                  </a:lvl1pPr>
-                </a:lstStyle>
-                <a:p>
-                  <a:pPr algn="l"/>
-                  <a:r>
-                    <a:rPr lang="tr-TR" sz="2000" dirty="0">
-                      <a:solidFill>
-                        <a:srgbClr val="CB171F"/>
-                      </a:solidFill>
-                      <a:latin typeface="Constantia" panose="02030602050306030303" pitchFamily="18" charset="0"/>
-                      <a:ea typeface="Verdana" panose="020B0604030504040204" pitchFamily="34" charset="0"/>
-                      <a:cs typeface="Arial" panose="020B0604020202020204" pitchFamily="34" charset="0"/>
-                    </a:rPr>
-                    <a:t>Veri Bilimi Okulu</a:t>
-                  </a:r>
-                  <a:endParaRPr lang="en-US" sz="2000" dirty="0">
-                    <a:solidFill>
-                      <a:srgbClr val="CB171F"/>
-                    </a:solidFill>
-                    <a:latin typeface="Constantia" panose="02030602050306030303" pitchFamily="18" charset="0"/>
-                    <a:ea typeface="Verdana" panose="020B0604030504040204" pitchFamily="34" charset="0"/>
-                    <a:cs typeface="Arial" panose="020B0604020202020204" pitchFamily="34" charset="0"/>
-                  </a:endParaRPr>
-                </a:p>
-              </p:txBody>
-            </p:sp>
-          </p:grpSp>
-        </p:grpSp>
-        <p:sp>
-          <p:nvSpPr>
-            <p:cNvPr id="12" name="Metin kutusu 11"/>
-            <p:cNvSpPr txBox="1"/>
-            <p:nvPr/>
-          </p:nvSpPr>
-          <p:spPr>
-            <a:xfrm>
-              <a:off x="1582782" y="6493211"/>
-              <a:ext cx="1687468" cy="230832"/>
-            </a:xfrm>
-            <a:prstGeom prst="rect">
-              <a:avLst/>
-            </a:prstGeom>
-            <a:noFill/>
-          </p:spPr>
-          <p:txBody>
-            <a:bodyPr wrap="square" rtlCol="0">
-              <a:spAutoFit/>
-            </a:bodyPr>
-            <a:lstStyle/>
-            <a:p>
-              <a:r>
-                <a:rPr lang="en-US" sz="900" dirty="0">
-                  <a:solidFill>
-                    <a:srgbClr val="0B8043"/>
-                  </a:solidFill>
-                </a:rPr>
-                <a:t>https:</a:t>
-              </a:r>
-              <a:r>
-                <a:rPr lang="en-US" sz="900" dirty="0">
-                  <a:solidFill>
-                    <a:schemeClr val="bg1">
-                      <a:lumMod val="50000"/>
-                    </a:schemeClr>
-                  </a:solidFill>
-                </a:rPr>
-                <a:t>//www.veribilimi.co</a:t>
-              </a:r>
-            </a:p>
-          </p:txBody>
-        </p:sp>
-      </p:grpSp>
-      <p:grpSp>
-        <p:nvGrpSpPr>
-          <p:cNvPr id="11" name="Grup 10"/>
-          <p:cNvGrpSpPr/>
-          <p:nvPr/>
-        </p:nvGrpSpPr>
-        <p:grpSpPr>
-          <a:xfrm>
-            <a:off x="9194796" y="6231467"/>
-            <a:ext cx="2802471" cy="457084"/>
-            <a:chOff x="184993" y="5905369"/>
-            <a:chExt cx="5156200" cy="838200"/>
-          </a:xfrm>
-        </p:grpSpPr>
-        <p:sp>
-          <p:nvSpPr>
-            <p:cNvPr id="13" name="Dikdörtgen 12"/>
-            <p:cNvSpPr/>
-            <p:nvPr/>
-          </p:nvSpPr>
-          <p:spPr>
-            <a:xfrm>
-              <a:off x="184993" y="5905369"/>
-              <a:ext cx="5156200" cy="838200"/>
-            </a:xfrm>
-            <a:prstGeom prst="rect">
-              <a:avLst/>
-            </a:prstGeom>
-            <a:solidFill>
-              <a:schemeClr val="bg1">
-                <a:lumMod val="95000"/>
-              </a:schemeClr>
-            </a:solidFill>
-            <a:ln>
-              <a:noFill/>
-            </a:ln>
-          </p:spPr>
-          <p:style>
-            <a:lnRef idx="2">
-              <a:schemeClr val="accent1">
-                <a:shade val="50000"/>
-              </a:schemeClr>
-            </a:lnRef>
-            <a:fillRef idx="1">
-              <a:schemeClr val="accent1"/>
-            </a:fillRef>
-            <a:effectRef idx="0">
-              <a:schemeClr val="accent1"/>
-            </a:effectRef>
-            <a:fontRef idx="minor">
-              <a:schemeClr val="lt1"/>
-            </a:fontRef>
-          </p:style>
-          <p:txBody>
-            <a:bodyPr rtlCol="0" anchor="ctr"/>
-            <a:lstStyle/>
-            <a:p>
-              <a:pPr algn="ctr"/>
-              <a:endParaRPr lang="en-US" sz="2000"/>
-            </a:p>
-          </p:txBody>
-        </p:sp>
-        <p:sp>
-          <p:nvSpPr>
-            <p:cNvPr id="14" name="Unvan 1"/>
-            <p:cNvSpPr txBox="1">
-              <a:spLocks/>
-            </p:cNvSpPr>
-            <p:nvPr/>
-          </p:nvSpPr>
-          <p:spPr>
-            <a:xfrm>
-              <a:off x="302252" y="6024023"/>
-              <a:ext cx="4921678" cy="600892"/>
-            </a:xfrm>
-            <a:prstGeom prst="rect">
-              <a:avLst/>
-            </a:prstGeom>
-          </p:spPr>
-          <p:txBody>
-            <a:bodyPr vert="horz" lIns="91440" tIns="45720" rIns="91440" bIns="45720" rtlCol="0" anchor="b">
-              <a:noAutofit/>
-            </a:bodyPr>
-            <a:lstStyle>
-              <a:lvl1pPr algn="ctr" defTabSz="914400" rtl="0" eaLnBrk="1" latinLnBrk="0" hangingPunct="1">
-                <a:lnSpc>
-                  <a:spcPct val="90000"/>
-                </a:lnSpc>
-                <a:spcBef>
-                  <a:spcPct val="0"/>
-                </a:spcBef>
-                <a:buNone/>
-                <a:defRPr sz="6000" kern="1200">
-                  <a:solidFill>
-                    <a:schemeClr val="tx1"/>
-                  </a:solidFill>
-                  <a:latin typeface="+mj-lt"/>
-                  <a:ea typeface="+mj-ea"/>
-                  <a:cs typeface="+mj-cs"/>
-                </a:defRPr>
-              </a:lvl1pPr>
-            </a:lstStyle>
-            <a:p>
-              <a:pPr algn="l"/>
-              <a:r>
-                <a:rPr lang="tr-TR" sz="2000" dirty="0">
-                  <a:solidFill>
-                    <a:srgbClr val="CB171F"/>
-                  </a:solidFill>
-                  <a:latin typeface="Constantia" panose="02030602050306030303" pitchFamily="18" charset="0"/>
-                  <a:ea typeface="Verdana" panose="020B0604030504040204" pitchFamily="34" charset="0"/>
-                  <a:cs typeface="Arial" panose="020B0604020202020204" pitchFamily="34" charset="0"/>
-                </a:rPr>
-                <a:t>A’dan Z’ye Büyük Veri</a:t>
-              </a:r>
-              <a:endParaRPr lang="en-US" sz="2000" dirty="0">
-                <a:solidFill>
-                  <a:srgbClr val="CB171F"/>
-                </a:solidFill>
-                <a:latin typeface="Constantia" panose="02030602050306030303" pitchFamily="18" charset="0"/>
-                <a:ea typeface="Verdana" panose="020B0604030504040204" pitchFamily="34" charset="0"/>
-                <a:cs typeface="Arial" panose="020B0604020202020204" pitchFamily="34" charset="0"/>
-              </a:endParaRPr>
-            </a:p>
-          </p:txBody>
-        </p:sp>
-      </p:grpSp>
       <p:sp>
         <p:nvSpPr>
           <p:cNvPr id="16" name="Unvan 1"/>
@@ -15072,362 +10929,6 @@
           </a:fontRef>
         </p:style>
       </p:cxnSp>
-      <p:grpSp>
-        <p:nvGrpSpPr>
-          <p:cNvPr id="15" name="Grup 14"/>
-          <p:cNvGrpSpPr/>
-          <p:nvPr/>
-        </p:nvGrpSpPr>
-        <p:grpSpPr>
-          <a:xfrm>
-            <a:off x="228596" y="6231467"/>
-            <a:ext cx="3041654" cy="492576"/>
-            <a:chOff x="228596" y="6231467"/>
-            <a:chExt cx="3041654" cy="492576"/>
-          </a:xfrm>
-        </p:grpSpPr>
-        <p:grpSp>
-          <p:nvGrpSpPr>
-            <p:cNvPr id="8" name="Grup 7"/>
-            <p:cNvGrpSpPr/>
-            <p:nvPr/>
-          </p:nvGrpSpPr>
-          <p:grpSpPr>
-            <a:xfrm>
-              <a:off x="228596" y="6231467"/>
-              <a:ext cx="2802471" cy="457084"/>
-              <a:chOff x="127000" y="5901146"/>
-              <a:chExt cx="5156200" cy="838200"/>
-            </a:xfrm>
-          </p:grpSpPr>
-          <p:sp>
-            <p:nvSpPr>
-              <p:cNvPr id="7" name="Dikdörtgen 6"/>
-              <p:cNvSpPr/>
-              <p:nvPr/>
-            </p:nvSpPr>
-            <p:spPr>
-              <a:xfrm>
-                <a:off x="127000" y="5901146"/>
-                <a:ext cx="5156200" cy="838200"/>
-              </a:xfrm>
-              <a:prstGeom prst="rect">
-                <a:avLst/>
-              </a:prstGeom>
-              <a:solidFill>
-                <a:schemeClr val="bg1">
-                  <a:lumMod val="95000"/>
-                </a:schemeClr>
-              </a:solidFill>
-              <a:ln>
-                <a:noFill/>
-              </a:ln>
-            </p:spPr>
-            <p:style>
-              <a:lnRef idx="2">
-                <a:schemeClr val="accent1">
-                  <a:shade val="50000"/>
-                </a:schemeClr>
-              </a:lnRef>
-              <a:fillRef idx="1">
-                <a:schemeClr val="accent1"/>
-              </a:fillRef>
-              <a:effectRef idx="0">
-                <a:schemeClr val="accent1"/>
-              </a:effectRef>
-              <a:fontRef idx="minor">
-                <a:schemeClr val="lt1"/>
-              </a:fontRef>
-            </p:style>
-            <p:txBody>
-              <a:bodyPr rtlCol="0" anchor="ctr"/>
-              <a:lstStyle/>
-              <a:p>
-                <a:pPr algn="ctr"/>
-                <a:endParaRPr lang="en-US" sz="2000"/>
-              </a:p>
-            </p:txBody>
-          </p:sp>
-          <p:grpSp>
-            <p:nvGrpSpPr>
-              <p:cNvPr id="6" name="Grup 5"/>
-              <p:cNvGrpSpPr/>
-              <p:nvPr/>
-            </p:nvGrpSpPr>
-            <p:grpSpPr>
-              <a:xfrm>
-                <a:off x="211667" y="6019800"/>
-                <a:ext cx="5012266" cy="605115"/>
-                <a:chOff x="211667" y="6019800"/>
-                <a:chExt cx="5012266" cy="605115"/>
-              </a:xfrm>
-            </p:grpSpPr>
-            <p:pic>
-              <p:nvPicPr>
-                <p:cNvPr id="4" name="Resim 3"/>
-                <p:cNvPicPr>
-                  <a:picLocks noChangeAspect="1"/>
-                </p:cNvPicPr>
-                <p:nvPr/>
-              </p:nvPicPr>
-              <p:blipFill rotWithShape="1">
-                <a:blip r:embed="rId3" cstate="print">
-                  <a:extLst>
-                    <a:ext uri="{28A0092B-C50C-407E-A947-70E740481C1C}">
-                      <a14:useLocalDpi xmlns:a14="http://schemas.microsoft.com/office/drawing/2010/main" val="0"/>
-                    </a:ext>
-                  </a:extLst>
-                </a:blip>
-                <a:srcRect l="24387" t="8319" r="18355" b="50150"/>
-                <a:stretch/>
-              </p:blipFill>
-              <p:spPr>
-                <a:xfrm>
-                  <a:off x="211667" y="6019800"/>
-                  <a:ext cx="1072095" cy="600892"/>
-                </a:xfrm>
-                <a:prstGeom prst="rect">
-                  <a:avLst/>
-                </a:prstGeom>
-              </p:spPr>
-            </p:pic>
-            <p:sp>
-              <p:nvSpPr>
-                <p:cNvPr id="5" name="Unvan 1"/>
-                <p:cNvSpPr txBox="1">
-                  <a:spLocks/>
-                </p:cNvSpPr>
-                <p:nvPr/>
-              </p:nvSpPr>
-              <p:spPr>
-                <a:xfrm>
-                  <a:off x="1283763" y="6024023"/>
-                  <a:ext cx="3940170" cy="600892"/>
-                </a:xfrm>
-                <a:prstGeom prst="rect">
-                  <a:avLst/>
-                </a:prstGeom>
-              </p:spPr>
-              <p:txBody>
-                <a:bodyPr vert="horz" lIns="91440" tIns="45720" rIns="91440" bIns="45720" rtlCol="0" anchor="b">
-                  <a:noAutofit/>
-                </a:bodyPr>
-                <a:lstStyle>
-                  <a:lvl1pPr algn="ctr" defTabSz="914400" rtl="0" eaLnBrk="1" latinLnBrk="0" hangingPunct="1">
-                    <a:lnSpc>
-                      <a:spcPct val="90000"/>
-                    </a:lnSpc>
-                    <a:spcBef>
-                      <a:spcPct val="0"/>
-                    </a:spcBef>
-                    <a:buNone/>
-                    <a:defRPr sz="6000" kern="1200">
-                      <a:solidFill>
-                        <a:schemeClr val="tx1"/>
-                      </a:solidFill>
-                      <a:latin typeface="+mj-lt"/>
-                      <a:ea typeface="+mj-ea"/>
-                      <a:cs typeface="+mj-cs"/>
-                    </a:defRPr>
-                  </a:lvl1pPr>
-                </a:lstStyle>
-                <a:p>
-                  <a:pPr algn="l"/>
-                  <a:r>
-                    <a:rPr lang="tr-TR" sz="2000" dirty="0">
-                      <a:solidFill>
-                        <a:srgbClr val="CB171F"/>
-                      </a:solidFill>
-                      <a:latin typeface="Constantia" panose="02030602050306030303" pitchFamily="18" charset="0"/>
-                      <a:ea typeface="Verdana" panose="020B0604030504040204" pitchFamily="34" charset="0"/>
-                      <a:cs typeface="Arial" panose="020B0604020202020204" pitchFamily="34" charset="0"/>
-                    </a:rPr>
-                    <a:t>Veri Bilimi Okulu</a:t>
-                  </a:r>
-                  <a:endParaRPr lang="en-US" sz="2000" dirty="0">
-                    <a:solidFill>
-                      <a:srgbClr val="CB171F"/>
-                    </a:solidFill>
-                    <a:latin typeface="Constantia" panose="02030602050306030303" pitchFamily="18" charset="0"/>
-                    <a:ea typeface="Verdana" panose="020B0604030504040204" pitchFamily="34" charset="0"/>
-                    <a:cs typeface="Arial" panose="020B0604020202020204" pitchFamily="34" charset="0"/>
-                  </a:endParaRPr>
-                </a:p>
-              </p:txBody>
-            </p:sp>
-          </p:grpSp>
-        </p:grpSp>
-        <p:sp>
-          <p:nvSpPr>
-            <p:cNvPr id="12" name="Metin kutusu 11"/>
-            <p:cNvSpPr txBox="1"/>
-            <p:nvPr/>
-          </p:nvSpPr>
-          <p:spPr>
-            <a:xfrm>
-              <a:off x="1582782" y="6493211"/>
-              <a:ext cx="1687468" cy="230832"/>
-            </a:xfrm>
-            <a:prstGeom prst="rect">
-              <a:avLst/>
-            </a:prstGeom>
-            <a:noFill/>
-          </p:spPr>
-          <p:txBody>
-            <a:bodyPr wrap="square" rtlCol="0">
-              <a:spAutoFit/>
-            </a:bodyPr>
-            <a:lstStyle/>
-            <a:p>
-              <a:r>
-                <a:rPr lang="en-US" sz="900" dirty="0">
-                  <a:solidFill>
-                    <a:srgbClr val="0B8043"/>
-                  </a:solidFill>
-                </a:rPr>
-                <a:t>https:</a:t>
-              </a:r>
-              <a:r>
-                <a:rPr lang="en-US" sz="900" dirty="0">
-                  <a:solidFill>
-                    <a:schemeClr val="bg1">
-                      <a:lumMod val="50000"/>
-                    </a:schemeClr>
-                  </a:solidFill>
-                </a:rPr>
-                <a:t>//www.veribilimi.co</a:t>
-              </a:r>
-            </a:p>
-          </p:txBody>
-        </p:sp>
-      </p:grpSp>
-      <p:grpSp>
-        <p:nvGrpSpPr>
-          <p:cNvPr id="11" name="Grup 10"/>
-          <p:cNvGrpSpPr/>
-          <p:nvPr/>
-        </p:nvGrpSpPr>
-        <p:grpSpPr>
-          <a:xfrm>
-            <a:off x="9194796" y="6231467"/>
-            <a:ext cx="2802471" cy="457084"/>
-            <a:chOff x="184993" y="5905369"/>
-            <a:chExt cx="5156200" cy="838200"/>
-          </a:xfrm>
-        </p:grpSpPr>
-        <p:sp>
-          <p:nvSpPr>
-            <p:cNvPr id="13" name="Dikdörtgen 12"/>
-            <p:cNvSpPr/>
-            <p:nvPr/>
-          </p:nvSpPr>
-          <p:spPr>
-            <a:xfrm>
-              <a:off x="184993" y="5905369"/>
-              <a:ext cx="5156200" cy="838200"/>
-            </a:xfrm>
-            <a:prstGeom prst="rect">
-              <a:avLst/>
-            </a:prstGeom>
-            <a:solidFill>
-              <a:schemeClr val="bg1">
-                <a:lumMod val="95000"/>
-              </a:schemeClr>
-            </a:solidFill>
-            <a:ln>
-              <a:noFill/>
-            </a:ln>
-          </p:spPr>
-          <p:style>
-            <a:lnRef idx="2">
-              <a:schemeClr val="accent1">
-                <a:shade val="50000"/>
-              </a:schemeClr>
-            </a:lnRef>
-            <a:fillRef idx="1">
-              <a:schemeClr val="accent1"/>
-            </a:fillRef>
-            <a:effectRef idx="0">
-              <a:schemeClr val="accent1"/>
-            </a:effectRef>
-            <a:fontRef idx="minor">
-              <a:schemeClr val="lt1"/>
-            </a:fontRef>
-          </p:style>
-          <p:txBody>
-            <a:bodyPr rtlCol="0" anchor="ctr"/>
-            <a:lstStyle/>
-            <a:p>
-              <a:pPr algn="ctr"/>
-              <a:endParaRPr lang="en-US" sz="2000"/>
-            </a:p>
-          </p:txBody>
-        </p:sp>
-        <p:sp>
-          <p:nvSpPr>
-            <p:cNvPr id="14" name="Unvan 1"/>
-            <p:cNvSpPr txBox="1">
-              <a:spLocks/>
-            </p:cNvSpPr>
-            <p:nvPr/>
-          </p:nvSpPr>
-          <p:spPr>
-            <a:xfrm>
-              <a:off x="302252" y="6024023"/>
-              <a:ext cx="4921678" cy="600892"/>
-            </a:xfrm>
-            <a:prstGeom prst="rect">
-              <a:avLst/>
-            </a:prstGeom>
-          </p:spPr>
-          <p:txBody>
-            <a:bodyPr vert="horz" lIns="91440" tIns="45720" rIns="91440" bIns="45720" rtlCol="0" anchor="b">
-              <a:noAutofit/>
-            </a:bodyPr>
-            <a:lstStyle>
-              <a:lvl1pPr algn="ctr" defTabSz="914400" rtl="0" eaLnBrk="1" latinLnBrk="0" hangingPunct="1">
-                <a:lnSpc>
-                  <a:spcPct val="90000"/>
-                </a:lnSpc>
-                <a:spcBef>
-                  <a:spcPct val="0"/>
-                </a:spcBef>
-                <a:buNone/>
-                <a:defRPr sz="6000" kern="1200">
-                  <a:solidFill>
-                    <a:schemeClr val="tx1"/>
-                  </a:solidFill>
-                  <a:latin typeface="+mj-lt"/>
-                  <a:ea typeface="+mj-ea"/>
-                  <a:cs typeface="+mj-cs"/>
-                </a:defRPr>
-              </a:lvl1pPr>
-            </a:lstStyle>
-            <a:p>
-              <a:pPr algn="l"/>
-              <a:r>
-                <a:rPr lang="tr-TR" sz="2000" dirty="0">
-                  <a:solidFill>
-                    <a:srgbClr val="CB171F"/>
-                  </a:solidFill>
-                  <a:latin typeface="Constantia" panose="02030602050306030303" pitchFamily="18" charset="0"/>
-                  <a:ea typeface="Verdana" panose="020B0604030504040204" pitchFamily="34" charset="0"/>
-                  <a:cs typeface="Arial" panose="020B0604020202020204" pitchFamily="34" charset="0"/>
-                </a:rPr>
-                <a:t>A’dan Z’ye Büyük Veri</a:t>
-              </a:r>
-              <a:endParaRPr lang="en-US" sz="2000" dirty="0">
-                <a:solidFill>
-                  <a:srgbClr val="CB171F"/>
-                </a:solidFill>
-                <a:latin typeface="Constantia" panose="02030602050306030303" pitchFamily="18" charset="0"/>
-                <a:ea typeface="Verdana" panose="020B0604030504040204" pitchFamily="34" charset="0"/>
-                <a:cs typeface="Arial" panose="020B0604020202020204" pitchFamily="34" charset="0"/>
-              </a:endParaRPr>
-            </a:p>
-          </p:txBody>
-        </p:sp>
-      </p:grpSp>
       <p:sp>
         <p:nvSpPr>
           <p:cNvPr id="39" name="Unvan 1"/>
@@ -15677,7 +11178,7 @@
           <p:nvPr/>
         </p:nvPicPr>
         <p:blipFill>
-          <a:blip r:embed="rId4">
+          <a:blip r:embed="rId3">
             <a:extLst>
               <a:ext uri="{28A0092B-C50C-407E-A947-70E740481C1C}">
                 <a14:useLocalDpi xmlns:a14="http://schemas.microsoft.com/office/drawing/2010/main" val="0"/>
@@ -15840,7 +11341,7 @@
           <p:nvPr/>
         </p:nvPicPr>
         <p:blipFill rotWithShape="1">
-          <a:blip r:embed="rId5">
+          <a:blip r:embed="rId4">
             <a:extLst>
               <a:ext uri="{28A0092B-C50C-407E-A947-70E740481C1C}">
                 <a14:useLocalDpi xmlns:a14="http://schemas.microsoft.com/office/drawing/2010/main" val="0"/>
@@ -16584,362 +12085,6 @@
           </a:fontRef>
         </p:style>
       </p:cxnSp>
-      <p:grpSp>
-        <p:nvGrpSpPr>
-          <p:cNvPr id="15" name="Grup 14"/>
-          <p:cNvGrpSpPr/>
-          <p:nvPr/>
-        </p:nvGrpSpPr>
-        <p:grpSpPr>
-          <a:xfrm>
-            <a:off x="228596" y="6231467"/>
-            <a:ext cx="3041654" cy="492576"/>
-            <a:chOff x="228596" y="6231467"/>
-            <a:chExt cx="3041654" cy="492576"/>
-          </a:xfrm>
-        </p:grpSpPr>
-        <p:grpSp>
-          <p:nvGrpSpPr>
-            <p:cNvPr id="8" name="Grup 7"/>
-            <p:cNvGrpSpPr/>
-            <p:nvPr/>
-          </p:nvGrpSpPr>
-          <p:grpSpPr>
-            <a:xfrm>
-              <a:off x="228596" y="6231467"/>
-              <a:ext cx="2802471" cy="457084"/>
-              <a:chOff x="127000" y="5901146"/>
-              <a:chExt cx="5156200" cy="838200"/>
-            </a:xfrm>
-          </p:grpSpPr>
-          <p:sp>
-            <p:nvSpPr>
-              <p:cNvPr id="7" name="Dikdörtgen 6"/>
-              <p:cNvSpPr/>
-              <p:nvPr/>
-            </p:nvSpPr>
-            <p:spPr>
-              <a:xfrm>
-                <a:off x="127000" y="5901146"/>
-                <a:ext cx="5156200" cy="838200"/>
-              </a:xfrm>
-              <a:prstGeom prst="rect">
-                <a:avLst/>
-              </a:prstGeom>
-              <a:solidFill>
-                <a:schemeClr val="bg1">
-                  <a:lumMod val="95000"/>
-                </a:schemeClr>
-              </a:solidFill>
-              <a:ln>
-                <a:noFill/>
-              </a:ln>
-            </p:spPr>
-            <p:style>
-              <a:lnRef idx="2">
-                <a:schemeClr val="accent1">
-                  <a:shade val="50000"/>
-                </a:schemeClr>
-              </a:lnRef>
-              <a:fillRef idx="1">
-                <a:schemeClr val="accent1"/>
-              </a:fillRef>
-              <a:effectRef idx="0">
-                <a:schemeClr val="accent1"/>
-              </a:effectRef>
-              <a:fontRef idx="minor">
-                <a:schemeClr val="lt1"/>
-              </a:fontRef>
-            </p:style>
-            <p:txBody>
-              <a:bodyPr rtlCol="0" anchor="ctr"/>
-              <a:lstStyle/>
-              <a:p>
-                <a:pPr algn="ctr"/>
-                <a:endParaRPr lang="en-US" sz="2000"/>
-              </a:p>
-            </p:txBody>
-          </p:sp>
-          <p:grpSp>
-            <p:nvGrpSpPr>
-              <p:cNvPr id="6" name="Grup 5"/>
-              <p:cNvGrpSpPr/>
-              <p:nvPr/>
-            </p:nvGrpSpPr>
-            <p:grpSpPr>
-              <a:xfrm>
-                <a:off x="211667" y="6019800"/>
-                <a:ext cx="5012266" cy="605115"/>
-                <a:chOff x="211667" y="6019800"/>
-                <a:chExt cx="5012266" cy="605115"/>
-              </a:xfrm>
-            </p:grpSpPr>
-            <p:pic>
-              <p:nvPicPr>
-                <p:cNvPr id="4" name="Resim 3"/>
-                <p:cNvPicPr>
-                  <a:picLocks noChangeAspect="1"/>
-                </p:cNvPicPr>
-                <p:nvPr/>
-              </p:nvPicPr>
-              <p:blipFill rotWithShape="1">
-                <a:blip r:embed="rId2" cstate="print">
-                  <a:extLst>
-                    <a:ext uri="{28A0092B-C50C-407E-A947-70E740481C1C}">
-                      <a14:useLocalDpi xmlns:a14="http://schemas.microsoft.com/office/drawing/2010/main" val="0"/>
-                    </a:ext>
-                  </a:extLst>
-                </a:blip>
-                <a:srcRect l="24387" t="8319" r="18355" b="50150"/>
-                <a:stretch/>
-              </p:blipFill>
-              <p:spPr>
-                <a:xfrm>
-                  <a:off x="211667" y="6019800"/>
-                  <a:ext cx="1072095" cy="600892"/>
-                </a:xfrm>
-                <a:prstGeom prst="rect">
-                  <a:avLst/>
-                </a:prstGeom>
-              </p:spPr>
-            </p:pic>
-            <p:sp>
-              <p:nvSpPr>
-                <p:cNvPr id="5" name="Unvan 1"/>
-                <p:cNvSpPr txBox="1">
-                  <a:spLocks/>
-                </p:cNvSpPr>
-                <p:nvPr/>
-              </p:nvSpPr>
-              <p:spPr>
-                <a:xfrm>
-                  <a:off x="1283763" y="6024023"/>
-                  <a:ext cx="3940170" cy="600892"/>
-                </a:xfrm>
-                <a:prstGeom prst="rect">
-                  <a:avLst/>
-                </a:prstGeom>
-              </p:spPr>
-              <p:txBody>
-                <a:bodyPr vert="horz" lIns="91440" tIns="45720" rIns="91440" bIns="45720" rtlCol="0" anchor="b">
-                  <a:noAutofit/>
-                </a:bodyPr>
-                <a:lstStyle>
-                  <a:lvl1pPr algn="ctr" defTabSz="914400" rtl="0" eaLnBrk="1" latinLnBrk="0" hangingPunct="1">
-                    <a:lnSpc>
-                      <a:spcPct val="90000"/>
-                    </a:lnSpc>
-                    <a:spcBef>
-                      <a:spcPct val="0"/>
-                    </a:spcBef>
-                    <a:buNone/>
-                    <a:defRPr sz="6000" kern="1200">
-                      <a:solidFill>
-                        <a:schemeClr val="tx1"/>
-                      </a:solidFill>
-                      <a:latin typeface="+mj-lt"/>
-                      <a:ea typeface="+mj-ea"/>
-                      <a:cs typeface="+mj-cs"/>
-                    </a:defRPr>
-                  </a:lvl1pPr>
-                </a:lstStyle>
-                <a:p>
-                  <a:pPr algn="l"/>
-                  <a:r>
-                    <a:rPr lang="tr-TR" sz="2000" dirty="0">
-                      <a:solidFill>
-                        <a:srgbClr val="CB171F"/>
-                      </a:solidFill>
-                      <a:latin typeface="Constantia" panose="02030602050306030303" pitchFamily="18" charset="0"/>
-                      <a:ea typeface="Verdana" panose="020B0604030504040204" pitchFamily="34" charset="0"/>
-                      <a:cs typeface="Arial" panose="020B0604020202020204" pitchFamily="34" charset="0"/>
-                    </a:rPr>
-                    <a:t>Veri Bilimi Okulu</a:t>
-                  </a:r>
-                  <a:endParaRPr lang="en-US" sz="2000" dirty="0">
-                    <a:solidFill>
-                      <a:srgbClr val="CB171F"/>
-                    </a:solidFill>
-                    <a:latin typeface="Constantia" panose="02030602050306030303" pitchFamily="18" charset="0"/>
-                    <a:ea typeface="Verdana" panose="020B0604030504040204" pitchFamily="34" charset="0"/>
-                    <a:cs typeface="Arial" panose="020B0604020202020204" pitchFamily="34" charset="0"/>
-                  </a:endParaRPr>
-                </a:p>
-              </p:txBody>
-            </p:sp>
-          </p:grpSp>
-        </p:grpSp>
-        <p:sp>
-          <p:nvSpPr>
-            <p:cNvPr id="12" name="Metin kutusu 11"/>
-            <p:cNvSpPr txBox="1"/>
-            <p:nvPr/>
-          </p:nvSpPr>
-          <p:spPr>
-            <a:xfrm>
-              <a:off x="1582782" y="6493211"/>
-              <a:ext cx="1687468" cy="230832"/>
-            </a:xfrm>
-            <a:prstGeom prst="rect">
-              <a:avLst/>
-            </a:prstGeom>
-            <a:noFill/>
-          </p:spPr>
-          <p:txBody>
-            <a:bodyPr wrap="square" rtlCol="0">
-              <a:spAutoFit/>
-            </a:bodyPr>
-            <a:lstStyle/>
-            <a:p>
-              <a:r>
-                <a:rPr lang="en-US" sz="900" dirty="0">
-                  <a:solidFill>
-                    <a:srgbClr val="0B8043"/>
-                  </a:solidFill>
-                </a:rPr>
-                <a:t>https:</a:t>
-              </a:r>
-              <a:r>
-                <a:rPr lang="en-US" sz="900" dirty="0">
-                  <a:solidFill>
-                    <a:schemeClr val="bg1">
-                      <a:lumMod val="50000"/>
-                    </a:schemeClr>
-                  </a:solidFill>
-                </a:rPr>
-                <a:t>//www.veribilimi.co</a:t>
-              </a:r>
-            </a:p>
-          </p:txBody>
-        </p:sp>
-      </p:grpSp>
-      <p:grpSp>
-        <p:nvGrpSpPr>
-          <p:cNvPr id="11" name="Grup 10"/>
-          <p:cNvGrpSpPr/>
-          <p:nvPr/>
-        </p:nvGrpSpPr>
-        <p:grpSpPr>
-          <a:xfrm>
-            <a:off x="9194796" y="6231467"/>
-            <a:ext cx="2802471" cy="457084"/>
-            <a:chOff x="184993" y="5905369"/>
-            <a:chExt cx="5156200" cy="838200"/>
-          </a:xfrm>
-        </p:grpSpPr>
-        <p:sp>
-          <p:nvSpPr>
-            <p:cNvPr id="13" name="Dikdörtgen 12"/>
-            <p:cNvSpPr/>
-            <p:nvPr/>
-          </p:nvSpPr>
-          <p:spPr>
-            <a:xfrm>
-              <a:off x="184993" y="5905369"/>
-              <a:ext cx="5156200" cy="838200"/>
-            </a:xfrm>
-            <a:prstGeom prst="rect">
-              <a:avLst/>
-            </a:prstGeom>
-            <a:solidFill>
-              <a:schemeClr val="bg1">
-                <a:lumMod val="95000"/>
-              </a:schemeClr>
-            </a:solidFill>
-            <a:ln>
-              <a:noFill/>
-            </a:ln>
-          </p:spPr>
-          <p:style>
-            <a:lnRef idx="2">
-              <a:schemeClr val="accent1">
-                <a:shade val="50000"/>
-              </a:schemeClr>
-            </a:lnRef>
-            <a:fillRef idx="1">
-              <a:schemeClr val="accent1"/>
-            </a:fillRef>
-            <a:effectRef idx="0">
-              <a:schemeClr val="accent1"/>
-            </a:effectRef>
-            <a:fontRef idx="minor">
-              <a:schemeClr val="lt1"/>
-            </a:fontRef>
-          </p:style>
-          <p:txBody>
-            <a:bodyPr rtlCol="0" anchor="ctr"/>
-            <a:lstStyle/>
-            <a:p>
-              <a:pPr algn="ctr"/>
-              <a:endParaRPr lang="en-US" sz="2000"/>
-            </a:p>
-          </p:txBody>
-        </p:sp>
-        <p:sp>
-          <p:nvSpPr>
-            <p:cNvPr id="14" name="Unvan 1"/>
-            <p:cNvSpPr txBox="1">
-              <a:spLocks/>
-            </p:cNvSpPr>
-            <p:nvPr/>
-          </p:nvSpPr>
-          <p:spPr>
-            <a:xfrm>
-              <a:off x="302252" y="6024023"/>
-              <a:ext cx="4921678" cy="600892"/>
-            </a:xfrm>
-            <a:prstGeom prst="rect">
-              <a:avLst/>
-            </a:prstGeom>
-          </p:spPr>
-          <p:txBody>
-            <a:bodyPr vert="horz" lIns="91440" tIns="45720" rIns="91440" bIns="45720" rtlCol="0" anchor="b">
-              <a:noAutofit/>
-            </a:bodyPr>
-            <a:lstStyle>
-              <a:lvl1pPr algn="ctr" defTabSz="914400" rtl="0" eaLnBrk="1" latinLnBrk="0" hangingPunct="1">
-                <a:lnSpc>
-                  <a:spcPct val="90000"/>
-                </a:lnSpc>
-                <a:spcBef>
-                  <a:spcPct val="0"/>
-                </a:spcBef>
-                <a:buNone/>
-                <a:defRPr sz="6000" kern="1200">
-                  <a:solidFill>
-                    <a:schemeClr val="tx1"/>
-                  </a:solidFill>
-                  <a:latin typeface="+mj-lt"/>
-                  <a:ea typeface="+mj-ea"/>
-                  <a:cs typeface="+mj-cs"/>
-                </a:defRPr>
-              </a:lvl1pPr>
-            </a:lstStyle>
-            <a:p>
-              <a:pPr algn="l"/>
-              <a:r>
-                <a:rPr lang="tr-TR" sz="2000" dirty="0">
-                  <a:solidFill>
-                    <a:srgbClr val="CB171F"/>
-                  </a:solidFill>
-                  <a:latin typeface="Constantia" panose="02030602050306030303" pitchFamily="18" charset="0"/>
-                  <a:ea typeface="Verdana" panose="020B0604030504040204" pitchFamily="34" charset="0"/>
-                  <a:cs typeface="Arial" panose="020B0604020202020204" pitchFamily="34" charset="0"/>
-                </a:rPr>
-                <a:t>A’dan Z’ye Büyük Veri</a:t>
-              </a:r>
-              <a:endParaRPr lang="en-US" sz="2000" dirty="0">
-                <a:solidFill>
-                  <a:srgbClr val="CB171F"/>
-                </a:solidFill>
-                <a:latin typeface="Constantia" panose="02030602050306030303" pitchFamily="18" charset="0"/>
-                <a:ea typeface="Verdana" panose="020B0604030504040204" pitchFamily="34" charset="0"/>
-                <a:cs typeface="Arial" panose="020B0604020202020204" pitchFamily="34" charset="0"/>
-              </a:endParaRPr>
-            </a:p>
-          </p:txBody>
-        </p:sp>
-      </p:grpSp>
       <p:sp>
         <p:nvSpPr>
           <p:cNvPr id="16" name="Unvan 1"/>
